--- a/docs/slides/Display.pptx
+++ b/docs/slides/Display.pptx
@@ -193,7 +193,7 @@
           <a:p>
             <a:fld id="{A85B5F64-C6AB-4D2A-A6A5-B74B7BBFB14A}" type="datetimeFigureOut">
               <a:rPr lang="en-SG" smtClean="0"/>
-              <a:t>27/3/2020</a:t>
+              <a:t>3/4/2020</a:t>
             </a:fld>
             <a:endParaRPr lang="en-SG"/>
           </a:p>
@@ -742,7 +742,7 @@
           <a:p>
             <a:fld id="{FDF0BC31-AB78-47E3-B881-9EA76E133042}" type="datetimeFigureOut">
               <a:rPr lang="en-SG" smtClean="0"/>
-              <a:t>27/3/2020</a:t>
+              <a:t>3/4/2020</a:t>
             </a:fld>
             <a:endParaRPr lang="en-SG"/>
           </a:p>
@@ -912,7 +912,7 @@
           <a:p>
             <a:fld id="{FDF0BC31-AB78-47E3-B881-9EA76E133042}" type="datetimeFigureOut">
               <a:rPr lang="en-SG" smtClean="0"/>
-              <a:t>27/3/2020</a:t>
+              <a:t>3/4/2020</a:t>
             </a:fld>
             <a:endParaRPr lang="en-SG"/>
           </a:p>
@@ -1092,7 +1092,7 @@
           <a:p>
             <a:fld id="{FDF0BC31-AB78-47E3-B881-9EA76E133042}" type="datetimeFigureOut">
               <a:rPr lang="en-SG" smtClean="0"/>
-              <a:t>27/3/2020</a:t>
+              <a:t>3/4/2020</a:t>
             </a:fld>
             <a:endParaRPr lang="en-SG"/>
           </a:p>
@@ -1262,7 +1262,7 @@
           <a:p>
             <a:fld id="{FDF0BC31-AB78-47E3-B881-9EA76E133042}" type="datetimeFigureOut">
               <a:rPr lang="en-SG" smtClean="0"/>
-              <a:t>27/3/2020</a:t>
+              <a:t>3/4/2020</a:t>
             </a:fld>
             <a:endParaRPr lang="en-SG"/>
           </a:p>
@@ -1508,7 +1508,7 @@
           <a:p>
             <a:fld id="{FDF0BC31-AB78-47E3-B881-9EA76E133042}" type="datetimeFigureOut">
               <a:rPr lang="en-SG" smtClean="0"/>
-              <a:t>27/3/2020</a:t>
+              <a:t>3/4/2020</a:t>
             </a:fld>
             <a:endParaRPr lang="en-SG"/>
           </a:p>
@@ -1796,7 +1796,7 @@
           <a:p>
             <a:fld id="{FDF0BC31-AB78-47E3-B881-9EA76E133042}" type="datetimeFigureOut">
               <a:rPr lang="en-SG" smtClean="0"/>
-              <a:t>27/3/2020</a:t>
+              <a:t>3/4/2020</a:t>
             </a:fld>
             <a:endParaRPr lang="en-SG"/>
           </a:p>
@@ -2218,7 +2218,7 @@
           <a:p>
             <a:fld id="{FDF0BC31-AB78-47E3-B881-9EA76E133042}" type="datetimeFigureOut">
               <a:rPr lang="en-SG" smtClean="0"/>
-              <a:t>27/3/2020</a:t>
+              <a:t>3/4/2020</a:t>
             </a:fld>
             <a:endParaRPr lang="en-SG"/>
           </a:p>
@@ -2336,7 +2336,7 @@
           <a:p>
             <a:fld id="{FDF0BC31-AB78-47E3-B881-9EA76E133042}" type="datetimeFigureOut">
               <a:rPr lang="en-SG" smtClean="0"/>
-              <a:t>27/3/2020</a:t>
+              <a:t>3/4/2020</a:t>
             </a:fld>
             <a:endParaRPr lang="en-SG"/>
           </a:p>
@@ -2431,7 +2431,7 @@
           <a:p>
             <a:fld id="{FDF0BC31-AB78-47E3-B881-9EA76E133042}" type="datetimeFigureOut">
               <a:rPr lang="en-SG" smtClean="0"/>
-              <a:t>27/3/2020</a:t>
+              <a:t>3/4/2020</a:t>
             </a:fld>
             <a:endParaRPr lang="en-SG"/>
           </a:p>
@@ -2708,7 +2708,7 @@
           <a:p>
             <a:fld id="{FDF0BC31-AB78-47E3-B881-9EA76E133042}" type="datetimeFigureOut">
               <a:rPr lang="en-SG" smtClean="0"/>
-              <a:t>27/3/2020</a:t>
+              <a:t>3/4/2020</a:t>
             </a:fld>
             <a:endParaRPr lang="en-SG"/>
           </a:p>
@@ -2961,7 +2961,7 @@
           <a:p>
             <a:fld id="{FDF0BC31-AB78-47E3-B881-9EA76E133042}" type="datetimeFigureOut">
               <a:rPr lang="en-SG" smtClean="0"/>
-              <a:t>27/3/2020</a:t>
+              <a:t>3/4/2020</a:t>
             </a:fld>
             <a:endParaRPr lang="en-SG"/>
           </a:p>
@@ -3174,7 +3174,7 @@
           <a:p>
             <a:fld id="{FDF0BC31-AB78-47E3-B881-9EA76E133042}" type="datetimeFigureOut">
               <a:rPr lang="en-SG" smtClean="0"/>
-              <a:t>27/3/2020</a:t>
+              <a:t>3/4/2020</a:t>
             </a:fld>
             <a:endParaRPr lang="en-SG"/>
           </a:p>
@@ -3559,8 +3559,8 @@
         </p:nvSpPr>
         <p:spPr bwMode="auto">
           <a:xfrm flipH="1">
-            <a:off x="723645" y="1440949"/>
-            <a:ext cx="5124" cy="4822691"/>
+            <a:off x="723644" y="1398789"/>
+            <a:ext cx="5125" cy="4864851"/>
           </a:xfrm>
           <a:prstGeom prst="line">
             <a:avLst/>
@@ -3676,62 +3676,6 @@
       </p:sp>
       <p:sp>
         <p:nvSpPr>
-          <p:cNvPr id="17" name="Rectangle 16"/>
-          <p:cNvSpPr/>
-          <p:nvPr/>
-        </p:nvSpPr>
-        <p:spPr>
-          <a:xfrm>
-            <a:off x="603890" y="1721228"/>
-            <a:ext cx="225619" cy="4222372"/>
-          </a:xfrm>
-          <a:prstGeom prst="rect">
-            <a:avLst/>
-          </a:prstGeom>
-          <a:solidFill>
-            <a:schemeClr val="accent2">
-              <a:lumMod val="40000"/>
-              <a:lumOff val="60000"/>
-            </a:schemeClr>
-          </a:solidFill>
-          <a:ln>
-            <a:solidFill>
-              <a:schemeClr val="accent2">
-                <a:lumMod val="60000"/>
-                <a:lumOff val="40000"/>
-              </a:schemeClr>
-            </a:solidFill>
-          </a:ln>
-        </p:spPr>
-        <p:style>
-          <a:lnRef idx="2">
-            <a:schemeClr val="accent4"/>
-          </a:lnRef>
-          <a:fillRef idx="1">
-            <a:schemeClr val="lt1"/>
-          </a:fillRef>
-          <a:effectRef idx="0">
-            <a:schemeClr val="accent4"/>
-          </a:effectRef>
-          <a:fontRef idx="minor">
-            <a:schemeClr val="dk1"/>
-          </a:fontRef>
-        </p:style>
-        <p:txBody>
-          <a:bodyPr rtlCol="0" anchor="ctr"/>
-          <a:lstStyle/>
-          <a:p>
-            <a:pPr algn="ctr" defTabSz="872733"/>
-            <a:endParaRPr lang="en-US" sz="1500">
-              <a:solidFill>
-                <a:prstClr val="black"/>
-              </a:solidFill>
-            </a:endParaRPr>
-          </a:p>
-        </p:txBody>
-      </p:sp>
-      <p:sp>
-        <p:nvSpPr>
           <p:cNvPr id="18" name="Text Box 11"/>
           <p:cNvSpPr txBox="1">
             <a:spLocks noChangeArrowheads="1"/>
@@ -3800,15 +3744,7 @@
                   <a:prstClr val="black"/>
                 </a:solidFill>
               </a:rPr>
-              <a:t>isplay</a:t>
-            </a:r>
-            <a:r>
-              <a:rPr lang="en-US" sz="1500" dirty="0" err="1" smtClean="0">
-                <a:solidFill>
-                  <a:prstClr val="black"/>
-                </a:solidFill>
-              </a:rPr>
-              <a:t>Command</a:t>
+              <a:t>isplayCommand</a:t>
             </a:r>
             <a:endParaRPr lang="en-US" sz="1500" dirty="0">
               <a:solidFill>
@@ -3828,8 +3764,8 @@
         </p:nvSpPr>
         <p:spPr bwMode="auto">
           <a:xfrm flipH="1">
-            <a:off x="3018095" y="2137789"/>
-            <a:ext cx="8589" cy="1590924"/>
+            <a:off x="3026683" y="2137788"/>
+            <a:ext cx="0" cy="1675249"/>
           </a:xfrm>
           <a:prstGeom prst="line">
             <a:avLst/>
@@ -3882,8 +3818,8 @@
         </p:nvSpPr>
         <p:spPr bwMode="auto">
           <a:xfrm flipV="1">
-            <a:off x="823868" y="1898263"/>
-            <a:ext cx="1747815" cy="12191"/>
+            <a:off x="728770" y="1898262"/>
+            <a:ext cx="1842914" cy="0"/>
           </a:xfrm>
           <a:prstGeom prst="line">
             <a:avLst/>
@@ -3921,8 +3857,8 @@
         </p:nvSpPr>
         <p:spPr bwMode="auto">
           <a:xfrm>
-            <a:off x="3194468" y="2897880"/>
-            <a:ext cx="1582674" cy="0"/>
+            <a:off x="3021458" y="2897880"/>
+            <a:ext cx="1755684" cy="0"/>
           </a:xfrm>
           <a:prstGeom prst="line">
             <a:avLst/>
@@ -3962,7 +3898,7 @@
         </p:nvSpPr>
         <p:spPr bwMode="auto">
           <a:xfrm>
-            <a:off x="808004" y="2320801"/>
+            <a:off x="755576" y="2348880"/>
             <a:ext cx="2500554" cy="323165"/>
           </a:xfrm>
           <a:prstGeom prst="rect">
@@ -4051,11 +3987,7 @@
             </a:r>
             <a:r>
               <a:rPr lang="en-US" sz="1500" i="1" dirty="0" err="1" smtClean="0"/>
-              <a:t>Display</a:t>
-            </a:r>
-            <a:r>
-              <a:rPr lang="en-US" sz="1500" i="1" dirty="0" err="1" smtClean="0"/>
-              <a:t>Command</a:t>
+              <a:t>DisplayCommand</a:t>
             </a:r>
             <a:endParaRPr lang="en-US" sz="1500" i="1" dirty="0"/>
           </a:p>
@@ -4125,8 +4057,8 @@
         </p:nvSpPr>
         <p:spPr bwMode="auto">
           <a:xfrm flipV="1">
-            <a:off x="863760" y="2696243"/>
-            <a:ext cx="2040971" cy="1"/>
+            <a:off x="728770" y="2696241"/>
+            <a:ext cx="2287970" cy="1"/>
           </a:xfrm>
           <a:prstGeom prst="line">
             <a:avLst/>
@@ -4200,65 +4132,10 @@
       </p:sp>
       <p:sp>
         <p:nvSpPr>
-          <p:cNvPr id="40" name="Rectangle 39"/>
-          <p:cNvSpPr/>
-          <p:nvPr/>
-        </p:nvSpPr>
-        <p:spPr>
-          <a:xfrm>
-            <a:off x="5451133" y="4066312"/>
-            <a:ext cx="251361" cy="1370068"/>
-          </a:xfrm>
-          <a:prstGeom prst="rect">
-            <a:avLst/>
-          </a:prstGeom>
-          <a:solidFill>
-            <a:schemeClr val="accent3">
-              <a:lumMod val="20000"/>
-              <a:lumOff val="80000"/>
-            </a:schemeClr>
-          </a:solidFill>
-          <a:ln>
-            <a:solidFill>
-              <a:schemeClr val="accent3">
-                <a:lumMod val="75000"/>
-              </a:schemeClr>
-            </a:solidFill>
-          </a:ln>
-        </p:spPr>
-        <p:style>
-          <a:lnRef idx="2">
-            <a:schemeClr val="accent4"/>
-          </a:lnRef>
-          <a:fillRef idx="1">
-            <a:schemeClr val="lt1"/>
-          </a:fillRef>
-          <a:effectRef idx="0">
-            <a:schemeClr val="accent4"/>
-          </a:effectRef>
-          <a:fontRef idx="minor">
-            <a:schemeClr val="dk1"/>
-          </a:fontRef>
-        </p:style>
-        <p:txBody>
-          <a:bodyPr rtlCol="0" anchor="ctr"/>
-          <a:lstStyle/>
-          <a:p>
-            <a:pPr algn="ctr" defTabSz="872733"/>
-            <a:endParaRPr lang="en-US" sz="1500">
-              <a:solidFill>
-                <a:prstClr val="black"/>
-              </a:solidFill>
-            </a:endParaRPr>
-          </a:p>
-        </p:txBody>
-      </p:sp>
-      <p:sp>
-        <p:nvSpPr>
           <p:cNvPr id="42" name="Text Box 11">
             <a:extLst>
               <a:ext uri="{FF2B5EF4-FFF2-40B4-BE49-F238E27FC236}">
-                <a16:creationId xmlns:a16="http://schemas.microsoft.com/office/drawing/2014/main" xmlns="" id="{569EC1FF-3CDF-4E6B-82B3-104CCA3F3E9D}"/>
+                <a16:creationId xmlns="" xmlns:a16="http://schemas.microsoft.com/office/drawing/2014/main" id="{569EC1FF-3CDF-4E6B-82B3-104CCA3F3E9D}"/>
               </a:ext>
             </a:extLst>
           </p:cNvPr>
@@ -4338,7 +4215,7 @@
           <p:cNvPr id="43" name="Text Box 11">
             <a:extLst>
               <a:ext uri="{FF2B5EF4-FFF2-40B4-BE49-F238E27FC236}">
-                <a16:creationId xmlns:a16="http://schemas.microsoft.com/office/drawing/2014/main" xmlns="" id="{79ACA4C9-9678-4611-AE49-25FE7CAE8B35}"/>
+                <a16:creationId xmlns="" xmlns:a16="http://schemas.microsoft.com/office/drawing/2014/main" id="{79ACA4C9-9678-4611-AE49-25FE7CAE8B35}"/>
               </a:ext>
             </a:extLst>
           </p:cNvPr>
@@ -4405,15 +4282,7 @@
                   <a:prstClr val="black"/>
                 </a:solidFill>
               </a:rPr>
-              <a:t>:</a:t>
-            </a:r>
-            <a:r>
-              <a:rPr lang="en-US" sz="1500" dirty="0" err="1" smtClean="0">
-                <a:solidFill>
-                  <a:prstClr val="black"/>
-                </a:solidFill>
-              </a:rPr>
-              <a:t>Shoco</a:t>
+              <a:t>:Duke</a:t>
             </a:r>
             <a:endParaRPr lang="en-US" sz="1500" dirty="0">
               <a:solidFill>
@@ -4425,74 +4294,13 @@
       </p:sp>
       <p:sp>
         <p:nvSpPr>
-          <p:cNvPr id="44" name="Rectangle 43">
+          <p:cNvPr id="45" name="Line 15">
             <a:extLst>
               <a:ext uri="{FF2B5EF4-FFF2-40B4-BE49-F238E27FC236}">
-                <a16:creationId xmlns:a16="http://schemas.microsoft.com/office/drawing/2014/main" xmlns="" id="{1ABAE2EE-0C6F-40C9-9F83-C6E45146189B}"/>
+                <a16:creationId xmlns="" xmlns:a16="http://schemas.microsoft.com/office/drawing/2014/main" id="{0EB24DA8-2498-4853-AED4-3458A81C456A}"/>
               </a:ext>
             </a:extLst>
           </p:cNvPr>
-          <p:cNvSpPr/>
-          <p:nvPr/>
-        </p:nvSpPr>
-        <p:spPr>
-          <a:xfrm>
-            <a:off x="2888219" y="2698465"/>
-            <a:ext cx="286905" cy="893938"/>
-          </a:xfrm>
-          <a:prstGeom prst="rect">
-            <a:avLst/>
-          </a:prstGeom>
-          <a:solidFill>
-            <a:schemeClr val="accent4">
-              <a:lumMod val="40000"/>
-              <a:lumOff val="60000"/>
-            </a:schemeClr>
-          </a:solidFill>
-          <a:ln>
-            <a:solidFill>
-              <a:schemeClr val="accent4">
-                <a:lumMod val="75000"/>
-              </a:schemeClr>
-            </a:solidFill>
-          </a:ln>
-        </p:spPr>
-        <p:style>
-          <a:lnRef idx="2">
-            <a:schemeClr val="accent4"/>
-          </a:lnRef>
-          <a:fillRef idx="1">
-            <a:schemeClr val="lt1"/>
-          </a:fillRef>
-          <a:effectRef idx="0">
-            <a:schemeClr val="accent4"/>
-          </a:effectRef>
-          <a:fontRef idx="minor">
-            <a:schemeClr val="dk1"/>
-          </a:fontRef>
-        </p:style>
-        <p:txBody>
-          <a:bodyPr rtlCol="0" anchor="ctr"/>
-          <a:lstStyle/>
-          <a:p>
-            <a:pPr algn="ctr" defTabSz="872733"/>
-            <a:endParaRPr lang="en-US" sz="1500">
-              <a:solidFill>
-                <a:prstClr val="black"/>
-              </a:solidFill>
-            </a:endParaRPr>
-          </a:p>
-        </p:txBody>
-      </p:sp>
-      <p:sp>
-        <p:nvSpPr>
-          <p:cNvPr id="45" name="Line 15">
-            <a:extLst>
-              <a:ext uri="{FF2B5EF4-FFF2-40B4-BE49-F238E27FC236}">
-                <a16:creationId xmlns:a16="http://schemas.microsoft.com/office/drawing/2014/main" xmlns="" id="{0EB24DA8-2498-4853-AED4-3458A81C456A}"/>
-              </a:ext>
-            </a:extLst>
-          </p:cNvPr>
           <p:cNvSpPr>
             <a:spLocks noChangeShapeType="1"/>
           </p:cNvSpPr>
@@ -4500,8 +4308,8 @@
         </p:nvSpPr>
         <p:spPr bwMode="auto">
           <a:xfrm flipV="1">
-            <a:off x="875317" y="4056965"/>
-            <a:ext cx="4575815" cy="9347"/>
+            <a:off x="728770" y="4077072"/>
+            <a:ext cx="4851341" cy="0"/>
           </a:xfrm>
           <a:prstGeom prst="line">
             <a:avLst/>
@@ -4536,7 +4344,7 @@
           <p:cNvPr id="47" name="Text Box 25">
             <a:extLst>
               <a:ext uri="{FF2B5EF4-FFF2-40B4-BE49-F238E27FC236}">
-                <a16:creationId xmlns:a16="http://schemas.microsoft.com/office/drawing/2014/main" xmlns="" id="{342B431E-151F-4A55-A1AE-57F6FE56D1EF}"/>
+                <a16:creationId xmlns="" xmlns:a16="http://schemas.microsoft.com/office/drawing/2014/main" id="{342B431E-151F-4A55-A1AE-57F6FE56D1EF}"/>
               </a:ext>
             </a:extLst>
           </p:cNvPr>
@@ -4547,7 +4355,7 @@
         </p:nvSpPr>
         <p:spPr bwMode="auto">
           <a:xfrm>
-            <a:off x="3138327" y="2503624"/>
+            <a:off x="3059832" y="2564904"/>
             <a:ext cx="1661728" cy="323165"/>
           </a:xfrm>
           <a:prstGeom prst="rect">
@@ -4580,11 +4388,7 @@
             </a:r>
             <a:r>
               <a:rPr lang="en-US" sz="1500" i="1" dirty="0" err="1" smtClean="0"/>
-              <a:t>isplay</a:t>
-            </a:r>
-            <a:r>
-              <a:rPr lang="en-US" sz="1500" i="1" dirty="0" err="1" smtClean="0"/>
-              <a:t>Command</a:t>
+              <a:t>isplayCommand</a:t>
             </a:r>
             <a:r>
               <a:rPr lang="en-US" sz="1500" i="1" dirty="0" smtClean="0"/>
@@ -4599,7 +4403,7 @@
           <p:cNvPr id="48" name="Line 16">
             <a:extLst>
               <a:ext uri="{FF2B5EF4-FFF2-40B4-BE49-F238E27FC236}">
-                <a16:creationId xmlns:a16="http://schemas.microsoft.com/office/drawing/2014/main" xmlns="" id="{5278BFBC-6FA4-432C-994E-8DD2A55ED046}"/>
+                <a16:creationId xmlns="" xmlns:a16="http://schemas.microsoft.com/office/drawing/2014/main" id="{5278BFBC-6FA4-432C-994E-8DD2A55ED046}"/>
               </a:ext>
             </a:extLst>
           </p:cNvPr>
@@ -4610,8 +4414,8 @@
         </p:nvSpPr>
         <p:spPr bwMode="auto">
           <a:xfrm flipH="1">
-            <a:off x="852246" y="3573169"/>
-            <a:ext cx="2016629" cy="7945"/>
+            <a:off x="723644" y="3573170"/>
+            <a:ext cx="2293095" cy="0"/>
           </a:xfrm>
           <a:prstGeom prst="line">
             <a:avLst/>
@@ -4645,7 +4449,7 @@
           <p:cNvPr id="49" name="Straight Connector 48">
             <a:extLst>
               <a:ext uri="{FF2B5EF4-FFF2-40B4-BE49-F238E27FC236}">
-                <a16:creationId xmlns:a16="http://schemas.microsoft.com/office/drawing/2014/main" xmlns="" id="{054EC965-613F-450A-BDA7-4AEF688EE06E}"/>
+                <a16:creationId xmlns="" xmlns:a16="http://schemas.microsoft.com/office/drawing/2014/main" id="{054EC965-613F-450A-BDA7-4AEF688EE06E}"/>
               </a:ext>
             </a:extLst>
           </p:cNvPr>
@@ -4688,7 +4492,7 @@
           <p:cNvPr id="50" name="Straight Connector 49">
             <a:extLst>
               <a:ext uri="{FF2B5EF4-FFF2-40B4-BE49-F238E27FC236}">
-                <a16:creationId xmlns:a16="http://schemas.microsoft.com/office/drawing/2014/main" xmlns="" id="{BCC52252-11B3-4A56-A114-AE5F1D9A8E9B}"/>
+                <a16:creationId xmlns="" xmlns:a16="http://schemas.microsoft.com/office/drawing/2014/main" id="{BCC52252-11B3-4A56-A114-AE5F1D9A8E9B}"/>
               </a:ext>
             </a:extLst>
           </p:cNvPr>
@@ -4731,7 +4535,7 @@
           <p:cNvPr id="51" name="Text Box 25">
             <a:extLst>
               <a:ext uri="{FF2B5EF4-FFF2-40B4-BE49-F238E27FC236}">
-                <a16:creationId xmlns:a16="http://schemas.microsoft.com/office/drawing/2014/main" xmlns="" id="{34020A70-184B-4A57-816D-CCE686742C10}"/>
+                <a16:creationId xmlns="" xmlns:a16="http://schemas.microsoft.com/office/drawing/2014/main" id="{34020A70-184B-4A57-816D-CCE686742C10}"/>
               </a:ext>
             </a:extLst>
           </p:cNvPr>
@@ -4742,7 +4546,7 @@
         </p:nvSpPr>
         <p:spPr bwMode="auto">
           <a:xfrm>
-            <a:off x="3799306" y="3733800"/>
+            <a:off x="3799306" y="3789040"/>
             <a:ext cx="886908" cy="323165"/>
           </a:xfrm>
           <a:prstGeom prst="rect">
@@ -4781,7 +4585,7 @@
           <p:cNvPr id="52" name="Line 13">
             <a:extLst>
               <a:ext uri="{FF2B5EF4-FFF2-40B4-BE49-F238E27FC236}">
-                <a16:creationId xmlns:a16="http://schemas.microsoft.com/office/drawing/2014/main" xmlns="" id="{C30F3633-BE5D-441D-9C87-D00C0DFC3E6D}"/>
+                <a16:creationId xmlns="" xmlns:a16="http://schemas.microsoft.com/office/drawing/2014/main" id="{C30F3633-BE5D-441D-9C87-D00C0DFC3E6D}"/>
               </a:ext>
             </a:extLst>
           </p:cNvPr>
@@ -4792,8 +4596,8 @@
         </p:nvSpPr>
         <p:spPr bwMode="auto">
           <a:xfrm>
-            <a:off x="7740352" y="3259741"/>
-            <a:ext cx="0" cy="2457120"/>
+            <a:off x="7740352" y="3259740"/>
+            <a:ext cx="1346" cy="3003899"/>
           </a:xfrm>
           <a:prstGeom prst="line">
             <a:avLst/>
@@ -4841,7 +4645,7 @@
           <p:cNvPr id="54" name="Straight Connector 53">
             <a:extLst>
               <a:ext uri="{FF2B5EF4-FFF2-40B4-BE49-F238E27FC236}">
-                <a16:creationId xmlns:a16="http://schemas.microsoft.com/office/drawing/2014/main" xmlns="" id="{BB6AEF2A-70C0-4C86-ACC0-ED4823D6AC46}"/>
+                <a16:creationId xmlns="" xmlns:a16="http://schemas.microsoft.com/office/drawing/2014/main" id="{BB6AEF2A-70C0-4C86-ACC0-ED4823D6AC46}"/>
               </a:ext>
             </a:extLst>
           </p:cNvPr>
@@ -4850,7 +4654,7 @@
         </p:nvCxnSpPr>
         <p:spPr>
           <a:xfrm rot="16200000" flipV="1">
-            <a:off x="5426451" y="5609971"/>
+            <a:off x="5437072" y="5609971"/>
             <a:ext cx="284430" cy="267655"/>
           </a:xfrm>
           <a:prstGeom prst="line">
@@ -4884,7 +4688,7 @@
           <p:cNvPr id="55" name="Straight Connector 54">
             <a:extLst>
               <a:ext uri="{FF2B5EF4-FFF2-40B4-BE49-F238E27FC236}">
-                <a16:creationId xmlns:a16="http://schemas.microsoft.com/office/drawing/2014/main" xmlns="" id="{9664B067-90B9-447F-947E-62F78A316229}"/>
+                <a16:creationId xmlns="" xmlns:a16="http://schemas.microsoft.com/office/drawing/2014/main" id="{9664B067-90B9-447F-947E-62F78A316229}"/>
               </a:ext>
             </a:extLst>
           </p:cNvPr>
@@ -4893,7 +4697,7 @@
         </p:nvCxnSpPr>
         <p:spPr>
           <a:xfrm rot="5400000">
-            <a:off x="5425403" y="5622872"/>
+            <a:off x="5436024" y="5622872"/>
             <a:ext cx="288175" cy="266007"/>
           </a:xfrm>
           <a:prstGeom prst="line">
@@ -4927,7 +4731,7 @@
           <p:cNvPr id="30" name="Line 16">
             <a:extLst>
               <a:ext uri="{FF2B5EF4-FFF2-40B4-BE49-F238E27FC236}">
-                <a16:creationId xmlns:a16="http://schemas.microsoft.com/office/drawing/2014/main" xmlns="" id="{189BA3D0-8AEC-4A1C-9374-3B627A9B1FF8}"/>
+                <a16:creationId xmlns="" xmlns:a16="http://schemas.microsoft.com/office/drawing/2014/main" id="{189BA3D0-8AEC-4A1C-9374-3B627A9B1FF8}"/>
               </a:ext>
             </a:extLst>
           </p:cNvPr>
@@ -4938,8 +4742,8 @@
         </p:nvSpPr>
         <p:spPr bwMode="auto">
           <a:xfrm flipH="1" flipV="1">
-            <a:off x="825521" y="5427032"/>
-            <a:ext cx="4625611" cy="9348"/>
+            <a:off x="723644" y="5427032"/>
+            <a:ext cx="4856468" cy="0"/>
           </a:xfrm>
           <a:prstGeom prst="line">
             <a:avLst/>
@@ -4975,7 +4779,7 @@
           <p:cNvPr id="36" name="Text Box 11">
             <a:extLst>
               <a:ext uri="{FF2B5EF4-FFF2-40B4-BE49-F238E27FC236}">
-                <a16:creationId xmlns:a16="http://schemas.microsoft.com/office/drawing/2014/main" xmlns="" id="{569EC1FF-3CDF-4E6B-82B3-104CCA3F3E9D}"/>
+                <a16:creationId xmlns="" xmlns:a16="http://schemas.microsoft.com/office/drawing/2014/main" id="{569EC1FF-3CDF-4E6B-82B3-104CCA3F3E9D}"/>
               </a:ext>
             </a:extLst>
           </p:cNvPr>
@@ -5056,7 +4860,7 @@
           <p:cNvPr id="37" name="Line 13">
             <a:extLst>
               <a:ext uri="{FF2B5EF4-FFF2-40B4-BE49-F238E27FC236}">
-                <a16:creationId xmlns:a16="http://schemas.microsoft.com/office/drawing/2014/main" xmlns="" id="{C30F3633-BE5D-441D-9C87-D00C0DFC3E6D}"/>
+                <a16:creationId xmlns="" xmlns:a16="http://schemas.microsoft.com/office/drawing/2014/main" id="{C30F3633-BE5D-441D-9C87-D00C0DFC3E6D}"/>
               </a:ext>
             </a:extLst>
           </p:cNvPr>
@@ -5068,7 +4872,7 @@
         <p:spPr bwMode="auto">
           <a:xfrm>
             <a:off x="6658886" y="2372587"/>
-            <a:ext cx="1346" cy="3378101"/>
+            <a:ext cx="1346" cy="3891053"/>
           </a:xfrm>
           <a:prstGeom prst="line">
             <a:avLst/>
@@ -5116,7 +4920,7 @@
           <p:cNvPr id="39" name="Rectangle 38">
             <a:extLst>
               <a:ext uri="{FF2B5EF4-FFF2-40B4-BE49-F238E27FC236}">
-                <a16:creationId xmlns:a16="http://schemas.microsoft.com/office/drawing/2014/main" xmlns="" id="{D52E911C-63C8-44D5-B3A1-BE9F7893936F}"/>
+                <a16:creationId xmlns="" xmlns:a16="http://schemas.microsoft.com/office/drawing/2014/main" id="{D52E911C-63C8-44D5-B3A1-BE9F7893936F}"/>
               </a:ext>
             </a:extLst>
           </p:cNvPr>
@@ -5161,7 +4965,7 @@
           <p:cNvPr id="41" name="Rectangle: Top Corners One Rounded and One Snipped 117">
             <a:extLst>
               <a:ext uri="{FF2B5EF4-FFF2-40B4-BE49-F238E27FC236}">
-                <a16:creationId xmlns:a16="http://schemas.microsoft.com/office/drawing/2014/main" xmlns="" id="{CEDA5A0C-8037-4F6B-A1D8-5ACF70F214BB}"/>
+                <a16:creationId xmlns="" xmlns:a16="http://schemas.microsoft.com/office/drawing/2014/main" id="{CEDA5A0C-8037-4F6B-A1D8-5ACF70F214BB}"/>
               </a:ext>
             </a:extLst>
           </p:cNvPr>
@@ -5211,7 +5015,7 @@
           <p:cNvPr id="56" name="TextBox 55">
             <a:extLst>
               <a:ext uri="{FF2B5EF4-FFF2-40B4-BE49-F238E27FC236}">
-                <a16:creationId xmlns:a16="http://schemas.microsoft.com/office/drawing/2014/main" xmlns="" id="{42BB2938-4003-4F1B-8660-D5A75058ADB1}"/>
+                <a16:creationId xmlns="" xmlns:a16="http://schemas.microsoft.com/office/drawing/2014/main" id="{42BB2938-4003-4F1B-8660-D5A75058ADB1}"/>
               </a:ext>
             </a:extLst>
           </p:cNvPr>
@@ -5220,8 +5024,8 @@
         </p:nvSpPr>
         <p:spPr>
           <a:xfrm>
-            <a:off x="5076056" y="4653136"/>
-            <a:ext cx="3168352" cy="369332"/>
+            <a:off x="5122167" y="4653136"/>
+            <a:ext cx="2736304" cy="369332"/>
           </a:xfrm>
           <a:prstGeom prst="rect">
             <a:avLst/>
@@ -5251,7 +5055,7 @@
           <p:cNvPr id="57" name="TextBox 56">
             <a:extLst>
               <a:ext uri="{FF2B5EF4-FFF2-40B4-BE49-F238E27FC236}">
-                <a16:creationId xmlns:a16="http://schemas.microsoft.com/office/drawing/2014/main" xmlns="" id="{86D8E6BB-3761-47C8-9261-1DECC63A9393}"/>
+                <a16:creationId xmlns="" xmlns:a16="http://schemas.microsoft.com/office/drawing/2014/main" id="{86D8E6BB-3761-47C8-9261-1DECC63A9393}"/>
               </a:ext>
             </a:extLst>
           </p:cNvPr>
@@ -5260,8 +5064,8 @@
         </p:nvSpPr>
         <p:spPr>
           <a:xfrm>
-            <a:off x="5054430" y="4252524"/>
-            <a:ext cx="525682" cy="544628"/>
+            <a:off x="5011992" y="4260400"/>
+            <a:ext cx="514236" cy="369332"/>
           </a:xfrm>
           <a:prstGeom prst="rect">
             <a:avLst/>
@@ -5275,11 +5079,9 @@
           <a:lstStyle/>
           <a:p>
             <a:r>
-              <a:rPr lang="en-SG" dirty="0"/>
+              <a:rPr lang="en-SG" dirty="0" smtClean="0"/>
               <a:t>ref</a:t>
             </a:r>
-          </a:p>
-          <a:p>
             <a:endParaRPr lang="en-SG" dirty="0"/>
           </a:p>
         </p:txBody>
@@ -5463,7 +5265,7 @@
                                           </p:stCondLst>
                                         </p:cTn>
                                         <p:tgtEl>
-                                          <p:spTgt spid="17"/>
+                                          <p:spTgt spid="18"/>
                                         </p:tgtEl>
                                         <p:attrNameLst>
                                           <p:attrName>style.visibility</p:attrName>
@@ -5490,7 +5292,7 @@
                                           </p:stCondLst>
                                         </p:cTn>
                                         <p:tgtEl>
-                                          <p:spTgt spid="18"/>
+                                          <p:spTgt spid="19"/>
                                         </p:tgtEl>
                                         <p:attrNameLst>
                                           <p:attrName>style.visibility</p:attrName>
@@ -5517,7 +5319,7 @@
                                           </p:stCondLst>
                                         </p:cTn>
                                         <p:tgtEl>
-                                          <p:spTgt spid="19"/>
+                                          <p:spTgt spid="20"/>
                                         </p:tgtEl>
                                         <p:attrNameLst>
                                           <p:attrName>style.visibility</p:attrName>
@@ -5531,7 +5333,7 @@
                                 </p:cTn>
                               </p:par>
                               <p:par>
-                                <p:cTn id="21" presetID="1" presetClass="exit" presetSubtype="0" fill="hold" grpId="0" nodeType="withEffect">
+                                <p:cTn id="21" presetID="1" presetClass="exit" presetSubtype="0" fill="hold" grpId="1" nodeType="withEffect">
                                   <p:stCondLst>
                                     <p:cond delay="0"/>
                                   </p:stCondLst>
@@ -5544,7 +5346,7 @@
                                           </p:stCondLst>
                                         </p:cTn>
                                         <p:tgtEl>
-                                          <p:spTgt spid="20"/>
+                                          <p:spTgt spid="24"/>
                                         </p:tgtEl>
                                         <p:attrNameLst>
                                           <p:attrName>style.visibility</p:attrName>
@@ -5571,7 +5373,7 @@
                                           </p:stCondLst>
                                         </p:cTn>
                                         <p:tgtEl>
-                                          <p:spTgt spid="24"/>
+                                          <p:spTgt spid="25"/>
                                         </p:tgtEl>
                                         <p:attrNameLst>
                                           <p:attrName>style.visibility</p:attrName>
@@ -5598,7 +5400,7 @@
                                           </p:stCondLst>
                                         </p:cTn>
                                         <p:tgtEl>
-                                          <p:spTgt spid="25"/>
+                                          <p:spTgt spid="29"/>
                                         </p:tgtEl>
                                         <p:attrNameLst>
                                           <p:attrName>style.visibility</p:attrName>
@@ -5612,7 +5414,7 @@
                                 </p:cTn>
                               </p:par>
                               <p:par>
-                                <p:cTn id="27" presetID="1" presetClass="exit" presetSubtype="0" fill="hold" grpId="1" nodeType="withEffect">
+                                <p:cTn id="27" presetID="1" presetClass="exit" presetSubtype="0" fill="hold" grpId="0" nodeType="withEffect">
                                   <p:stCondLst>
                                     <p:cond delay="0"/>
                                   </p:stCondLst>
@@ -5625,7 +5427,7 @@
                                           </p:stCondLst>
                                         </p:cTn>
                                         <p:tgtEl>
-                                          <p:spTgt spid="29"/>
+                                          <p:spTgt spid="33"/>
                                         </p:tgtEl>
                                         <p:attrNameLst>
                                           <p:attrName>style.visibility</p:attrName>
@@ -5652,7 +5454,7 @@
                                           </p:stCondLst>
                                         </p:cTn>
                                         <p:tgtEl>
-                                          <p:spTgt spid="33"/>
+                                          <p:spTgt spid="34"/>
                                         </p:tgtEl>
                                         <p:attrNameLst>
                                           <p:attrName>style.visibility</p:attrName>
@@ -5679,7 +5481,7 @@
                                           </p:stCondLst>
                                         </p:cTn>
                                         <p:tgtEl>
-                                          <p:spTgt spid="34"/>
+                                          <p:spTgt spid="38"/>
                                         </p:tgtEl>
                                         <p:attrNameLst>
                                           <p:attrName>style.visibility</p:attrName>
@@ -5706,7 +5508,7 @@
                                           </p:stCondLst>
                                         </p:cTn>
                                         <p:tgtEl>
-                                          <p:spTgt spid="38"/>
+                                          <p:spTgt spid="42"/>
                                         </p:tgtEl>
                                         <p:attrNameLst>
                                           <p:attrName>style.visibility</p:attrName>
@@ -5733,88 +5535,7 @@
                                           </p:stCondLst>
                                         </p:cTn>
                                         <p:tgtEl>
-                                          <p:spTgt spid="40"/>
-                                        </p:tgtEl>
-                                        <p:attrNameLst>
-                                          <p:attrName>style.visibility</p:attrName>
-                                        </p:attrNameLst>
-                                      </p:cBhvr>
-                                      <p:to>
-                                        <p:strVal val="hidden"/>
-                                      </p:to>
-                                    </p:set>
-                                  </p:childTnLst>
-                                </p:cTn>
-                              </p:par>
-                              <p:par>
-                                <p:cTn id="37" presetID="1" presetClass="exit" presetSubtype="0" fill="hold" grpId="0" nodeType="withEffect">
-                                  <p:stCondLst>
-                                    <p:cond delay="0"/>
-                                  </p:stCondLst>
-                                  <p:childTnLst>
-                                    <p:set>
-                                      <p:cBhvr>
-                                        <p:cTn id="38" dur="1" fill="hold">
-                                          <p:stCondLst>
-                                            <p:cond delay="0"/>
-                                          </p:stCondLst>
-                                        </p:cTn>
-                                        <p:tgtEl>
-                                          <p:spTgt spid="42"/>
-                                        </p:tgtEl>
-                                        <p:attrNameLst>
-                                          <p:attrName>style.visibility</p:attrName>
-                                        </p:attrNameLst>
-                                      </p:cBhvr>
-                                      <p:to>
-                                        <p:strVal val="hidden"/>
-                                      </p:to>
-                                    </p:set>
-                                  </p:childTnLst>
-                                </p:cTn>
-                              </p:par>
-                              <p:par>
-                                <p:cTn id="39" presetID="1" presetClass="exit" presetSubtype="0" fill="hold" grpId="0" nodeType="withEffect">
-                                  <p:stCondLst>
-                                    <p:cond delay="0"/>
-                                  </p:stCondLst>
-                                  <p:childTnLst>
-                                    <p:set>
-                                      <p:cBhvr>
-                                        <p:cTn id="40" dur="1" fill="hold">
-                                          <p:stCondLst>
-                                            <p:cond delay="0"/>
-                                          </p:stCondLst>
-                                        </p:cTn>
-                                        <p:tgtEl>
                                           <p:spTgt spid="43"/>
-                                        </p:tgtEl>
-                                        <p:attrNameLst>
-                                          <p:attrName>style.visibility</p:attrName>
-                                        </p:attrNameLst>
-                                      </p:cBhvr>
-                                      <p:to>
-                                        <p:strVal val="hidden"/>
-                                      </p:to>
-                                    </p:set>
-                                  </p:childTnLst>
-                                </p:cTn>
-                              </p:par>
-                              <p:par>
-                                <p:cTn id="41" presetID="1" presetClass="exit" presetSubtype="0" fill="hold" grpId="0" nodeType="withEffect">
-                                  <p:stCondLst>
-                                    <p:cond delay="0"/>
-                                  </p:stCondLst>
-                                  <p:childTnLst>
-                                    <p:set>
-                                      <p:cBhvr>
-                                        <p:cTn id="42" dur="1" fill="hold">
-                                          <p:stCondLst>
-                                            <p:cond delay="0"/>
-                                          </p:stCondLst>
-                                        </p:cTn>
-                                        <p:tgtEl>
-                                          <p:spTgt spid="44"/>
                                         </p:tgtEl>
                                         <p:attrNameLst>
                                           <p:attrName>style.visibility</p:attrName>
@@ -5834,26 +5555,26 @@
                     </p:cTn>
                   </p:par>
                   <p:par>
-                    <p:cTn id="43" fill="hold">
+                    <p:cTn id="37" fill="hold">
                       <p:stCondLst>
                         <p:cond delay="indefinite"/>
                       </p:stCondLst>
                       <p:childTnLst>
                         <p:par>
-                          <p:cTn id="44" fill="hold">
+                          <p:cTn id="38" fill="hold">
                             <p:stCondLst>
                               <p:cond delay="0"/>
                             </p:stCondLst>
                             <p:childTnLst>
                               <p:par>
-                                <p:cTn id="45" presetID="1" presetClass="entr" presetSubtype="0" fill="hold" grpId="0" nodeType="clickEffect">
+                                <p:cTn id="39" presetID="1" presetClass="entr" presetSubtype="0" fill="hold" grpId="0" nodeType="clickEffect">
                                   <p:stCondLst>
                                     <p:cond delay="0"/>
                                   </p:stCondLst>
                                   <p:childTnLst>
                                     <p:set>
                                       <p:cBhvr>
-                                        <p:cTn id="46" dur="1" fill="hold">
+                                        <p:cTn id="40" dur="1" fill="hold">
                                           <p:stCondLst>
                                             <p:cond delay="0"/>
                                           </p:stCondLst>
@@ -5873,7 +5594,88 @@
                                 </p:cTn>
                               </p:par>
                               <p:par>
-                                <p:cTn id="47" presetID="1" presetClass="exit" presetSubtype="0" fill="hold" grpId="1" nodeType="withEffect">
+                                <p:cTn id="41" presetID="1" presetClass="exit" presetSubtype="0" fill="hold" grpId="1" nodeType="withEffect">
+                                  <p:stCondLst>
+                                    <p:cond delay="0"/>
+                                  </p:stCondLst>
+                                  <p:childTnLst>
+                                    <p:set>
+                                      <p:cBhvr>
+                                        <p:cTn id="42" dur="1" fill="hold">
+                                          <p:stCondLst>
+                                            <p:cond delay="0"/>
+                                          </p:stCondLst>
+                                        </p:cTn>
+                                        <p:tgtEl>
+                                          <p:spTgt spid="45"/>
+                                        </p:tgtEl>
+                                        <p:attrNameLst>
+                                          <p:attrName>style.visibility</p:attrName>
+                                        </p:attrNameLst>
+                                      </p:cBhvr>
+                                      <p:to>
+                                        <p:strVal val="hidden"/>
+                                      </p:to>
+                                    </p:set>
+                                  </p:childTnLst>
+                                </p:cTn>
+                              </p:par>
+                              <p:par>
+                                <p:cTn id="43" presetID="1" presetClass="entr" presetSubtype="0" fill="hold" grpId="0" nodeType="withEffect">
+                                  <p:stCondLst>
+                                    <p:cond delay="0"/>
+                                  </p:stCondLst>
+                                  <p:childTnLst>
+                                    <p:set>
+                                      <p:cBhvr>
+                                        <p:cTn id="44" dur="1" fill="hold">
+                                          <p:stCondLst>
+                                            <p:cond delay="0"/>
+                                          </p:stCondLst>
+                                        </p:cTn>
+                                        <p:tgtEl>
+                                          <p:spTgt spid="47"/>
+                                        </p:tgtEl>
+                                        <p:attrNameLst>
+                                          <p:attrName>style.visibility</p:attrName>
+                                        </p:attrNameLst>
+                                      </p:cBhvr>
+                                      <p:to>
+                                        <p:strVal val="visible"/>
+                                      </p:to>
+                                    </p:set>
+                                  </p:childTnLst>
+                                </p:cTn>
+                              </p:par>
+                              <p:par>
+                                <p:cTn id="45" presetID="1" presetClass="exit" presetSubtype="0" fill="hold" grpId="1" nodeType="withEffect">
+                                  <p:stCondLst>
+                                    <p:cond delay="0"/>
+                                  </p:stCondLst>
+                                  <p:childTnLst>
+                                    <p:set>
+                                      <p:cBhvr>
+                                        <p:cTn id="46" dur="1" fill="hold">
+                                          <p:stCondLst>
+                                            <p:cond delay="0"/>
+                                          </p:stCondLst>
+                                        </p:cTn>
+                                        <p:tgtEl>
+                                          <p:spTgt spid="47"/>
+                                        </p:tgtEl>
+                                        <p:attrNameLst>
+                                          <p:attrName>style.visibility</p:attrName>
+                                        </p:attrNameLst>
+                                      </p:cBhvr>
+                                      <p:to>
+                                        <p:strVal val="hidden"/>
+                                      </p:to>
+                                    </p:set>
+                                  </p:childTnLst>
+                                </p:cTn>
+                              </p:par>
+                              <p:par>
+                                <p:cTn id="47" presetID="1" presetClass="exit" presetSubtype="0" fill="hold" grpId="0" nodeType="withEffect">
                                   <p:stCondLst>
                                     <p:cond delay="0"/>
                                   </p:stCondLst>
@@ -5886,7 +5688,7 @@
                                           </p:stCondLst>
                                         </p:cTn>
                                         <p:tgtEl>
-                                          <p:spTgt spid="45"/>
+                                          <p:spTgt spid="48"/>
                                         </p:tgtEl>
                                         <p:attrNameLst>
                                           <p:attrName>style.visibility</p:attrName>
@@ -5913,7 +5715,7 @@
                                           </p:stCondLst>
                                         </p:cTn>
                                         <p:tgtEl>
-                                          <p:spTgt spid="47"/>
+                                          <p:spTgt spid="51"/>
                                         </p:tgtEl>
                                         <p:attrNameLst>
                                           <p:attrName>style.visibility</p:attrName>
@@ -5940,7 +5742,7 @@
                                           </p:stCondLst>
                                         </p:cTn>
                                         <p:tgtEl>
-                                          <p:spTgt spid="47"/>
+                                          <p:spTgt spid="51"/>
                                         </p:tgtEl>
                                         <p:attrNameLst>
                                           <p:attrName>style.visibility</p:attrName>
@@ -5967,7 +5769,7 @@
                                           </p:stCondLst>
                                         </p:cTn>
                                         <p:tgtEl>
-                                          <p:spTgt spid="48"/>
+                                          <p:spTgt spid="52"/>
                                         </p:tgtEl>
                                         <p:attrNameLst>
                                           <p:attrName>style.visibility</p:attrName>
@@ -5981,7 +5783,7 @@
                                 </p:cTn>
                               </p:par>
                               <p:par>
-                                <p:cTn id="55" presetID="1" presetClass="entr" presetSubtype="0" fill="hold" grpId="0" nodeType="withEffect">
+                                <p:cTn id="55" presetID="1" presetClass="exit" presetSubtype="0" fill="hold" grpId="0" nodeType="withEffect">
                                   <p:stCondLst>
                                     <p:cond delay="0"/>
                                   </p:stCondLst>
@@ -5994,21 +5796,21 @@
                                           </p:stCondLst>
                                         </p:cTn>
                                         <p:tgtEl>
-                                          <p:spTgt spid="51"/>
+                                          <p:spTgt spid="30"/>
                                         </p:tgtEl>
                                         <p:attrNameLst>
                                           <p:attrName>style.visibility</p:attrName>
                                         </p:attrNameLst>
                                       </p:cBhvr>
                                       <p:to>
-                                        <p:strVal val="visible"/>
+                                        <p:strVal val="hidden"/>
                                       </p:to>
                                     </p:set>
                                   </p:childTnLst>
                                 </p:cTn>
                               </p:par>
                               <p:par>
-                                <p:cTn id="57" presetID="1" presetClass="exit" presetSubtype="0" fill="hold" grpId="1" nodeType="withEffect">
+                                <p:cTn id="57" presetID="1" presetClass="exit" presetSubtype="0" fill="hold" grpId="0" nodeType="withEffect">
                                   <p:stCondLst>
                                     <p:cond delay="0"/>
                                   </p:stCondLst>
@@ -6021,7 +5823,7 @@
                                           </p:stCondLst>
                                         </p:cTn>
                                         <p:tgtEl>
-                                          <p:spTgt spid="51"/>
+                                          <p:spTgt spid="36"/>
                                         </p:tgtEl>
                                         <p:attrNameLst>
                                           <p:attrName>style.visibility</p:attrName>
@@ -6043,87 +5845,6 @@
                                     <p:set>
                                       <p:cBhvr>
                                         <p:cTn id="60" dur="1" fill="hold">
-                                          <p:stCondLst>
-                                            <p:cond delay="0"/>
-                                          </p:stCondLst>
-                                        </p:cTn>
-                                        <p:tgtEl>
-                                          <p:spTgt spid="52"/>
-                                        </p:tgtEl>
-                                        <p:attrNameLst>
-                                          <p:attrName>style.visibility</p:attrName>
-                                        </p:attrNameLst>
-                                      </p:cBhvr>
-                                      <p:to>
-                                        <p:strVal val="hidden"/>
-                                      </p:to>
-                                    </p:set>
-                                  </p:childTnLst>
-                                </p:cTn>
-                              </p:par>
-                              <p:par>
-                                <p:cTn id="61" presetID="1" presetClass="exit" presetSubtype="0" fill="hold" grpId="0" nodeType="withEffect">
-                                  <p:stCondLst>
-                                    <p:cond delay="0"/>
-                                  </p:stCondLst>
-                                  <p:childTnLst>
-                                    <p:set>
-                                      <p:cBhvr>
-                                        <p:cTn id="62" dur="1" fill="hold">
-                                          <p:stCondLst>
-                                            <p:cond delay="0"/>
-                                          </p:stCondLst>
-                                        </p:cTn>
-                                        <p:tgtEl>
-                                          <p:spTgt spid="30"/>
-                                        </p:tgtEl>
-                                        <p:attrNameLst>
-                                          <p:attrName>style.visibility</p:attrName>
-                                        </p:attrNameLst>
-                                      </p:cBhvr>
-                                      <p:to>
-                                        <p:strVal val="hidden"/>
-                                      </p:to>
-                                    </p:set>
-                                  </p:childTnLst>
-                                </p:cTn>
-                              </p:par>
-                              <p:par>
-                                <p:cTn id="63" presetID="1" presetClass="exit" presetSubtype="0" fill="hold" grpId="0" nodeType="withEffect">
-                                  <p:stCondLst>
-                                    <p:cond delay="0"/>
-                                  </p:stCondLst>
-                                  <p:childTnLst>
-                                    <p:set>
-                                      <p:cBhvr>
-                                        <p:cTn id="64" dur="1" fill="hold">
-                                          <p:stCondLst>
-                                            <p:cond delay="0"/>
-                                          </p:stCondLst>
-                                        </p:cTn>
-                                        <p:tgtEl>
-                                          <p:spTgt spid="36"/>
-                                        </p:tgtEl>
-                                        <p:attrNameLst>
-                                          <p:attrName>style.visibility</p:attrName>
-                                        </p:attrNameLst>
-                                      </p:cBhvr>
-                                      <p:to>
-                                        <p:strVal val="hidden"/>
-                                      </p:to>
-                                    </p:set>
-                                  </p:childTnLst>
-                                </p:cTn>
-                              </p:par>
-                              <p:par>
-                                <p:cTn id="65" presetID="1" presetClass="exit" presetSubtype="0" fill="hold" grpId="0" nodeType="withEffect">
-                                  <p:stCondLst>
-                                    <p:cond delay="0"/>
-                                  </p:stCondLst>
-                                  <p:childTnLst>
-                                    <p:set>
-                                      <p:cBhvr>
-                                        <p:cTn id="66" dur="1" fill="hold">
                                           <p:stCondLst>
                                             <p:cond delay="0"/>
                                           </p:stCondLst>
@@ -6172,7 +5893,6 @@
     <p:bldLst>
       <p:bldP spid="5" grpId="0" animBg="1"/>
       <p:bldP spid="6" grpId="0" animBg="1"/>
-      <p:bldP spid="17" grpId="0" animBg="1"/>
       <p:bldP spid="18" grpId="0" animBg="1"/>
       <p:bldP spid="19" grpId="0" animBg="1"/>
       <p:bldP spid="20" grpId="0" animBg="1"/>
@@ -6185,10 +5905,8 @@
       <p:bldP spid="33" grpId="0" animBg="1"/>
       <p:bldP spid="34" grpId="0" animBg="1"/>
       <p:bldP spid="38" grpId="0"/>
-      <p:bldP spid="40" grpId="0" animBg="1"/>
       <p:bldP spid="42" grpId="0" animBg="1"/>
       <p:bldP spid="43" grpId="0" animBg="1"/>
-      <p:bldP spid="44" grpId="0" animBg="1"/>
       <p:bldP spid="45" grpId="0" animBg="1"/>
       <p:bldP spid="45" grpId="1" animBg="1"/>
       <p:bldP spid="47" grpId="0"/>
@@ -6227,7 +5945,7 @@
           <p:cNvPr id="2" name="Group 1">
             <a:extLst>
               <a:ext uri="{FF2B5EF4-FFF2-40B4-BE49-F238E27FC236}">
-                <a16:creationId xmlns:a16="http://schemas.microsoft.com/office/drawing/2014/main" xmlns="" id="{A924A052-E644-416E-A67D-4F095B9DE4A6}"/>
+                <a16:creationId xmlns="" xmlns:a16="http://schemas.microsoft.com/office/drawing/2014/main" id="{A924A052-E644-416E-A67D-4F095B9DE4A6}"/>
               </a:ext>
             </a:extLst>
           </p:cNvPr>
@@ -6247,7 +5965,7 @@
             <p:cNvPr id="3" name="Group 2">
               <a:extLst>
                 <a:ext uri="{FF2B5EF4-FFF2-40B4-BE49-F238E27FC236}">
-                  <a16:creationId xmlns:a16="http://schemas.microsoft.com/office/drawing/2014/main" xmlns="" id="{C32F861D-7F38-4097-A81E-F4310EAA12BD}"/>
+                  <a16:creationId xmlns="" xmlns:a16="http://schemas.microsoft.com/office/drawing/2014/main" id="{C32F861D-7F38-4097-A81E-F4310EAA12BD}"/>
                 </a:ext>
               </a:extLst>
             </p:cNvPr>
@@ -6267,7 +5985,7 @@
               <p:cNvPr id="31" name="Rectangle 30">
                 <a:extLst>
                   <a:ext uri="{FF2B5EF4-FFF2-40B4-BE49-F238E27FC236}">
-                    <a16:creationId xmlns:a16="http://schemas.microsoft.com/office/drawing/2014/main" xmlns="" id="{54E1D0AD-2DC1-4977-8D7B-015A3168922C}"/>
+                    <a16:creationId xmlns="" xmlns:a16="http://schemas.microsoft.com/office/drawing/2014/main" id="{54E1D0AD-2DC1-4977-8D7B-015A3168922C}"/>
                   </a:ext>
                 </a:extLst>
               </p:cNvPr>
@@ -6312,7 +6030,7 @@
               <p:cNvPr id="32" name="Rectangle: Top Corners One Rounded and One Snipped 31">
                 <a:extLst>
                   <a:ext uri="{FF2B5EF4-FFF2-40B4-BE49-F238E27FC236}">
-                    <a16:creationId xmlns:a16="http://schemas.microsoft.com/office/drawing/2014/main" xmlns="" id="{3D66EF58-C798-46B2-A9FC-BD0E47CD9A84}"/>
+                    <a16:creationId xmlns="" xmlns:a16="http://schemas.microsoft.com/office/drawing/2014/main" id="{3D66EF58-C798-46B2-A9FC-BD0E47CD9A84}"/>
                   </a:ext>
                 </a:extLst>
               </p:cNvPr>
@@ -6362,7 +6080,7 @@
               <p:cNvPr id="33" name="TextBox 32">
                 <a:extLst>
                   <a:ext uri="{FF2B5EF4-FFF2-40B4-BE49-F238E27FC236}">
-                    <a16:creationId xmlns:a16="http://schemas.microsoft.com/office/drawing/2014/main" xmlns="" id="{89C4631C-AF78-4568-B7EE-1C95F7D5A347}"/>
+                    <a16:creationId xmlns="" xmlns:a16="http://schemas.microsoft.com/office/drawing/2014/main" id="{89C4631C-AF78-4568-B7EE-1C95F7D5A347}"/>
                   </a:ext>
                 </a:extLst>
               </p:cNvPr>
@@ -6409,7 +6127,7 @@
             <p:cNvPr id="29" name="Rectangle 28">
               <a:extLst>
                 <a:ext uri="{FF2B5EF4-FFF2-40B4-BE49-F238E27FC236}">
-                  <a16:creationId xmlns:a16="http://schemas.microsoft.com/office/drawing/2014/main" xmlns="" id="{109CF684-3366-4145-AF37-DD0DBE1E49F0}"/>
+                  <a16:creationId xmlns="" xmlns:a16="http://schemas.microsoft.com/office/drawing/2014/main" id="{109CF684-3366-4145-AF37-DD0DBE1E49F0}"/>
                 </a:ext>
               </a:extLst>
             </p:cNvPr>
@@ -6588,7 +6306,7 @@
             <p:cNvPr id="9" name="Line 13">
               <a:extLst>
                 <a:ext uri="{FF2B5EF4-FFF2-40B4-BE49-F238E27FC236}">
-                  <a16:creationId xmlns:a16="http://schemas.microsoft.com/office/drawing/2014/main" xmlns="" id="{4F7EB063-B1C6-47D9-AB2D-E4555E90DAE5}"/>
+                  <a16:creationId xmlns="" xmlns:a16="http://schemas.microsoft.com/office/drawing/2014/main" id="{4F7EB063-B1C6-47D9-AB2D-E4555E90DAE5}"/>
                 </a:ext>
               </a:extLst>
             </p:cNvPr>
@@ -6600,7 +6318,7 @@
           <p:spPr bwMode="auto">
             <a:xfrm>
               <a:off x="1919052" y="1798655"/>
-              <a:ext cx="1" cy="3559900"/>
+              <a:ext cx="3" cy="4820731"/>
             </a:xfrm>
             <a:prstGeom prst="line">
               <a:avLst/>
@@ -6645,71 +6363,10 @@
         </p:sp>
         <p:sp>
           <p:nvSpPr>
-            <p:cNvPr id="10" name="Rectangle 9">
-              <a:extLst>
-                <a:ext uri="{FF2B5EF4-FFF2-40B4-BE49-F238E27FC236}">
-                  <a16:creationId xmlns:a16="http://schemas.microsoft.com/office/drawing/2014/main" xmlns="" id="{87876183-C46B-446C-9129-5259947FE6D2}"/>
-                </a:ext>
-              </a:extLst>
-            </p:cNvPr>
-            <p:cNvSpPr/>
-            <p:nvPr/>
-          </p:nvSpPr>
-          <p:spPr>
-            <a:xfrm>
-              <a:off x="1768493" y="2143045"/>
-              <a:ext cx="301121" cy="4483408"/>
-            </a:xfrm>
-            <a:prstGeom prst="rect">
-              <a:avLst/>
-            </a:prstGeom>
-            <a:solidFill>
-              <a:schemeClr val="accent3">
-                <a:lumMod val="20000"/>
-                <a:lumOff val="80000"/>
-              </a:schemeClr>
-            </a:solidFill>
-            <a:ln>
-              <a:solidFill>
-                <a:schemeClr val="accent3">
-                  <a:lumMod val="75000"/>
-                </a:schemeClr>
-              </a:solidFill>
-            </a:ln>
-          </p:spPr>
-          <p:style>
-            <a:lnRef idx="2">
-              <a:schemeClr val="accent4"/>
-            </a:lnRef>
-            <a:fillRef idx="1">
-              <a:schemeClr val="lt1"/>
-            </a:fillRef>
-            <a:effectRef idx="0">
-              <a:schemeClr val="accent4"/>
-            </a:effectRef>
-            <a:fontRef idx="minor">
-              <a:schemeClr val="dk1"/>
-            </a:fontRef>
-          </p:style>
-          <p:txBody>
-            <a:bodyPr rtlCol="0" anchor="ctr"/>
-            <a:lstStyle/>
-            <a:p>
-              <a:pPr algn="ctr" defTabSz="872733"/>
-              <a:endParaRPr lang="en-US" sz="1500">
-                <a:solidFill>
-                  <a:prstClr val="black"/>
-                </a:solidFill>
-              </a:endParaRPr>
-            </a:p>
-          </p:txBody>
-        </p:sp>
-        <p:sp>
-          <p:nvSpPr>
             <p:cNvPr id="13" name="Line 15">
               <a:extLst>
                 <a:ext uri="{FF2B5EF4-FFF2-40B4-BE49-F238E27FC236}">
-                  <a16:creationId xmlns:a16="http://schemas.microsoft.com/office/drawing/2014/main" xmlns="" id="{BF2F79E8-6A9C-439A-BD6A-F7E290E7F33A}"/>
+                  <a16:creationId xmlns="" xmlns:a16="http://schemas.microsoft.com/office/drawing/2014/main" id="{BF2F79E8-6A9C-439A-BD6A-F7E290E7F33A}"/>
                 </a:ext>
               </a:extLst>
             </p:cNvPr>
@@ -6720,8 +6377,8 @@
           </p:nvSpPr>
           <p:spPr bwMode="auto">
             <a:xfrm>
-              <a:off x="2069615" y="2600837"/>
-              <a:ext cx="5550267" cy="9800"/>
+              <a:off x="1919052" y="2600837"/>
+              <a:ext cx="5863760" cy="0"/>
             </a:xfrm>
             <a:prstGeom prst="line">
               <a:avLst/>
@@ -6756,7 +6413,7 @@
             <p:cNvPr id="21" name="Line 15">
               <a:extLst>
                 <a:ext uri="{FF2B5EF4-FFF2-40B4-BE49-F238E27FC236}">
-                  <a16:creationId xmlns:a16="http://schemas.microsoft.com/office/drawing/2014/main" xmlns="" id="{FBD099A4-8330-4D2D-B1B3-E14BEA805815}"/>
+                  <a16:creationId xmlns="" xmlns:a16="http://schemas.microsoft.com/office/drawing/2014/main" id="{FBD099A4-8330-4D2D-B1B3-E14BEA805815}"/>
                 </a:ext>
               </a:extLst>
             </p:cNvPr>
@@ -6767,8 +6424,8 @@
           </p:nvSpPr>
           <p:spPr bwMode="auto">
             <a:xfrm flipV="1">
-              <a:off x="2091404" y="3629533"/>
-              <a:ext cx="3241215" cy="0"/>
+              <a:off x="1919054" y="3882594"/>
+              <a:ext cx="3559418" cy="0"/>
             </a:xfrm>
             <a:prstGeom prst="line">
               <a:avLst/>
@@ -6803,7 +6460,7 @@
             <p:cNvPr id="22" name="Rectangle 21">
               <a:extLst>
                 <a:ext uri="{FF2B5EF4-FFF2-40B4-BE49-F238E27FC236}">
-                  <a16:creationId xmlns:a16="http://schemas.microsoft.com/office/drawing/2014/main" xmlns="" id="{2E4DF1D0-31C0-4F64-B212-2190F714F393}"/>
+                  <a16:creationId xmlns="" xmlns:a16="http://schemas.microsoft.com/office/drawing/2014/main" id="{2E4DF1D0-31C0-4F64-B212-2190F714F393}"/>
                 </a:ext>
               </a:extLst>
             </p:cNvPr>
@@ -6983,7 +6640,7 @@
           <p:cNvPr id="47" name="Line 13">
             <a:extLst>
               <a:ext uri="{FF2B5EF4-FFF2-40B4-BE49-F238E27FC236}">
-                <a16:creationId xmlns:a16="http://schemas.microsoft.com/office/drawing/2014/main" xmlns="" id="{C30F3633-BE5D-441D-9C87-D00C0DFC3E6D}"/>
+                <a16:creationId xmlns="" xmlns:a16="http://schemas.microsoft.com/office/drawing/2014/main" id="{C30F3633-BE5D-441D-9C87-D00C0DFC3E6D}"/>
               </a:ext>
             </a:extLst>
           </p:cNvPr>
@@ -6994,8 +6651,8 @@
         </p:nvSpPr>
         <p:spPr bwMode="auto">
           <a:xfrm>
-            <a:off x="7054183" y="2226308"/>
-            <a:ext cx="1346" cy="3908905"/>
+            <a:off x="7054182" y="2226308"/>
+            <a:ext cx="0" cy="3894093"/>
           </a:xfrm>
           <a:prstGeom prst="line">
             <a:avLst/>
@@ -7100,15 +6757,7 @@
                   <a:prstClr val="black"/>
                 </a:solidFill>
               </a:rPr>
-              <a:t>Display</a:t>
-            </a:r>
-            <a:r>
-              <a:rPr lang="en-US" sz="1500" dirty="0" err="1" smtClean="0">
-                <a:solidFill>
-                  <a:prstClr val="black"/>
-                </a:solidFill>
-              </a:rPr>
-              <a:t>Command</a:t>
+              <a:t>DisplayCommand</a:t>
             </a:r>
             <a:endParaRPr lang="en-US" sz="1500" dirty="0">
               <a:solidFill>
@@ -7123,7 +6772,7 @@
           <p:cNvPr id="46" name="Text Box 11">
             <a:extLst>
               <a:ext uri="{FF2B5EF4-FFF2-40B4-BE49-F238E27FC236}">
-                <a16:creationId xmlns:a16="http://schemas.microsoft.com/office/drawing/2014/main" xmlns="" id="{569EC1FF-3CDF-4E6B-82B3-104CCA3F3E9D}"/>
+                <a16:creationId xmlns="" xmlns:a16="http://schemas.microsoft.com/office/drawing/2014/main" id="{569EC1FF-3CDF-4E6B-82B3-104CCA3F3E9D}"/>
               </a:ext>
             </a:extLst>
           </p:cNvPr>
@@ -7203,7 +6852,7 @@
           <p:cNvPr id="48" name="Text Box 11">
             <a:extLst>
               <a:ext uri="{FF2B5EF4-FFF2-40B4-BE49-F238E27FC236}">
-                <a16:creationId xmlns:a16="http://schemas.microsoft.com/office/drawing/2014/main" xmlns="" id="{569EC1FF-3CDF-4E6B-82B3-104CCA3F3E9D}"/>
+                <a16:creationId xmlns="" xmlns:a16="http://schemas.microsoft.com/office/drawing/2014/main" id="{569EC1FF-3CDF-4E6B-82B3-104CCA3F3E9D}"/>
               </a:ext>
             </a:extLst>
           </p:cNvPr>
@@ -7284,7 +6933,7 @@
           <p:cNvPr id="49" name="Line 13">
             <a:extLst>
               <a:ext uri="{FF2B5EF4-FFF2-40B4-BE49-F238E27FC236}">
-                <a16:creationId xmlns:a16="http://schemas.microsoft.com/office/drawing/2014/main" xmlns="" id="{C30F3633-BE5D-441D-9C87-D00C0DFC3E6D}"/>
+                <a16:creationId xmlns="" xmlns:a16="http://schemas.microsoft.com/office/drawing/2014/main" id="{C30F3633-BE5D-441D-9C87-D00C0DFC3E6D}"/>
               </a:ext>
             </a:extLst>
           </p:cNvPr>
@@ -7344,7 +6993,7 @@
           <p:cNvPr id="50" name="Text Box 25">
             <a:extLst>
               <a:ext uri="{FF2B5EF4-FFF2-40B4-BE49-F238E27FC236}">
-                <a16:creationId xmlns:a16="http://schemas.microsoft.com/office/drawing/2014/main" xmlns="" id="{342B431E-151F-4A55-A1AE-57F6FE56D1EF}"/>
+                <a16:creationId xmlns="" xmlns:a16="http://schemas.microsoft.com/office/drawing/2014/main" id="{342B431E-151F-4A55-A1AE-57F6FE56D1EF}"/>
               </a:ext>
             </a:extLst>
           </p:cNvPr>
@@ -7355,7 +7004,7 @@
         </p:nvSpPr>
         <p:spPr bwMode="auto">
           <a:xfrm>
-            <a:off x="2915816" y="2276872"/>
+            <a:off x="3275856" y="2241739"/>
             <a:ext cx="1368152" cy="323165"/>
           </a:xfrm>
           <a:prstGeom prst="rect">
@@ -7396,239 +7045,10 @@
       </p:sp>
       <p:sp>
         <p:nvSpPr>
-          <p:cNvPr id="51" name="Rectangle 50">
-            <a:extLst>
-              <a:ext uri="{FF2B5EF4-FFF2-40B4-BE49-F238E27FC236}">
-                <a16:creationId xmlns:a16="http://schemas.microsoft.com/office/drawing/2014/main" xmlns="" id="{87876183-C46B-446C-9129-5259947FE6D2}"/>
-              </a:ext>
-            </a:extLst>
-          </p:cNvPr>
-          <p:cNvSpPr/>
-          <p:nvPr/>
-        </p:nvSpPr>
-        <p:spPr>
-          <a:xfrm>
-            <a:off x="6927362" y="2600037"/>
-            <a:ext cx="234384" cy="549536"/>
-          </a:xfrm>
-          <a:prstGeom prst="rect">
-            <a:avLst/>
-          </a:prstGeom>
-          <a:solidFill>
-            <a:schemeClr val="bg2">
-              <a:lumMod val="75000"/>
-            </a:schemeClr>
-          </a:solidFill>
-          <a:ln>
-            <a:solidFill>
-              <a:schemeClr val="accent3">
-                <a:lumMod val="75000"/>
-              </a:schemeClr>
-            </a:solidFill>
-          </a:ln>
-        </p:spPr>
-        <p:style>
-          <a:lnRef idx="2">
-            <a:schemeClr val="accent4"/>
-          </a:lnRef>
-          <a:fillRef idx="1">
-            <a:schemeClr val="lt1"/>
-          </a:fillRef>
-          <a:effectRef idx="0">
-            <a:schemeClr val="accent4"/>
-          </a:effectRef>
-          <a:fontRef idx="minor">
-            <a:schemeClr val="dk1"/>
-          </a:fontRef>
-        </p:style>
-        <p:txBody>
-          <a:bodyPr rtlCol="0" anchor="ctr"/>
-          <a:lstStyle/>
-          <a:p>
-            <a:pPr algn="ctr" defTabSz="872733"/>
-            <a:endParaRPr lang="en-US" sz="1500">
-              <a:solidFill>
-                <a:prstClr val="black"/>
-              </a:solidFill>
-            </a:endParaRPr>
-          </a:p>
-        </p:txBody>
-      </p:sp>
-      <p:sp>
-        <p:nvSpPr>
-          <p:cNvPr id="53" name="Rectangle 52">
-            <a:extLst>
-              <a:ext uri="{FF2B5EF4-FFF2-40B4-BE49-F238E27FC236}">
-                <a16:creationId xmlns:a16="http://schemas.microsoft.com/office/drawing/2014/main" xmlns="" id="{87876183-C46B-446C-9129-5259947FE6D2}"/>
-              </a:ext>
-            </a:extLst>
-          </p:cNvPr>
-          <p:cNvSpPr/>
-          <p:nvPr/>
-        </p:nvSpPr>
-        <p:spPr>
-          <a:xfrm>
-            <a:off x="5144706" y="3494802"/>
-            <a:ext cx="234384" cy="560784"/>
-          </a:xfrm>
-          <a:prstGeom prst="rect">
-            <a:avLst/>
-          </a:prstGeom>
-          <a:solidFill>
-            <a:schemeClr val="accent6">
-              <a:lumMod val="60000"/>
-              <a:lumOff val="40000"/>
-            </a:schemeClr>
-          </a:solidFill>
-          <a:ln>
-            <a:solidFill>
-              <a:schemeClr val="accent6">
-                <a:lumMod val="75000"/>
-              </a:schemeClr>
-            </a:solidFill>
-          </a:ln>
-        </p:spPr>
-        <p:style>
-          <a:lnRef idx="2">
-            <a:schemeClr val="accent4"/>
-          </a:lnRef>
-          <a:fillRef idx="1">
-            <a:schemeClr val="lt1"/>
-          </a:fillRef>
-          <a:effectRef idx="0">
-            <a:schemeClr val="accent4"/>
-          </a:effectRef>
-          <a:fontRef idx="minor">
-            <a:schemeClr val="dk1"/>
-          </a:fontRef>
-        </p:style>
-        <p:txBody>
-          <a:bodyPr rtlCol="0" anchor="ctr"/>
-          <a:lstStyle/>
-          <a:p>
-            <a:pPr algn="ctr" defTabSz="872733"/>
-            <a:endParaRPr lang="en-US" sz="1500">
-              <a:solidFill>
-                <a:prstClr val="black"/>
-              </a:solidFill>
-            </a:endParaRPr>
-          </a:p>
-        </p:txBody>
-      </p:sp>
-      <p:sp>
-        <p:nvSpPr>
-          <p:cNvPr id="54" name="Line 15">
-            <a:extLst>
-              <a:ext uri="{FF2B5EF4-FFF2-40B4-BE49-F238E27FC236}">
-                <a16:creationId xmlns:a16="http://schemas.microsoft.com/office/drawing/2014/main" xmlns="" id="{FBD099A4-8330-4D2D-B1B3-E14BEA805815}"/>
-              </a:ext>
-            </a:extLst>
-          </p:cNvPr>
-          <p:cNvSpPr>
-            <a:spLocks noChangeShapeType="1"/>
-          </p:cNvSpPr>
-          <p:nvPr/>
-        </p:nvSpPr>
-        <p:spPr bwMode="auto">
-          <a:xfrm>
-            <a:off x="2607198" y="4572406"/>
-            <a:ext cx="2539826" cy="0"/>
-          </a:xfrm>
-          <a:prstGeom prst="line">
-            <a:avLst/>
-          </a:prstGeom>
-          <a:noFill/>
-          <a:ln w="19050">
-            <a:solidFill>
-              <a:schemeClr val="accent6">
-                <a:lumMod val="75000"/>
-              </a:schemeClr>
-            </a:solidFill>
-            <a:round/>
-            <a:headEnd/>
-            <a:tailEnd type="triangle" w="lg" len="lg"/>
-          </a:ln>
-        </p:spPr>
-        <p:txBody>
-          <a:bodyPr/>
-          <a:lstStyle/>
-          <a:p>
-            <a:pPr defTabSz="872733"/>
-            <a:endParaRPr lang="en-US" sz="1500" dirty="0">
-              <a:solidFill>
-                <a:prstClr val="black"/>
-              </a:solidFill>
-            </a:endParaRPr>
-          </a:p>
-        </p:txBody>
-      </p:sp>
-      <p:sp>
-        <p:nvSpPr>
-          <p:cNvPr id="55" name="Rectangle 54">
-            <a:extLst>
-              <a:ext uri="{FF2B5EF4-FFF2-40B4-BE49-F238E27FC236}">
-                <a16:creationId xmlns:a16="http://schemas.microsoft.com/office/drawing/2014/main" xmlns="" id="{87876183-C46B-446C-9129-5259947FE6D2}"/>
-              </a:ext>
-            </a:extLst>
-          </p:cNvPr>
-          <p:cNvSpPr/>
-          <p:nvPr/>
-        </p:nvSpPr>
-        <p:spPr>
-          <a:xfrm>
-            <a:off x="5147024" y="4554939"/>
-            <a:ext cx="234384" cy="560784"/>
-          </a:xfrm>
-          <a:prstGeom prst="rect">
-            <a:avLst/>
-          </a:prstGeom>
-          <a:solidFill>
-            <a:schemeClr val="accent6">
-              <a:lumMod val="60000"/>
-              <a:lumOff val="40000"/>
-            </a:schemeClr>
-          </a:solidFill>
-          <a:ln>
-            <a:solidFill>
-              <a:schemeClr val="accent6">
-                <a:lumMod val="75000"/>
-              </a:schemeClr>
-            </a:solidFill>
-          </a:ln>
-        </p:spPr>
-        <p:style>
-          <a:lnRef idx="2">
-            <a:schemeClr val="accent4"/>
-          </a:lnRef>
-          <a:fillRef idx="1">
-            <a:schemeClr val="lt1"/>
-          </a:fillRef>
-          <a:effectRef idx="0">
-            <a:schemeClr val="accent4"/>
-          </a:effectRef>
-          <a:fontRef idx="minor">
-            <a:schemeClr val="dk1"/>
-          </a:fontRef>
-        </p:style>
-        <p:txBody>
-          <a:bodyPr rtlCol="0" anchor="ctr"/>
-          <a:lstStyle/>
-          <a:p>
-            <a:pPr algn="ctr" defTabSz="872733"/>
-            <a:endParaRPr lang="en-US" sz="1500">
-              <a:solidFill>
-                <a:prstClr val="black"/>
-              </a:solidFill>
-            </a:endParaRPr>
-          </a:p>
-        </p:txBody>
-      </p:sp>
-      <p:sp>
-        <p:nvSpPr>
           <p:cNvPr id="56" name="Text Box 25">
             <a:extLst>
               <a:ext uri="{FF2B5EF4-FFF2-40B4-BE49-F238E27FC236}">
-                <a16:creationId xmlns:a16="http://schemas.microsoft.com/office/drawing/2014/main" xmlns="" id="{342B431E-151F-4A55-A1AE-57F6FE56D1EF}"/>
+                <a16:creationId xmlns="" xmlns:a16="http://schemas.microsoft.com/office/drawing/2014/main" id="{342B431E-151F-4A55-A1AE-57F6FE56D1EF}"/>
               </a:ext>
             </a:extLst>
           </p:cNvPr>
@@ -7639,7 +7059,7 @@
         </p:nvSpPr>
         <p:spPr bwMode="auto">
           <a:xfrm>
-            <a:off x="2994163" y="3186565"/>
+            <a:off x="3309122" y="3393867"/>
             <a:ext cx="1190870" cy="323165"/>
           </a:xfrm>
           <a:prstGeom prst="rect">
@@ -7683,7 +7103,7 @@
           <p:cNvPr id="57" name="Text Box 25">
             <a:extLst>
               <a:ext uri="{FF2B5EF4-FFF2-40B4-BE49-F238E27FC236}">
-                <a16:creationId xmlns:a16="http://schemas.microsoft.com/office/drawing/2014/main" xmlns="" id="{342B431E-151F-4A55-A1AE-57F6FE56D1EF}"/>
+                <a16:creationId xmlns="" xmlns:a16="http://schemas.microsoft.com/office/drawing/2014/main" id="{342B431E-151F-4A55-A1AE-57F6FE56D1EF}"/>
               </a:ext>
             </a:extLst>
           </p:cNvPr>
@@ -7694,7 +7114,7 @@
         </p:nvSpPr>
         <p:spPr bwMode="auto">
           <a:xfrm>
-            <a:off x="2597307" y="4170336"/>
+            <a:off x="2555776" y="4473987"/>
             <a:ext cx="2664591" cy="323165"/>
           </a:xfrm>
           <a:prstGeom prst="rect">
@@ -7746,7 +7166,7 @@
           <p:cNvPr id="58" name="Line 16">
             <a:extLst>
               <a:ext uri="{FF2B5EF4-FFF2-40B4-BE49-F238E27FC236}">
-                <a16:creationId xmlns:a16="http://schemas.microsoft.com/office/drawing/2014/main" xmlns="" id="{189BA3D0-8AEC-4A1C-9374-3B627A9B1FF8}"/>
+                <a16:creationId xmlns="" xmlns:a16="http://schemas.microsoft.com/office/drawing/2014/main" id="{189BA3D0-8AEC-4A1C-9374-3B627A9B1FF8}"/>
               </a:ext>
             </a:extLst>
           </p:cNvPr>
@@ -7757,8 +7177,8 @@
         </p:nvSpPr>
         <p:spPr bwMode="auto">
           <a:xfrm flipH="1">
-            <a:off x="2607198" y="4055586"/>
-            <a:ext cx="2539826" cy="6206"/>
+            <a:off x="2490006" y="4149080"/>
+            <a:ext cx="2771892" cy="0"/>
           </a:xfrm>
           <a:prstGeom prst="line">
             <a:avLst/>
@@ -7791,10 +7211,10 @@
       </p:sp>
       <p:sp>
         <p:nvSpPr>
-          <p:cNvPr id="59" name="Line 16">
+          <p:cNvPr id="60" name="Line 16">
             <a:extLst>
               <a:ext uri="{FF2B5EF4-FFF2-40B4-BE49-F238E27FC236}">
-                <a16:creationId xmlns:a16="http://schemas.microsoft.com/office/drawing/2014/main" xmlns="" id="{189BA3D0-8AEC-4A1C-9374-3B627A9B1FF8}"/>
+                <a16:creationId xmlns="" xmlns:a16="http://schemas.microsoft.com/office/drawing/2014/main" id="{189BA3D0-8AEC-4A1C-9374-3B627A9B1FF8}"/>
               </a:ext>
             </a:extLst>
           </p:cNvPr>
@@ -7804,9 +7224,57 @@
           <p:nvPr/>
         </p:nvSpPr>
         <p:spPr bwMode="auto">
-          <a:xfrm flipH="1">
-            <a:off x="2597307" y="5115724"/>
-            <a:ext cx="2549717" cy="0"/>
+          <a:xfrm flipH="1" flipV="1">
+            <a:off x="2490005" y="2996952"/>
+            <a:ext cx="4576377" cy="0"/>
+          </a:xfrm>
+          <a:prstGeom prst="line">
+            <a:avLst/>
+          </a:prstGeom>
+          <a:noFill/>
+          <a:ln w="19050">
+            <a:solidFill>
+              <a:schemeClr val="bg2">
+                <a:lumMod val="50000"/>
+              </a:schemeClr>
+            </a:solidFill>
+            <a:prstDash val="sysDash"/>
+            <a:round/>
+            <a:headEnd/>
+            <a:tailEnd type="triangle" w="lg" len="lg"/>
+          </a:ln>
+        </p:spPr>
+        <p:txBody>
+          <a:bodyPr/>
+          <a:lstStyle/>
+          <a:p>
+            <a:pPr defTabSz="872733"/>
+            <a:endParaRPr lang="en-US" sz="1500">
+              <a:solidFill>
+                <a:prstClr val="black"/>
+              </a:solidFill>
+            </a:endParaRPr>
+          </a:p>
+        </p:txBody>
+      </p:sp>
+      <p:sp>
+        <p:nvSpPr>
+          <p:cNvPr id="28" name="Line 15">
+            <a:extLst>
+              <a:ext uri="{FF2B5EF4-FFF2-40B4-BE49-F238E27FC236}">
+                <a16:creationId xmlns="" xmlns:a16="http://schemas.microsoft.com/office/drawing/2014/main" id="{FBD099A4-8330-4D2D-B1B3-E14BEA805815}"/>
+              </a:ext>
+            </a:extLst>
+          </p:cNvPr>
+          <p:cNvSpPr>
+            <a:spLocks noChangeShapeType="1"/>
+          </p:cNvSpPr>
+          <p:nvPr/>
+        </p:nvSpPr>
+        <p:spPr bwMode="auto">
+          <a:xfrm flipV="1">
+            <a:off x="2491352" y="4797152"/>
+            <a:ext cx="2770546" cy="0"/>
           </a:xfrm>
           <a:prstGeom prst="line">
             <a:avLst/>
@@ -7818,7 +7286,6 @@
                 <a:lumMod val="75000"/>
               </a:schemeClr>
             </a:solidFill>
-            <a:prstDash val="sysDash"/>
             <a:round/>
             <a:headEnd/>
             <a:tailEnd type="triangle" w="lg" len="lg"/>
@@ -7829,7 +7296,7 @@
           <a:lstStyle/>
           <a:p>
             <a:pPr defTabSz="872733"/>
-            <a:endParaRPr lang="en-US" sz="1500" b="1" dirty="0">
+            <a:endParaRPr lang="en-US" sz="1500" dirty="0">
               <a:solidFill>
                 <a:prstClr val="black"/>
               </a:solidFill>
@@ -7839,10 +7306,10 @@
       </p:sp>
       <p:sp>
         <p:nvSpPr>
-          <p:cNvPr id="60" name="Line 16">
+          <p:cNvPr id="30" name="Line 16">
             <a:extLst>
               <a:ext uri="{FF2B5EF4-FFF2-40B4-BE49-F238E27FC236}">
-                <a16:creationId xmlns:a16="http://schemas.microsoft.com/office/drawing/2014/main" xmlns="" id="{189BA3D0-8AEC-4A1C-9374-3B627A9B1FF8}"/>
+                <a16:creationId xmlns="" xmlns:a16="http://schemas.microsoft.com/office/drawing/2014/main" id="{189BA3D0-8AEC-4A1C-9374-3B627A9B1FF8}"/>
               </a:ext>
             </a:extLst>
           </p:cNvPr>
@@ -7852,9 +7319,9 @@
           <p:nvPr/>
         </p:nvSpPr>
         <p:spPr bwMode="auto">
-          <a:xfrm flipH="1" flipV="1">
-            <a:off x="2624157" y="3140966"/>
-            <a:ext cx="4303204" cy="8606"/>
+          <a:xfrm flipH="1">
+            <a:off x="2490006" y="5229200"/>
+            <a:ext cx="2771892" cy="0"/>
           </a:xfrm>
           <a:prstGeom prst="line">
             <a:avLst/>
@@ -7862,8 +7329,8 @@
           <a:noFill/>
           <a:ln w="19050">
             <a:solidFill>
-              <a:schemeClr val="bg2">
-                <a:lumMod val="50000"/>
+              <a:schemeClr val="accent6">
+                <a:lumMod val="75000"/>
               </a:schemeClr>
             </a:solidFill>
             <a:prstDash val="sysDash"/>
@@ -8256,7 +7723,7 @@
                                           </p:stCondLst>
                                         </p:cTn>
                                         <p:tgtEl>
-                                          <p:spTgt spid="59"/>
+                                          <p:spTgt spid="60"/>
                                         </p:tgtEl>
                                         <p:attrNameLst>
                                           <p:attrName>style.visibility</p:attrName>
@@ -8283,7 +7750,7 @@
                                           </p:stCondLst>
                                         </p:cTn>
                                         <p:tgtEl>
-                                          <p:spTgt spid="60"/>
+                                          <p:spTgt spid="30"/>
                                         </p:tgtEl>
                                         <p:attrNameLst>
                                           <p:attrName>style.visibility</p:attrName>
@@ -8336,8 +7803,8 @@
       <p:bldP spid="57" grpId="0"/>
       <p:bldP spid="57" grpId="1"/>
       <p:bldP spid="58" grpId="0" animBg="1"/>
-      <p:bldP spid="59" grpId="0" animBg="1"/>
       <p:bldP spid="60" grpId="0" animBg="1"/>
+      <p:bldP spid="30" grpId="0" animBg="1"/>
     </p:bldLst>
   </p:timing>
 </p:sld>

--- a/docs/slides/Display.pptx
+++ b/docs/slides/Display.pptx
@@ -108,6 +108,22 @@
       </a:defRPr>
     </a:lvl9pPr>
   </p:defaultTextStyle>
+  <p:extLst>
+    <p:ext uri="{EFAFB233-063F-42B5-8137-9DF3F51BA10A}">
+      <p15:sldGuideLst xmlns:p15="http://schemas.microsoft.com/office/powerpoint/2012/main">
+        <p15:guide id="1" orient="horz" pos="2160">
+          <p15:clr>
+            <a:srgbClr val="A4A3A4"/>
+          </p15:clr>
+        </p15:guide>
+        <p15:guide id="2" pos="2880">
+          <p15:clr>
+            <a:srgbClr val="A4A3A4"/>
+          </p15:clr>
+        </p15:guide>
+      </p15:sldGuideLst>
+    </p:ext>
+  </p:extLst>
 </p:presentation>
 </file>
 
@@ -193,7 +209,7 @@
           <a:p>
             <a:fld id="{A85B5F64-C6AB-4D2A-A6A5-B74B7BBFB14A}" type="datetimeFigureOut">
               <a:rPr lang="en-SG" smtClean="0"/>
-              <a:t>3/4/2020</a:t>
+              <a:t>5/4/2020</a:t>
             </a:fld>
             <a:endParaRPr lang="en-SG"/>
           </a:p>
@@ -257,35 +273,35 @@
           <a:p>
             <a:pPr lvl="0"/>
             <a:r>
-              <a:rPr lang="en-US" smtClean="0"/>
+              <a:rPr lang="en-US"/>
               <a:t>Click to edit Master text styles</a:t>
             </a:r>
           </a:p>
           <a:p>
             <a:pPr lvl="1"/>
             <a:r>
-              <a:rPr lang="en-US" smtClean="0"/>
+              <a:rPr lang="en-US"/>
               <a:t>Second level</a:t>
             </a:r>
           </a:p>
           <a:p>
             <a:pPr lvl="2"/>
             <a:r>
-              <a:rPr lang="en-US" smtClean="0"/>
+              <a:rPr lang="en-US"/>
               <a:t>Third level</a:t>
             </a:r>
           </a:p>
           <a:p>
             <a:pPr lvl="3"/>
             <a:r>
-              <a:rPr lang="en-US" smtClean="0"/>
+              <a:rPr lang="en-US"/>
               <a:t>Fourth level</a:t>
             </a:r>
           </a:p>
           <a:p>
             <a:pPr lvl="4"/>
             <a:r>
-              <a:rPr lang="en-US" smtClean="0"/>
+              <a:rPr lang="en-US"/>
               <a:t>Fifth level</a:t>
             </a:r>
             <a:endParaRPr lang="en-SG"/>
@@ -599,7 +615,7 @@
           <a:lstStyle/>
           <a:p>
             <a:r>
-              <a:rPr lang="en-US" smtClean="0"/>
+              <a:rPr lang="en-US"/>
               <a:t>Click to edit Master title style</a:t>
             </a:r>
             <a:endParaRPr lang="en-SG"/>
@@ -718,7 +734,7 @@
           </a:lstStyle>
           <a:p>
             <a:r>
-              <a:rPr lang="en-US" smtClean="0"/>
+              <a:rPr lang="en-US"/>
               <a:t>Click to edit Master subtitle style</a:t>
             </a:r>
             <a:endParaRPr lang="en-SG"/>
@@ -742,7 +758,7 @@
           <a:p>
             <a:fld id="{FDF0BC31-AB78-47E3-B881-9EA76E133042}" type="datetimeFigureOut">
               <a:rPr lang="en-SG" smtClean="0"/>
-              <a:t>3/4/2020</a:t>
+              <a:t>5/4/2020</a:t>
             </a:fld>
             <a:endParaRPr lang="en-SG"/>
           </a:p>
@@ -836,7 +852,7 @@
           <a:lstStyle/>
           <a:p>
             <a:r>
-              <a:rPr lang="en-US" smtClean="0"/>
+              <a:rPr lang="en-US"/>
               <a:t>Click to edit Master title style</a:t>
             </a:r>
             <a:endParaRPr lang="en-SG"/>
@@ -860,35 +876,35 @@
           <a:p>
             <a:pPr lvl="0"/>
             <a:r>
-              <a:rPr lang="en-US" smtClean="0"/>
+              <a:rPr lang="en-US"/>
               <a:t>Click to edit Master text styles</a:t>
             </a:r>
           </a:p>
           <a:p>
             <a:pPr lvl="1"/>
             <a:r>
-              <a:rPr lang="en-US" smtClean="0"/>
+              <a:rPr lang="en-US"/>
               <a:t>Second level</a:t>
             </a:r>
           </a:p>
           <a:p>
             <a:pPr lvl="2"/>
             <a:r>
-              <a:rPr lang="en-US" smtClean="0"/>
+              <a:rPr lang="en-US"/>
               <a:t>Third level</a:t>
             </a:r>
           </a:p>
           <a:p>
             <a:pPr lvl="3"/>
             <a:r>
-              <a:rPr lang="en-US" smtClean="0"/>
+              <a:rPr lang="en-US"/>
               <a:t>Fourth level</a:t>
             </a:r>
           </a:p>
           <a:p>
             <a:pPr lvl="4"/>
             <a:r>
-              <a:rPr lang="en-US" smtClean="0"/>
+              <a:rPr lang="en-US"/>
               <a:t>Fifth level</a:t>
             </a:r>
             <a:endParaRPr lang="en-SG"/>
@@ -912,7 +928,7 @@
           <a:p>
             <a:fld id="{FDF0BC31-AB78-47E3-B881-9EA76E133042}" type="datetimeFigureOut">
               <a:rPr lang="en-SG" smtClean="0"/>
-              <a:t>3/4/2020</a:t>
+              <a:t>5/4/2020</a:t>
             </a:fld>
             <a:endParaRPr lang="en-SG"/>
           </a:p>
@@ -1011,7 +1027,7 @@
           <a:lstStyle/>
           <a:p>
             <a:r>
-              <a:rPr lang="en-US" smtClean="0"/>
+              <a:rPr lang="en-US"/>
               <a:t>Click to edit Master title style</a:t>
             </a:r>
             <a:endParaRPr lang="en-SG"/>
@@ -1040,35 +1056,35 @@
           <a:p>
             <a:pPr lvl="0"/>
             <a:r>
-              <a:rPr lang="en-US" smtClean="0"/>
+              <a:rPr lang="en-US"/>
               <a:t>Click to edit Master text styles</a:t>
             </a:r>
           </a:p>
           <a:p>
             <a:pPr lvl="1"/>
             <a:r>
-              <a:rPr lang="en-US" smtClean="0"/>
+              <a:rPr lang="en-US"/>
               <a:t>Second level</a:t>
             </a:r>
           </a:p>
           <a:p>
             <a:pPr lvl="2"/>
             <a:r>
-              <a:rPr lang="en-US" smtClean="0"/>
+              <a:rPr lang="en-US"/>
               <a:t>Third level</a:t>
             </a:r>
           </a:p>
           <a:p>
             <a:pPr lvl="3"/>
             <a:r>
-              <a:rPr lang="en-US" smtClean="0"/>
+              <a:rPr lang="en-US"/>
               <a:t>Fourth level</a:t>
             </a:r>
           </a:p>
           <a:p>
             <a:pPr lvl="4"/>
             <a:r>
-              <a:rPr lang="en-US" smtClean="0"/>
+              <a:rPr lang="en-US"/>
               <a:t>Fifth level</a:t>
             </a:r>
             <a:endParaRPr lang="en-SG"/>
@@ -1092,7 +1108,7 @@
           <a:p>
             <a:fld id="{FDF0BC31-AB78-47E3-B881-9EA76E133042}" type="datetimeFigureOut">
               <a:rPr lang="en-SG" smtClean="0"/>
-              <a:t>3/4/2020</a:t>
+              <a:t>5/4/2020</a:t>
             </a:fld>
             <a:endParaRPr lang="en-SG"/>
           </a:p>
@@ -1186,7 +1202,7 @@
           <a:lstStyle/>
           <a:p>
             <a:r>
-              <a:rPr lang="en-US" smtClean="0"/>
+              <a:rPr lang="en-US"/>
               <a:t>Click to edit Master title style</a:t>
             </a:r>
             <a:endParaRPr lang="en-SG"/>
@@ -1210,35 +1226,35 @@
           <a:p>
             <a:pPr lvl="0"/>
             <a:r>
-              <a:rPr lang="en-US" smtClean="0"/>
+              <a:rPr lang="en-US"/>
               <a:t>Click to edit Master text styles</a:t>
             </a:r>
           </a:p>
           <a:p>
             <a:pPr lvl="1"/>
             <a:r>
-              <a:rPr lang="en-US" smtClean="0"/>
+              <a:rPr lang="en-US"/>
               <a:t>Second level</a:t>
             </a:r>
           </a:p>
           <a:p>
             <a:pPr lvl="2"/>
             <a:r>
-              <a:rPr lang="en-US" smtClean="0"/>
+              <a:rPr lang="en-US"/>
               <a:t>Third level</a:t>
             </a:r>
           </a:p>
           <a:p>
             <a:pPr lvl="3"/>
             <a:r>
-              <a:rPr lang="en-US" smtClean="0"/>
+              <a:rPr lang="en-US"/>
               <a:t>Fourth level</a:t>
             </a:r>
           </a:p>
           <a:p>
             <a:pPr lvl="4"/>
             <a:r>
-              <a:rPr lang="en-US" smtClean="0"/>
+              <a:rPr lang="en-US"/>
               <a:t>Fifth level</a:t>
             </a:r>
             <a:endParaRPr lang="en-SG"/>
@@ -1262,7 +1278,7 @@
           <a:p>
             <a:fld id="{FDF0BC31-AB78-47E3-B881-9EA76E133042}" type="datetimeFigureOut">
               <a:rPr lang="en-SG" smtClean="0"/>
-              <a:t>3/4/2020</a:t>
+              <a:t>5/4/2020</a:t>
             </a:fld>
             <a:endParaRPr lang="en-SG"/>
           </a:p>
@@ -1365,7 +1381,7 @@
           </a:lstStyle>
           <a:p>
             <a:r>
-              <a:rPr lang="en-US" smtClean="0"/>
+              <a:rPr lang="en-US"/>
               <a:t>Click to edit Master title style</a:t>
             </a:r>
             <a:endParaRPr lang="en-SG"/>
@@ -1485,7 +1501,7 @@
           <a:p>
             <a:pPr lvl="0"/>
             <a:r>
-              <a:rPr lang="en-US" smtClean="0"/>
+              <a:rPr lang="en-US"/>
               <a:t>Click to edit Master text styles</a:t>
             </a:r>
           </a:p>
@@ -1508,7 +1524,7 @@
           <a:p>
             <a:fld id="{FDF0BC31-AB78-47E3-B881-9EA76E133042}" type="datetimeFigureOut">
               <a:rPr lang="en-SG" smtClean="0"/>
-              <a:t>3/4/2020</a:t>
+              <a:t>5/4/2020</a:t>
             </a:fld>
             <a:endParaRPr lang="en-SG"/>
           </a:p>
@@ -1602,7 +1618,7 @@
           <a:lstStyle/>
           <a:p>
             <a:r>
-              <a:rPr lang="en-US" smtClean="0"/>
+              <a:rPr lang="en-US"/>
               <a:t>Click to edit Master title style</a:t>
             </a:r>
             <a:endParaRPr lang="en-SG"/>
@@ -1659,35 +1675,35 @@
           <a:p>
             <a:pPr lvl="0"/>
             <a:r>
-              <a:rPr lang="en-US" smtClean="0"/>
+              <a:rPr lang="en-US"/>
               <a:t>Click to edit Master text styles</a:t>
             </a:r>
           </a:p>
           <a:p>
             <a:pPr lvl="1"/>
             <a:r>
-              <a:rPr lang="en-US" smtClean="0"/>
+              <a:rPr lang="en-US"/>
               <a:t>Second level</a:t>
             </a:r>
           </a:p>
           <a:p>
             <a:pPr lvl="2"/>
             <a:r>
-              <a:rPr lang="en-US" smtClean="0"/>
+              <a:rPr lang="en-US"/>
               <a:t>Third level</a:t>
             </a:r>
           </a:p>
           <a:p>
             <a:pPr lvl="3"/>
             <a:r>
-              <a:rPr lang="en-US" smtClean="0"/>
+              <a:rPr lang="en-US"/>
               <a:t>Fourth level</a:t>
             </a:r>
           </a:p>
           <a:p>
             <a:pPr lvl="4"/>
             <a:r>
-              <a:rPr lang="en-US" smtClean="0"/>
+              <a:rPr lang="en-US"/>
               <a:t>Fifth level</a:t>
             </a:r>
             <a:endParaRPr lang="en-SG"/>
@@ -1744,35 +1760,35 @@
           <a:p>
             <a:pPr lvl="0"/>
             <a:r>
-              <a:rPr lang="en-US" smtClean="0"/>
+              <a:rPr lang="en-US"/>
               <a:t>Click to edit Master text styles</a:t>
             </a:r>
           </a:p>
           <a:p>
             <a:pPr lvl="1"/>
             <a:r>
-              <a:rPr lang="en-US" smtClean="0"/>
+              <a:rPr lang="en-US"/>
               <a:t>Second level</a:t>
             </a:r>
           </a:p>
           <a:p>
             <a:pPr lvl="2"/>
             <a:r>
-              <a:rPr lang="en-US" smtClean="0"/>
+              <a:rPr lang="en-US"/>
               <a:t>Third level</a:t>
             </a:r>
           </a:p>
           <a:p>
             <a:pPr lvl="3"/>
             <a:r>
-              <a:rPr lang="en-US" smtClean="0"/>
+              <a:rPr lang="en-US"/>
               <a:t>Fourth level</a:t>
             </a:r>
           </a:p>
           <a:p>
             <a:pPr lvl="4"/>
             <a:r>
-              <a:rPr lang="en-US" smtClean="0"/>
+              <a:rPr lang="en-US"/>
               <a:t>Fifth level</a:t>
             </a:r>
             <a:endParaRPr lang="en-SG"/>
@@ -1796,7 +1812,7 @@
           <a:p>
             <a:fld id="{FDF0BC31-AB78-47E3-B881-9EA76E133042}" type="datetimeFigureOut">
               <a:rPr lang="en-SG" smtClean="0"/>
-              <a:t>3/4/2020</a:t>
+              <a:t>5/4/2020</a:t>
             </a:fld>
             <a:endParaRPr lang="en-SG"/>
           </a:p>
@@ -1894,7 +1910,7 @@
           </a:lstStyle>
           <a:p>
             <a:r>
-              <a:rPr lang="en-US" smtClean="0"/>
+              <a:rPr lang="en-US"/>
               <a:t>Click to edit Master title style</a:t>
             </a:r>
             <a:endParaRPr lang="en-SG"/>
@@ -1960,7 +1976,7 @@
           <a:p>
             <a:pPr lvl="0"/>
             <a:r>
-              <a:rPr lang="en-US" smtClean="0"/>
+              <a:rPr lang="en-US"/>
               <a:t>Click to edit Master text styles</a:t>
             </a:r>
           </a:p>
@@ -2016,35 +2032,35 @@
           <a:p>
             <a:pPr lvl="0"/>
             <a:r>
-              <a:rPr lang="en-US" smtClean="0"/>
+              <a:rPr lang="en-US"/>
               <a:t>Click to edit Master text styles</a:t>
             </a:r>
           </a:p>
           <a:p>
             <a:pPr lvl="1"/>
             <a:r>
-              <a:rPr lang="en-US" smtClean="0"/>
+              <a:rPr lang="en-US"/>
               <a:t>Second level</a:t>
             </a:r>
           </a:p>
           <a:p>
             <a:pPr lvl="2"/>
             <a:r>
-              <a:rPr lang="en-US" smtClean="0"/>
+              <a:rPr lang="en-US"/>
               <a:t>Third level</a:t>
             </a:r>
           </a:p>
           <a:p>
             <a:pPr lvl="3"/>
             <a:r>
-              <a:rPr lang="en-US" smtClean="0"/>
+              <a:rPr lang="en-US"/>
               <a:t>Fourth level</a:t>
             </a:r>
           </a:p>
           <a:p>
             <a:pPr lvl="4"/>
             <a:r>
-              <a:rPr lang="en-US" smtClean="0"/>
+              <a:rPr lang="en-US"/>
               <a:t>Fifth level</a:t>
             </a:r>
             <a:endParaRPr lang="en-SG"/>
@@ -2110,7 +2126,7 @@
           <a:p>
             <a:pPr lvl="0"/>
             <a:r>
-              <a:rPr lang="en-US" smtClean="0"/>
+              <a:rPr lang="en-US"/>
               <a:t>Click to edit Master text styles</a:t>
             </a:r>
           </a:p>
@@ -2166,35 +2182,35 @@
           <a:p>
             <a:pPr lvl="0"/>
             <a:r>
-              <a:rPr lang="en-US" smtClean="0"/>
+              <a:rPr lang="en-US"/>
               <a:t>Click to edit Master text styles</a:t>
             </a:r>
           </a:p>
           <a:p>
             <a:pPr lvl="1"/>
             <a:r>
-              <a:rPr lang="en-US" smtClean="0"/>
+              <a:rPr lang="en-US"/>
               <a:t>Second level</a:t>
             </a:r>
           </a:p>
           <a:p>
             <a:pPr lvl="2"/>
             <a:r>
-              <a:rPr lang="en-US" smtClean="0"/>
+              <a:rPr lang="en-US"/>
               <a:t>Third level</a:t>
             </a:r>
           </a:p>
           <a:p>
             <a:pPr lvl="3"/>
             <a:r>
-              <a:rPr lang="en-US" smtClean="0"/>
+              <a:rPr lang="en-US"/>
               <a:t>Fourth level</a:t>
             </a:r>
           </a:p>
           <a:p>
             <a:pPr lvl="4"/>
             <a:r>
-              <a:rPr lang="en-US" smtClean="0"/>
+              <a:rPr lang="en-US"/>
               <a:t>Fifth level</a:t>
             </a:r>
             <a:endParaRPr lang="en-SG"/>
@@ -2218,7 +2234,7 @@
           <a:p>
             <a:fld id="{FDF0BC31-AB78-47E3-B881-9EA76E133042}" type="datetimeFigureOut">
               <a:rPr lang="en-SG" smtClean="0"/>
-              <a:t>3/4/2020</a:t>
+              <a:t>5/4/2020</a:t>
             </a:fld>
             <a:endParaRPr lang="en-SG"/>
           </a:p>
@@ -2312,7 +2328,7 @@
           <a:lstStyle/>
           <a:p>
             <a:r>
-              <a:rPr lang="en-US" smtClean="0"/>
+              <a:rPr lang="en-US"/>
               <a:t>Click to edit Master title style</a:t>
             </a:r>
             <a:endParaRPr lang="en-SG"/>
@@ -2336,7 +2352,7 @@
           <a:p>
             <a:fld id="{FDF0BC31-AB78-47E3-B881-9EA76E133042}" type="datetimeFigureOut">
               <a:rPr lang="en-SG" smtClean="0"/>
-              <a:t>3/4/2020</a:t>
+              <a:t>5/4/2020</a:t>
             </a:fld>
             <a:endParaRPr lang="en-SG"/>
           </a:p>
@@ -2431,7 +2447,7 @@
           <a:p>
             <a:fld id="{FDF0BC31-AB78-47E3-B881-9EA76E133042}" type="datetimeFigureOut">
               <a:rPr lang="en-SG" smtClean="0"/>
-              <a:t>3/4/2020</a:t>
+              <a:t>5/4/2020</a:t>
             </a:fld>
             <a:endParaRPr lang="en-SG"/>
           </a:p>
@@ -2534,7 +2550,7 @@
           </a:lstStyle>
           <a:p>
             <a:r>
-              <a:rPr lang="en-US" smtClean="0"/>
+              <a:rPr lang="en-US"/>
               <a:t>Click to edit Master title style</a:t>
             </a:r>
             <a:endParaRPr lang="en-SG"/>
@@ -2591,35 +2607,35 @@
           <a:p>
             <a:pPr lvl="0"/>
             <a:r>
-              <a:rPr lang="en-US" smtClean="0"/>
+              <a:rPr lang="en-US"/>
               <a:t>Click to edit Master text styles</a:t>
             </a:r>
           </a:p>
           <a:p>
             <a:pPr lvl="1"/>
             <a:r>
-              <a:rPr lang="en-US" smtClean="0"/>
+              <a:rPr lang="en-US"/>
               <a:t>Second level</a:t>
             </a:r>
           </a:p>
           <a:p>
             <a:pPr lvl="2"/>
             <a:r>
-              <a:rPr lang="en-US" smtClean="0"/>
+              <a:rPr lang="en-US"/>
               <a:t>Third level</a:t>
             </a:r>
           </a:p>
           <a:p>
             <a:pPr lvl="3"/>
             <a:r>
-              <a:rPr lang="en-US" smtClean="0"/>
+              <a:rPr lang="en-US"/>
               <a:t>Fourth level</a:t>
             </a:r>
           </a:p>
           <a:p>
             <a:pPr lvl="4"/>
             <a:r>
-              <a:rPr lang="en-US" smtClean="0"/>
+              <a:rPr lang="en-US"/>
               <a:t>Fifth level</a:t>
             </a:r>
             <a:endParaRPr lang="en-SG"/>
@@ -2685,7 +2701,7 @@
           <a:p>
             <a:pPr lvl="0"/>
             <a:r>
-              <a:rPr lang="en-US" smtClean="0"/>
+              <a:rPr lang="en-US"/>
               <a:t>Click to edit Master text styles</a:t>
             </a:r>
           </a:p>
@@ -2708,7 +2724,7 @@
           <a:p>
             <a:fld id="{FDF0BC31-AB78-47E3-B881-9EA76E133042}" type="datetimeFigureOut">
               <a:rPr lang="en-SG" smtClean="0"/>
-              <a:t>3/4/2020</a:t>
+              <a:t>5/4/2020</a:t>
             </a:fld>
             <a:endParaRPr lang="en-SG"/>
           </a:p>
@@ -2811,7 +2827,7 @@
           </a:lstStyle>
           <a:p>
             <a:r>
-              <a:rPr lang="en-US" smtClean="0"/>
+              <a:rPr lang="en-US"/>
               <a:t>Click to edit Master title style</a:t>
             </a:r>
             <a:endParaRPr lang="en-SG"/>
@@ -2938,7 +2954,7 @@
           <a:p>
             <a:pPr lvl="0"/>
             <a:r>
-              <a:rPr lang="en-US" smtClean="0"/>
+              <a:rPr lang="en-US"/>
               <a:t>Click to edit Master text styles</a:t>
             </a:r>
           </a:p>
@@ -2961,7 +2977,7 @@
           <a:p>
             <a:fld id="{FDF0BC31-AB78-47E3-B881-9EA76E133042}" type="datetimeFigureOut">
               <a:rPr lang="en-SG" smtClean="0"/>
-              <a:t>3/4/2020</a:t>
+              <a:t>5/4/2020</a:t>
             </a:fld>
             <a:endParaRPr lang="en-SG"/>
           </a:p>
@@ -3070,7 +3086,7 @@
           <a:lstStyle/>
           <a:p>
             <a:r>
-              <a:rPr lang="en-US" smtClean="0"/>
+              <a:rPr lang="en-US"/>
               <a:t>Click to edit Master title style</a:t>
             </a:r>
             <a:endParaRPr lang="en-SG"/>
@@ -3104,35 +3120,35 @@
           <a:p>
             <a:pPr lvl="0"/>
             <a:r>
-              <a:rPr lang="en-US" smtClean="0"/>
+              <a:rPr lang="en-US"/>
               <a:t>Click to edit Master text styles</a:t>
             </a:r>
           </a:p>
           <a:p>
             <a:pPr lvl="1"/>
             <a:r>
-              <a:rPr lang="en-US" smtClean="0"/>
+              <a:rPr lang="en-US"/>
               <a:t>Second level</a:t>
             </a:r>
           </a:p>
           <a:p>
             <a:pPr lvl="2"/>
             <a:r>
-              <a:rPr lang="en-US" smtClean="0"/>
+              <a:rPr lang="en-US"/>
               <a:t>Third level</a:t>
             </a:r>
           </a:p>
           <a:p>
             <a:pPr lvl="3"/>
             <a:r>
-              <a:rPr lang="en-US" smtClean="0"/>
+              <a:rPr lang="en-US"/>
               <a:t>Fourth level</a:t>
             </a:r>
           </a:p>
           <a:p>
             <a:pPr lvl="4"/>
             <a:r>
-              <a:rPr lang="en-US" smtClean="0"/>
+              <a:rPr lang="en-US"/>
               <a:t>Fifth level</a:t>
             </a:r>
             <a:endParaRPr lang="en-SG"/>
@@ -3174,7 +3190,7 @@
           <a:p>
             <a:fld id="{FDF0BC31-AB78-47E3-B881-9EA76E133042}" type="datetimeFigureOut">
               <a:rPr lang="en-SG" smtClean="0"/>
-              <a:t>3/4/2020</a:t>
+              <a:t>5/4/2020</a:t>
             </a:fld>
             <a:endParaRPr lang="en-SG"/>
           </a:p>
@@ -3606,76 +3622,6 @@
       </p:sp>
       <p:sp>
         <p:nvSpPr>
-          <p:cNvPr id="6" name="Text Box 11"/>
-          <p:cNvSpPr txBox="1">
-            <a:spLocks noChangeArrowheads="1"/>
-          </p:cNvSpPr>
-          <p:nvPr/>
-        </p:nvSpPr>
-        <p:spPr bwMode="auto">
-          <a:xfrm>
-            <a:off x="2571683" y="1515750"/>
-            <a:ext cx="967275" cy="600164"/>
-          </a:xfrm>
-          <a:prstGeom prst="rect">
-            <a:avLst/>
-          </a:prstGeom>
-          <a:solidFill>
-            <a:schemeClr val="accent4">
-              <a:lumMod val="40000"/>
-              <a:lumOff val="60000"/>
-            </a:schemeClr>
-          </a:solidFill>
-          <a:ln w="19050">
-            <a:solidFill>
-              <a:schemeClr val="accent4">
-                <a:lumMod val="75000"/>
-              </a:schemeClr>
-            </a:solidFill>
-            <a:headEnd/>
-            <a:tailEnd/>
-          </a:ln>
-        </p:spPr>
-        <p:style>
-          <a:lnRef idx="1">
-            <a:schemeClr val="accent4"/>
-          </a:lnRef>
-          <a:fillRef idx="2">
-            <a:schemeClr val="accent4"/>
-          </a:fillRef>
-          <a:effectRef idx="1">
-            <a:schemeClr val="accent4"/>
-          </a:effectRef>
-          <a:fontRef idx="minor">
-            <a:schemeClr val="dk1"/>
-          </a:fontRef>
-        </p:style>
-        <p:txBody>
-          <a:bodyPr wrap="square" tIns="182880" bIns="182880">
-            <a:spAutoFit/>
-          </a:bodyPr>
-          <a:lstStyle/>
-          <a:p>
-            <a:pPr algn="ctr" defTabSz="872733">
-              <a:spcBef>
-                <a:spcPct val="50000"/>
-              </a:spcBef>
-              <a:buFont typeface="Wingdings" pitchFamily="2" charset="2"/>
-              <a:buNone/>
-            </a:pPr>
-            <a:r>
-              <a:rPr lang="en-US" sz="1500" dirty="0">
-                <a:solidFill>
-                  <a:prstClr val="black"/>
-                </a:solidFill>
-              </a:rPr>
-              <a:t>:Parser</a:t>
-            </a:r>
-          </a:p>
-        </p:txBody>
-      </p:sp>
-      <p:sp>
-        <p:nvSpPr>
           <p:cNvPr id="18" name="Text Box 11"/>
           <p:cNvSpPr txBox="1">
             <a:spLocks noChangeArrowheads="1"/>
@@ -3723,7 +3669,7 @@
               <a:buNone/>
             </a:pPr>
             <a:r>
-              <a:rPr lang="en-US" sz="1500" dirty="0" smtClean="0">
+              <a:rPr lang="en-US" sz="1500" dirty="0">
                 <a:solidFill>
                   <a:prstClr val="black"/>
                 </a:solidFill>
@@ -3736,15 +3682,7 @@
                   <a:prstClr val="black"/>
                 </a:solidFill>
               </a:rPr>
-              <a:t>D</a:t>
-            </a:r>
-            <a:r>
-              <a:rPr lang="en-US" sz="1500" dirty="0" err="1" smtClean="0">
-                <a:solidFill>
-                  <a:prstClr val="black"/>
-                </a:solidFill>
-              </a:rPr>
-              <a:t>isplayCommand</a:t>
+              <a:t>DisplayCommand</a:t>
             </a:r>
             <a:endParaRPr lang="en-US" sz="1500" dirty="0">
               <a:solidFill>
@@ -3986,7 +3924,7 @@
               <a:t>return reference to </a:t>
             </a:r>
             <a:r>
-              <a:rPr lang="en-US" sz="1500" i="1" dirty="0" err="1" smtClean="0"/>
+              <a:rPr lang="en-US" sz="1500" i="1" dirty="0" err="1"/>
               <a:t>DisplayCommand</a:t>
             </a:r>
             <a:endParaRPr lang="en-US" sz="1500" i="1" dirty="0"/>
@@ -4132,172 +4070,10 @@
       </p:sp>
       <p:sp>
         <p:nvSpPr>
-          <p:cNvPr id="42" name="Text Box 11">
-            <a:extLst>
-              <a:ext uri="{FF2B5EF4-FFF2-40B4-BE49-F238E27FC236}">
-                <a16:creationId xmlns="" xmlns:a16="http://schemas.microsoft.com/office/drawing/2014/main" id="{569EC1FF-3CDF-4E6B-82B3-104CCA3F3E9D}"/>
-              </a:ext>
-            </a:extLst>
-          </p:cNvPr>
-          <p:cNvSpPr txBox="1">
-            <a:spLocks noChangeArrowheads="1"/>
-          </p:cNvSpPr>
-          <p:nvPr/>
-        </p:nvSpPr>
-        <p:spPr bwMode="auto">
-          <a:xfrm>
-            <a:off x="6903498" y="2631286"/>
-            <a:ext cx="1676400" cy="600164"/>
-          </a:xfrm>
-          <a:prstGeom prst="rect">
-            <a:avLst/>
-          </a:prstGeom>
-          <a:solidFill>
-            <a:schemeClr val="bg2">
-              <a:lumMod val="75000"/>
-            </a:schemeClr>
-          </a:solidFill>
-          <a:ln w="19050">
-            <a:solidFill>
-              <a:schemeClr val="bg2">
-                <a:lumMod val="50000"/>
-              </a:schemeClr>
-            </a:solidFill>
-            <a:headEnd/>
-            <a:tailEnd/>
-          </a:ln>
-        </p:spPr>
-        <p:style>
-          <a:lnRef idx="1">
-            <a:schemeClr val="accent4"/>
-          </a:lnRef>
-          <a:fillRef idx="2">
-            <a:schemeClr val="accent4"/>
-          </a:fillRef>
-          <a:effectRef idx="1">
-            <a:schemeClr val="accent4"/>
-          </a:effectRef>
-          <a:fontRef idx="minor">
-            <a:schemeClr val="dk1"/>
-          </a:fontRef>
-        </p:style>
-        <p:txBody>
-          <a:bodyPr wrap="square" tIns="182880" bIns="182880">
-            <a:spAutoFit/>
-          </a:bodyPr>
-          <a:lstStyle/>
-          <a:p>
-            <a:pPr algn="ctr" defTabSz="872733">
-              <a:spcBef>
-                <a:spcPct val="50000"/>
-              </a:spcBef>
-              <a:buFont typeface="Wingdings" pitchFamily="2" charset="2"/>
-              <a:buNone/>
-            </a:pPr>
-            <a:r>
-              <a:rPr lang="en-US" sz="1500" dirty="0" err="1">
-                <a:solidFill>
-                  <a:prstClr val="black"/>
-                </a:solidFill>
-              </a:rPr>
-              <a:t>items:ShoppingList</a:t>
-            </a:r>
-            <a:endParaRPr lang="en-US" sz="1500" dirty="0">
-              <a:solidFill>
-                <a:prstClr val="black"/>
-              </a:solidFill>
-            </a:endParaRPr>
-          </a:p>
-        </p:txBody>
-      </p:sp>
-      <p:sp>
-        <p:nvSpPr>
-          <p:cNvPr id="43" name="Text Box 11">
-            <a:extLst>
-              <a:ext uri="{FF2B5EF4-FFF2-40B4-BE49-F238E27FC236}">
-                <a16:creationId xmlns="" xmlns:a16="http://schemas.microsoft.com/office/drawing/2014/main" id="{79ACA4C9-9678-4611-AE49-25FE7CAE8B35}"/>
-              </a:ext>
-            </a:extLst>
-          </p:cNvPr>
-          <p:cNvSpPr txBox="1">
-            <a:spLocks noChangeArrowheads="1"/>
-          </p:cNvSpPr>
-          <p:nvPr/>
-        </p:nvSpPr>
-        <p:spPr bwMode="auto">
-          <a:xfrm>
-            <a:off x="117858" y="798625"/>
-            <a:ext cx="1295400" cy="600164"/>
-          </a:xfrm>
-          <a:prstGeom prst="rect">
-            <a:avLst/>
-          </a:prstGeom>
-          <a:solidFill>
-            <a:schemeClr val="accent2">
-              <a:lumMod val="40000"/>
-              <a:lumOff val="60000"/>
-            </a:schemeClr>
-          </a:solidFill>
-          <a:ln w="19050">
-            <a:solidFill>
-              <a:schemeClr val="accent2">
-                <a:lumMod val="60000"/>
-                <a:lumOff val="40000"/>
-              </a:schemeClr>
-            </a:solidFill>
-            <a:headEnd/>
-            <a:tailEnd/>
-          </a:ln>
-        </p:spPr>
-        <p:style>
-          <a:lnRef idx="1">
-            <a:schemeClr val="accent4"/>
-          </a:lnRef>
-          <a:fillRef idx="2">
-            <a:schemeClr val="accent4"/>
-          </a:fillRef>
-          <a:effectRef idx="1">
-            <a:schemeClr val="accent4"/>
-          </a:effectRef>
-          <a:fontRef idx="minor">
-            <a:schemeClr val="dk1"/>
-          </a:fontRef>
-        </p:style>
-        <p:txBody>
-          <a:bodyPr tIns="182880" bIns="182880">
-            <a:spAutoFit/>
-          </a:bodyPr>
-          <a:lstStyle/>
-          <a:p>
-            <a:pPr algn="ctr" defTabSz="872733">
-              <a:spcBef>
-                <a:spcPct val="50000"/>
-              </a:spcBef>
-              <a:buFont typeface="Wingdings" pitchFamily="2" charset="2"/>
-              <a:buNone/>
-            </a:pPr>
-            <a:r>
-              <a:rPr lang="en-US" sz="1500" dirty="0" smtClean="0">
-                <a:solidFill>
-                  <a:prstClr val="black"/>
-                </a:solidFill>
-              </a:rPr>
-              <a:t>:Duke</a:t>
-            </a:r>
-            <a:endParaRPr lang="en-US" sz="1500" dirty="0">
-              <a:solidFill>
-                <a:prstClr val="black"/>
-              </a:solidFill>
-            </a:endParaRPr>
-          </a:p>
-        </p:txBody>
-      </p:sp>
-      <p:sp>
-        <p:nvSpPr>
           <p:cNvPr id="45" name="Line 15">
             <a:extLst>
               <a:ext uri="{FF2B5EF4-FFF2-40B4-BE49-F238E27FC236}">
-                <a16:creationId xmlns="" xmlns:a16="http://schemas.microsoft.com/office/drawing/2014/main" id="{0EB24DA8-2498-4853-AED4-3458A81C456A}"/>
+                <a16:creationId xmlns:a16="http://schemas.microsoft.com/office/drawing/2014/main" id="{0EB24DA8-2498-4853-AED4-3458A81C456A}"/>
               </a:ext>
             </a:extLst>
           </p:cNvPr>
@@ -4344,7 +4120,7 @@
           <p:cNvPr id="47" name="Text Box 25">
             <a:extLst>
               <a:ext uri="{FF2B5EF4-FFF2-40B4-BE49-F238E27FC236}">
-                <a16:creationId xmlns="" xmlns:a16="http://schemas.microsoft.com/office/drawing/2014/main" id="{342B431E-151F-4A55-A1AE-57F6FE56D1EF}"/>
+                <a16:creationId xmlns:a16="http://schemas.microsoft.com/office/drawing/2014/main" id="{342B431E-151F-4A55-A1AE-57F6FE56D1EF}"/>
               </a:ext>
             </a:extLst>
           </p:cNvPr>
@@ -4384,17 +4160,12 @@
             </a:pPr>
             <a:r>
               <a:rPr lang="en-US" sz="1500" i="1" dirty="0" err="1"/>
-              <a:t>D</a:t>
-            </a:r>
-            <a:r>
-              <a:rPr lang="en-US" sz="1500" i="1" dirty="0" err="1" smtClean="0"/>
-              <a:t>isplayCommand</a:t>
-            </a:r>
-            <a:r>
-              <a:rPr lang="en-US" sz="1500" i="1" dirty="0" smtClean="0"/>
+              <a:t>DisplayCommand</a:t>
+            </a:r>
+            <a:r>
+              <a:rPr lang="en-US" sz="1500" i="1" dirty="0"/>
               <a:t>()</a:t>
             </a:r>
-            <a:endParaRPr lang="en-US" sz="1500" i="1" dirty="0"/>
           </a:p>
         </p:txBody>
       </p:sp>
@@ -4403,7 +4174,7 @@
           <p:cNvPr id="48" name="Line 16">
             <a:extLst>
               <a:ext uri="{FF2B5EF4-FFF2-40B4-BE49-F238E27FC236}">
-                <a16:creationId xmlns="" xmlns:a16="http://schemas.microsoft.com/office/drawing/2014/main" id="{5278BFBC-6FA4-432C-994E-8DD2A55ED046}"/>
+                <a16:creationId xmlns:a16="http://schemas.microsoft.com/office/drawing/2014/main" id="{5278BFBC-6FA4-432C-994E-8DD2A55ED046}"/>
               </a:ext>
             </a:extLst>
           </p:cNvPr>
@@ -4449,7 +4220,7 @@
           <p:cNvPr id="49" name="Straight Connector 48">
             <a:extLst>
               <a:ext uri="{FF2B5EF4-FFF2-40B4-BE49-F238E27FC236}">
-                <a16:creationId xmlns="" xmlns:a16="http://schemas.microsoft.com/office/drawing/2014/main" id="{054EC965-613F-450A-BDA7-4AEF688EE06E}"/>
+                <a16:creationId xmlns:a16="http://schemas.microsoft.com/office/drawing/2014/main" id="{054EC965-613F-450A-BDA7-4AEF688EE06E}"/>
               </a:ext>
             </a:extLst>
           </p:cNvPr>
@@ -4492,7 +4263,7 @@
           <p:cNvPr id="50" name="Straight Connector 49">
             <a:extLst>
               <a:ext uri="{FF2B5EF4-FFF2-40B4-BE49-F238E27FC236}">
-                <a16:creationId xmlns="" xmlns:a16="http://schemas.microsoft.com/office/drawing/2014/main" id="{BCC52252-11B3-4A56-A114-AE5F1D9A8E9B}"/>
+                <a16:creationId xmlns:a16="http://schemas.microsoft.com/office/drawing/2014/main" id="{BCC52252-11B3-4A56-A114-AE5F1D9A8E9B}"/>
               </a:ext>
             </a:extLst>
           </p:cNvPr>
@@ -4535,7 +4306,7 @@
           <p:cNvPr id="51" name="Text Box 25">
             <a:extLst>
               <a:ext uri="{FF2B5EF4-FFF2-40B4-BE49-F238E27FC236}">
-                <a16:creationId xmlns="" xmlns:a16="http://schemas.microsoft.com/office/drawing/2014/main" id="{34020A70-184B-4A57-816D-CCE686742C10}"/>
+                <a16:creationId xmlns:a16="http://schemas.microsoft.com/office/drawing/2014/main" id="{34020A70-184B-4A57-816D-CCE686742C10}"/>
               </a:ext>
             </a:extLst>
           </p:cNvPr>
@@ -4585,7 +4356,7 @@
           <p:cNvPr id="52" name="Line 13">
             <a:extLst>
               <a:ext uri="{FF2B5EF4-FFF2-40B4-BE49-F238E27FC236}">
-                <a16:creationId xmlns="" xmlns:a16="http://schemas.microsoft.com/office/drawing/2014/main" id="{C30F3633-BE5D-441D-9C87-D00C0DFC3E6D}"/>
+                <a16:creationId xmlns:a16="http://schemas.microsoft.com/office/drawing/2014/main" id="{C30F3633-BE5D-441D-9C87-D00C0DFC3E6D}"/>
               </a:ext>
             </a:extLst>
           </p:cNvPr>
@@ -4645,7 +4416,7 @@
           <p:cNvPr id="54" name="Straight Connector 53">
             <a:extLst>
               <a:ext uri="{FF2B5EF4-FFF2-40B4-BE49-F238E27FC236}">
-                <a16:creationId xmlns="" xmlns:a16="http://schemas.microsoft.com/office/drawing/2014/main" id="{BB6AEF2A-70C0-4C86-ACC0-ED4823D6AC46}"/>
+                <a16:creationId xmlns:a16="http://schemas.microsoft.com/office/drawing/2014/main" id="{BB6AEF2A-70C0-4C86-ACC0-ED4823D6AC46}"/>
               </a:ext>
             </a:extLst>
           </p:cNvPr>
@@ -4688,7 +4459,7 @@
           <p:cNvPr id="55" name="Straight Connector 54">
             <a:extLst>
               <a:ext uri="{FF2B5EF4-FFF2-40B4-BE49-F238E27FC236}">
-                <a16:creationId xmlns="" xmlns:a16="http://schemas.microsoft.com/office/drawing/2014/main" id="{9664B067-90B9-447F-947E-62F78A316229}"/>
+                <a16:creationId xmlns:a16="http://schemas.microsoft.com/office/drawing/2014/main" id="{9664B067-90B9-447F-947E-62F78A316229}"/>
               </a:ext>
             </a:extLst>
           </p:cNvPr>
@@ -4731,7 +4502,7 @@
           <p:cNvPr id="30" name="Line 16">
             <a:extLst>
               <a:ext uri="{FF2B5EF4-FFF2-40B4-BE49-F238E27FC236}">
-                <a16:creationId xmlns="" xmlns:a16="http://schemas.microsoft.com/office/drawing/2014/main" id="{189BA3D0-8AEC-4A1C-9374-3B627A9B1FF8}"/>
+                <a16:creationId xmlns:a16="http://schemas.microsoft.com/office/drawing/2014/main" id="{189BA3D0-8AEC-4A1C-9374-3B627A9B1FF8}"/>
               </a:ext>
             </a:extLst>
           </p:cNvPr>
@@ -4776,91 +4547,10 @@
       </p:sp>
       <p:sp>
         <p:nvSpPr>
-          <p:cNvPr id="36" name="Text Box 11">
-            <a:extLst>
-              <a:ext uri="{FF2B5EF4-FFF2-40B4-BE49-F238E27FC236}">
-                <a16:creationId xmlns="" xmlns:a16="http://schemas.microsoft.com/office/drawing/2014/main" id="{569EC1FF-3CDF-4E6B-82B3-104CCA3F3E9D}"/>
-              </a:ext>
-            </a:extLst>
-          </p:cNvPr>
-          <p:cNvSpPr txBox="1">
-            <a:spLocks noChangeArrowheads="1"/>
-          </p:cNvSpPr>
-          <p:nvPr/>
-        </p:nvSpPr>
-        <p:spPr bwMode="auto">
-          <a:xfrm>
-            <a:off x="5822032" y="1772424"/>
-            <a:ext cx="1676400" cy="600164"/>
-          </a:xfrm>
-          <a:prstGeom prst="rect">
-            <a:avLst/>
-          </a:prstGeom>
-          <a:solidFill>
-            <a:schemeClr val="accent6">
-              <a:lumMod val="60000"/>
-              <a:lumOff val="40000"/>
-            </a:schemeClr>
-          </a:solidFill>
-          <a:ln w="19050">
-            <a:solidFill>
-              <a:schemeClr val="accent6">
-                <a:lumMod val="75000"/>
-              </a:schemeClr>
-            </a:solidFill>
-            <a:headEnd/>
-            <a:tailEnd/>
-          </a:ln>
-        </p:spPr>
-        <p:style>
-          <a:lnRef idx="1">
-            <a:schemeClr val="accent4"/>
-          </a:lnRef>
-          <a:fillRef idx="2">
-            <a:schemeClr val="accent4"/>
-          </a:fillRef>
-          <a:effectRef idx="1">
-            <a:schemeClr val="accent4"/>
-          </a:effectRef>
-          <a:fontRef idx="minor">
-            <a:schemeClr val="dk1"/>
-          </a:fontRef>
-        </p:style>
-        <p:txBody>
-          <a:bodyPr wrap="square" tIns="182880" bIns="182880">
-            <a:spAutoFit/>
-          </a:bodyPr>
-          <a:lstStyle/>
-          <a:p>
-            <a:pPr algn="ctr" defTabSz="872733">
-              <a:spcBef>
-                <a:spcPct val="50000"/>
-              </a:spcBef>
-              <a:buFont typeface="Wingdings" pitchFamily="2" charset="2"/>
-              <a:buNone/>
-            </a:pPr>
-            <a:r>
-              <a:rPr lang="en-US" sz="1500" dirty="0" err="1" smtClean="0">
-                <a:solidFill>
-                  <a:prstClr val="black"/>
-                </a:solidFill>
-              </a:rPr>
-              <a:t>myBudget:Budget</a:t>
-            </a:r>
-            <a:endParaRPr lang="en-US" sz="1500" dirty="0">
-              <a:solidFill>
-                <a:prstClr val="black"/>
-              </a:solidFill>
-            </a:endParaRPr>
-          </a:p>
-        </p:txBody>
-      </p:sp>
-      <p:sp>
-        <p:nvSpPr>
           <p:cNvPr id="37" name="Line 13">
             <a:extLst>
               <a:ext uri="{FF2B5EF4-FFF2-40B4-BE49-F238E27FC236}">
-                <a16:creationId xmlns="" xmlns:a16="http://schemas.microsoft.com/office/drawing/2014/main" id="{C30F3633-BE5D-441D-9C87-D00C0DFC3E6D}"/>
+                <a16:creationId xmlns:a16="http://schemas.microsoft.com/office/drawing/2014/main" id="{C30F3633-BE5D-441D-9C87-D00C0DFC3E6D}"/>
               </a:ext>
             </a:extLst>
           </p:cNvPr>
@@ -4879,9 +4569,7 @@
           </a:prstGeom>
           <a:ln>
             <a:solidFill>
-              <a:schemeClr val="accent6">
-                <a:lumMod val="75000"/>
-              </a:schemeClr>
+              <a:srgbClr val="255554"/>
             </a:solidFill>
             <a:prstDash val="sysDash"/>
             <a:headEnd/>
@@ -4920,7 +4608,7 @@
           <p:cNvPr id="39" name="Rectangle 38">
             <a:extLst>
               <a:ext uri="{FF2B5EF4-FFF2-40B4-BE49-F238E27FC236}">
-                <a16:creationId xmlns="" xmlns:a16="http://schemas.microsoft.com/office/drawing/2014/main" id="{D52E911C-63C8-44D5-B3A1-BE9F7893936F}"/>
+                <a16:creationId xmlns:a16="http://schemas.microsoft.com/office/drawing/2014/main" id="{D52E911C-63C8-44D5-B3A1-BE9F7893936F}"/>
               </a:ext>
             </a:extLst>
           </p:cNvPr>
@@ -4965,7 +4653,7 @@
           <p:cNvPr id="41" name="Rectangle: Top Corners One Rounded and One Snipped 117">
             <a:extLst>
               <a:ext uri="{FF2B5EF4-FFF2-40B4-BE49-F238E27FC236}">
-                <a16:creationId xmlns="" xmlns:a16="http://schemas.microsoft.com/office/drawing/2014/main" id="{CEDA5A0C-8037-4F6B-A1D8-5ACF70F214BB}"/>
+                <a16:creationId xmlns:a16="http://schemas.microsoft.com/office/drawing/2014/main" id="{CEDA5A0C-8037-4F6B-A1D8-5ACF70F214BB}"/>
               </a:ext>
             </a:extLst>
           </p:cNvPr>
@@ -5015,7 +4703,7 @@
           <p:cNvPr id="56" name="TextBox 55">
             <a:extLst>
               <a:ext uri="{FF2B5EF4-FFF2-40B4-BE49-F238E27FC236}">
-                <a16:creationId xmlns="" xmlns:a16="http://schemas.microsoft.com/office/drawing/2014/main" id="{42BB2938-4003-4F1B-8660-D5A75058ADB1}"/>
+                <a16:creationId xmlns:a16="http://schemas.microsoft.com/office/drawing/2014/main" id="{42BB2938-4003-4F1B-8660-D5A75058ADB1}"/>
               </a:ext>
             </a:extLst>
           </p:cNvPr>
@@ -5040,13 +4728,8 @@
           <a:p>
             <a:r>
               <a:rPr lang="en-SG" dirty="0"/>
-              <a:t>g</a:t>
-            </a:r>
-            <a:r>
-              <a:rPr lang="en-SG" dirty="0" smtClean="0"/>
-              <a:t>et cost and budget details</a:t>
-            </a:r>
-            <a:endParaRPr lang="en-SG" dirty="0"/>
+              <a:t>get cost and budget details</a:t>
+            </a:r>
           </a:p>
         </p:txBody>
       </p:sp>
@@ -5055,7 +4738,7 @@
           <p:cNvPr id="57" name="TextBox 56">
             <a:extLst>
               <a:ext uri="{FF2B5EF4-FFF2-40B4-BE49-F238E27FC236}">
-                <a16:creationId xmlns="" xmlns:a16="http://schemas.microsoft.com/office/drawing/2014/main" id="{86D8E6BB-3761-47C8-9261-1DECC63A9393}"/>
+                <a16:creationId xmlns:a16="http://schemas.microsoft.com/office/drawing/2014/main" id="{86D8E6BB-3761-47C8-9261-1DECC63A9393}"/>
               </a:ext>
             </a:extLst>
           </p:cNvPr>
@@ -5079,10 +4762,354 @@
           <a:lstStyle/>
           <a:p>
             <a:r>
-              <a:rPr lang="en-SG" dirty="0" smtClean="0"/>
+              <a:rPr lang="en-SG" dirty="0"/>
               <a:t>ref</a:t>
             </a:r>
-            <a:endParaRPr lang="en-SG" dirty="0"/>
+          </a:p>
+        </p:txBody>
+      </p:sp>
+      <p:sp>
+        <p:nvSpPr>
+          <p:cNvPr id="31" name="Google Shape;58;p14">
+            <a:extLst>
+              <a:ext uri="{FF2B5EF4-FFF2-40B4-BE49-F238E27FC236}">
+                <a16:creationId xmlns:a16="http://schemas.microsoft.com/office/drawing/2014/main" id="{B8BB8753-5420-4255-A3E2-14D51C74FFEC}"/>
+              </a:ext>
+            </a:extLst>
+          </p:cNvPr>
+          <p:cNvSpPr/>
+          <p:nvPr/>
+        </p:nvSpPr>
+        <p:spPr>
+          <a:xfrm>
+            <a:off x="73087" y="947385"/>
+            <a:ext cx="1301113" cy="437299"/>
+          </a:xfrm>
+          <a:prstGeom prst="rect">
+            <a:avLst/>
+          </a:prstGeom>
+          <a:gradFill flip="none" rotWithShape="1">
+            <a:gsLst>
+              <a:gs pos="0">
+                <a:srgbClr val="FF9999"/>
+              </a:gs>
+              <a:gs pos="50000">
+                <a:srgbClr val="FF7C80">
+                  <a:tint val="44500"/>
+                  <a:satMod val="160000"/>
+                </a:srgbClr>
+              </a:gs>
+              <a:gs pos="100000">
+                <a:srgbClr val="FF7C80">
+                  <a:tint val="23500"/>
+                  <a:satMod val="160000"/>
+                </a:srgbClr>
+              </a:gs>
+            </a:gsLst>
+            <a:lin ang="16200000" scaled="1"/>
+            <a:tileRect/>
+          </a:gradFill>
+          <a:ln w="19050" cap="flat" cmpd="sng">
+            <a:solidFill>
+              <a:srgbClr val="FF9999"/>
+            </a:solidFill>
+            <a:prstDash val="solid"/>
+            <a:round/>
+            <a:headEnd type="none" w="sm" len="sm"/>
+            <a:tailEnd type="none" w="sm" len="sm"/>
+          </a:ln>
+          <a:effectLst>
+            <a:outerShdw blurRad="40000" dist="20000" dir="5400000" rotWithShape="0">
+              <a:srgbClr val="000000">
+                <a:alpha val="37650"/>
+              </a:srgbClr>
+            </a:outerShdw>
+          </a:effectLst>
+        </p:spPr>
+        <p:txBody>
+          <a:bodyPr spcFirstLastPara="1" wrap="square" lIns="91425" tIns="45700" rIns="91425" bIns="45700" anchor="ctr" anchorCtr="0">
+            <a:noAutofit/>
+          </a:bodyPr>
+          <a:lstStyle/>
+          <a:p>
+            <a:pPr algn="ctr"/>
+            <a:r>
+              <a:rPr lang="en-SG" sz="1300" dirty="0">
+                <a:latin typeface="Calibri"/>
+                <a:ea typeface="Calibri"/>
+                <a:cs typeface="Calibri"/>
+                <a:sym typeface="Calibri"/>
+              </a:rPr>
+              <a:t>:Duke</a:t>
+            </a:r>
+            <a:endParaRPr sz="1300" dirty="0"/>
+          </a:p>
+        </p:txBody>
+      </p:sp>
+      <p:sp>
+        <p:nvSpPr>
+          <p:cNvPr id="32" name="Google Shape;59;p14">
+            <a:extLst>
+              <a:ext uri="{FF2B5EF4-FFF2-40B4-BE49-F238E27FC236}">
+                <a16:creationId xmlns:a16="http://schemas.microsoft.com/office/drawing/2014/main" id="{74571955-0CDD-4853-81BF-7E4523985DBD}"/>
+              </a:ext>
+            </a:extLst>
+          </p:cNvPr>
+          <p:cNvSpPr/>
+          <p:nvPr/>
+        </p:nvSpPr>
+        <p:spPr>
+          <a:xfrm>
+            <a:off x="2571684" y="1645718"/>
+            <a:ext cx="1064212" cy="467874"/>
+          </a:xfrm>
+          <a:prstGeom prst="rect">
+            <a:avLst/>
+          </a:prstGeom>
+          <a:gradFill flip="none" rotWithShape="1">
+            <a:gsLst>
+              <a:gs pos="0">
+                <a:srgbClr val="990099">
+                  <a:tint val="66000"/>
+                  <a:satMod val="160000"/>
+                </a:srgbClr>
+              </a:gs>
+              <a:gs pos="50000">
+                <a:srgbClr val="990099">
+                  <a:tint val="44500"/>
+                  <a:satMod val="160000"/>
+                </a:srgbClr>
+              </a:gs>
+              <a:gs pos="100000">
+                <a:srgbClr val="990099">
+                  <a:tint val="23500"/>
+                  <a:satMod val="160000"/>
+                </a:srgbClr>
+              </a:gs>
+            </a:gsLst>
+            <a:lin ang="16200000" scaled="1"/>
+            <a:tileRect/>
+          </a:gradFill>
+          <a:ln w="19050" cap="flat" cmpd="sng">
+            <a:solidFill>
+              <a:srgbClr val="CF92CF"/>
+            </a:solidFill>
+            <a:prstDash val="solid"/>
+            <a:round/>
+            <a:headEnd type="none" w="sm" len="sm"/>
+            <a:tailEnd type="none" w="sm" len="sm"/>
+          </a:ln>
+          <a:effectLst>
+            <a:outerShdw blurRad="40000" dist="20000" dir="5400000" rotWithShape="0">
+              <a:srgbClr val="000000">
+                <a:alpha val="37650"/>
+              </a:srgbClr>
+            </a:outerShdw>
+          </a:effectLst>
+        </p:spPr>
+        <p:txBody>
+          <a:bodyPr spcFirstLastPara="1" wrap="square" lIns="91425" tIns="45700" rIns="91425" bIns="45700" anchor="ctr" anchorCtr="0">
+            <a:noAutofit/>
+          </a:bodyPr>
+          <a:lstStyle/>
+          <a:p>
+            <a:pPr algn="ctr"/>
+            <a:r>
+              <a:rPr lang="en" sz="1300" dirty="0">
+                <a:latin typeface="Calibri"/>
+                <a:ea typeface="Calibri"/>
+                <a:cs typeface="Calibri"/>
+                <a:sym typeface="Calibri"/>
+              </a:rPr>
+              <a:t>:Parser</a:t>
+            </a:r>
+            <a:endParaRPr sz="1300" dirty="0"/>
+          </a:p>
+        </p:txBody>
+      </p:sp>
+      <p:sp>
+        <p:nvSpPr>
+          <p:cNvPr id="35" name="Google Shape;64;p14">
+            <a:extLst>
+              <a:ext uri="{FF2B5EF4-FFF2-40B4-BE49-F238E27FC236}">
+                <a16:creationId xmlns:a16="http://schemas.microsoft.com/office/drawing/2014/main" id="{3A13CC30-83C9-4527-8B73-22F86CC53A6D}"/>
+              </a:ext>
+            </a:extLst>
+          </p:cNvPr>
+          <p:cNvSpPr/>
+          <p:nvPr/>
+        </p:nvSpPr>
+        <p:spPr>
+          <a:xfrm>
+            <a:off x="5825273" y="1795078"/>
+            <a:ext cx="1667225" cy="600162"/>
+          </a:xfrm>
+          <a:prstGeom prst="rect">
+            <a:avLst/>
+          </a:prstGeom>
+          <a:gradFill flip="none" rotWithShape="1">
+            <a:gsLst>
+              <a:gs pos="0">
+                <a:srgbClr val="009999">
+                  <a:tint val="66000"/>
+                  <a:satMod val="160000"/>
+                </a:srgbClr>
+              </a:gs>
+              <a:gs pos="50000">
+                <a:srgbClr val="009999">
+                  <a:tint val="44500"/>
+                  <a:satMod val="160000"/>
+                </a:srgbClr>
+              </a:gs>
+              <a:gs pos="100000">
+                <a:srgbClr val="009999">
+                  <a:tint val="23500"/>
+                  <a:satMod val="160000"/>
+                </a:srgbClr>
+              </a:gs>
+            </a:gsLst>
+            <a:lin ang="16200000" scaled="1"/>
+            <a:tileRect/>
+          </a:gradFill>
+          <a:ln w="19050" cap="flat" cmpd="sng">
+            <a:solidFill>
+              <a:srgbClr val="009999"/>
+            </a:solidFill>
+            <a:prstDash val="solid"/>
+            <a:round/>
+            <a:headEnd type="none" w="sm" len="sm"/>
+            <a:tailEnd type="none" w="sm" len="sm"/>
+          </a:ln>
+          <a:effectLst>
+            <a:outerShdw blurRad="40000" dist="20000" dir="5400000" rotWithShape="0">
+              <a:srgbClr val="000000">
+                <a:alpha val="37650"/>
+              </a:srgbClr>
+            </a:outerShdw>
+          </a:effectLst>
+        </p:spPr>
+        <p:txBody>
+          <a:bodyPr spcFirstLastPara="1" wrap="square" lIns="91425" tIns="45700" rIns="91425" bIns="45700" anchor="ctr" anchorCtr="0">
+            <a:noAutofit/>
+          </a:bodyPr>
+          <a:lstStyle/>
+          <a:p>
+            <a:pPr algn="ctr"/>
+            <a:endParaRPr lang="en-US" sz="1400" dirty="0">
+              <a:solidFill>
+                <a:prstClr val="black"/>
+              </a:solidFill>
+            </a:endParaRPr>
+          </a:p>
+          <a:p>
+            <a:pPr algn="ctr"/>
+            <a:r>
+              <a:rPr lang="en-US" sz="1400" dirty="0" err="1">
+                <a:solidFill>
+                  <a:prstClr val="black"/>
+                </a:solidFill>
+              </a:rPr>
+              <a:t>myBudget:Budget</a:t>
+            </a:r>
+            <a:endParaRPr lang="en-US" sz="1400" dirty="0">
+              <a:solidFill>
+                <a:prstClr val="black"/>
+              </a:solidFill>
+            </a:endParaRPr>
+          </a:p>
+          <a:p>
+            <a:pPr algn="ctr"/>
+            <a:endParaRPr sz="1300" dirty="0"/>
+          </a:p>
+        </p:txBody>
+      </p:sp>
+      <p:sp>
+        <p:nvSpPr>
+          <p:cNvPr id="40" name="Google Shape;62;p14">
+            <a:extLst>
+              <a:ext uri="{FF2B5EF4-FFF2-40B4-BE49-F238E27FC236}">
+                <a16:creationId xmlns:a16="http://schemas.microsoft.com/office/drawing/2014/main" id="{A2B3EF7E-7447-412C-B6CB-FC3C6A0611C6}"/>
+              </a:ext>
+            </a:extLst>
+          </p:cNvPr>
+          <p:cNvSpPr/>
+          <p:nvPr/>
+        </p:nvSpPr>
+        <p:spPr>
+          <a:xfrm>
+            <a:off x="6907536" y="2709589"/>
+            <a:ext cx="1662940" cy="587306"/>
+          </a:xfrm>
+          <a:prstGeom prst="rect">
+            <a:avLst/>
+          </a:prstGeom>
+          <a:gradFill flip="none" rotWithShape="1">
+            <a:gsLst>
+              <a:gs pos="0">
+                <a:srgbClr val="C4B597">
+                  <a:tint val="66000"/>
+                  <a:satMod val="160000"/>
+                </a:srgbClr>
+              </a:gs>
+              <a:gs pos="50000">
+                <a:srgbClr val="C4B597">
+                  <a:tint val="44500"/>
+                  <a:satMod val="160000"/>
+                </a:srgbClr>
+              </a:gs>
+              <a:gs pos="100000">
+                <a:srgbClr val="C4B597">
+                  <a:tint val="23500"/>
+                  <a:satMod val="160000"/>
+                </a:srgbClr>
+              </a:gs>
+            </a:gsLst>
+            <a:lin ang="16200000" scaled="1"/>
+            <a:tileRect/>
+          </a:gradFill>
+          <a:ln w="19050" cap="flat" cmpd="sng">
+            <a:solidFill>
+              <a:srgbClr val="AB966D"/>
+            </a:solidFill>
+            <a:prstDash val="solid"/>
+            <a:round/>
+            <a:headEnd type="none" w="sm" len="sm"/>
+            <a:tailEnd type="none" w="sm" len="sm"/>
+          </a:ln>
+          <a:effectLst>
+            <a:outerShdw blurRad="40000" dist="20000" dir="5400000" rotWithShape="0">
+              <a:srgbClr val="000000">
+                <a:alpha val="37650"/>
+              </a:srgbClr>
+            </a:outerShdw>
+          </a:effectLst>
+        </p:spPr>
+        <p:txBody>
+          <a:bodyPr spcFirstLastPara="1" wrap="square" lIns="91425" tIns="45700" rIns="91425" bIns="45700" anchor="ctr" anchorCtr="0">
+            <a:noAutofit/>
+          </a:bodyPr>
+          <a:lstStyle/>
+          <a:p>
+            <a:pPr algn="ctr" defTabSz="872733">
+              <a:spcBef>
+                <a:spcPct val="50000"/>
+              </a:spcBef>
+              <a:buFont typeface="Wingdings" pitchFamily="2" charset="2"/>
+              <a:buNone/>
+            </a:pPr>
+            <a:r>
+              <a:rPr lang="en-US" sz="1400" dirty="0" err="1">
+                <a:solidFill>
+                  <a:prstClr val="black"/>
+                </a:solidFill>
+              </a:rPr>
+              <a:t>items:ShoppingList</a:t>
+            </a:r>
+            <a:endParaRPr lang="en-US" sz="1400" dirty="0">
+              <a:solidFill>
+                <a:prstClr val="black"/>
+              </a:solidFill>
+            </a:endParaRPr>
           </a:p>
         </p:txBody>
       </p:sp>
@@ -5238,7 +5265,7 @@
                                           </p:stCondLst>
                                         </p:cTn>
                                         <p:tgtEl>
-                                          <p:spTgt spid="6"/>
+                                          <p:spTgt spid="18"/>
                                         </p:tgtEl>
                                         <p:attrNameLst>
                                           <p:attrName>style.visibility</p:attrName>
@@ -5265,7 +5292,7 @@
                                           </p:stCondLst>
                                         </p:cTn>
                                         <p:tgtEl>
-                                          <p:spTgt spid="18"/>
+                                          <p:spTgt spid="19"/>
                                         </p:tgtEl>
                                         <p:attrNameLst>
                                           <p:attrName>style.visibility</p:attrName>
@@ -5292,7 +5319,7 @@
                                           </p:stCondLst>
                                         </p:cTn>
                                         <p:tgtEl>
-                                          <p:spTgt spid="19"/>
+                                          <p:spTgt spid="20"/>
                                         </p:tgtEl>
                                         <p:attrNameLst>
                                           <p:attrName>style.visibility</p:attrName>
@@ -5306,7 +5333,7 @@
                                 </p:cTn>
                               </p:par>
                               <p:par>
-                                <p:cTn id="19" presetID="1" presetClass="exit" presetSubtype="0" fill="hold" grpId="0" nodeType="withEffect">
+                                <p:cTn id="19" presetID="1" presetClass="exit" presetSubtype="0" fill="hold" grpId="1" nodeType="withEffect">
                                   <p:stCondLst>
                                     <p:cond delay="0"/>
                                   </p:stCondLst>
@@ -5319,7 +5346,7 @@
                                           </p:stCondLst>
                                         </p:cTn>
                                         <p:tgtEl>
-                                          <p:spTgt spid="20"/>
+                                          <p:spTgt spid="24"/>
                                         </p:tgtEl>
                                         <p:attrNameLst>
                                           <p:attrName>style.visibility</p:attrName>
@@ -5346,7 +5373,7 @@
                                           </p:stCondLst>
                                         </p:cTn>
                                         <p:tgtEl>
-                                          <p:spTgt spid="24"/>
+                                          <p:spTgt spid="25"/>
                                         </p:tgtEl>
                                         <p:attrNameLst>
                                           <p:attrName>style.visibility</p:attrName>
@@ -5373,7 +5400,7 @@
                                           </p:stCondLst>
                                         </p:cTn>
                                         <p:tgtEl>
-                                          <p:spTgt spid="25"/>
+                                          <p:spTgt spid="29"/>
                                         </p:tgtEl>
                                         <p:attrNameLst>
                                           <p:attrName>style.visibility</p:attrName>
@@ -5387,7 +5414,7 @@
                                 </p:cTn>
                               </p:par>
                               <p:par>
-                                <p:cTn id="25" presetID="1" presetClass="exit" presetSubtype="0" fill="hold" grpId="1" nodeType="withEffect">
+                                <p:cTn id="25" presetID="1" presetClass="exit" presetSubtype="0" fill="hold" grpId="0" nodeType="withEffect">
                                   <p:stCondLst>
                                     <p:cond delay="0"/>
                                   </p:stCondLst>
@@ -5400,7 +5427,7 @@
                                           </p:stCondLst>
                                         </p:cTn>
                                         <p:tgtEl>
-                                          <p:spTgt spid="29"/>
+                                          <p:spTgt spid="33"/>
                                         </p:tgtEl>
                                         <p:attrNameLst>
                                           <p:attrName>style.visibility</p:attrName>
@@ -5427,7 +5454,7 @@
                                           </p:stCondLst>
                                         </p:cTn>
                                         <p:tgtEl>
-                                          <p:spTgt spid="33"/>
+                                          <p:spTgt spid="34"/>
                                         </p:tgtEl>
                                         <p:attrNameLst>
                                           <p:attrName>style.visibility</p:attrName>
@@ -5454,88 +5481,7 @@
                                           </p:stCondLst>
                                         </p:cTn>
                                         <p:tgtEl>
-                                          <p:spTgt spid="34"/>
-                                        </p:tgtEl>
-                                        <p:attrNameLst>
-                                          <p:attrName>style.visibility</p:attrName>
-                                        </p:attrNameLst>
-                                      </p:cBhvr>
-                                      <p:to>
-                                        <p:strVal val="hidden"/>
-                                      </p:to>
-                                    </p:set>
-                                  </p:childTnLst>
-                                </p:cTn>
-                              </p:par>
-                              <p:par>
-                                <p:cTn id="31" presetID="1" presetClass="exit" presetSubtype="0" fill="hold" grpId="0" nodeType="withEffect">
-                                  <p:stCondLst>
-                                    <p:cond delay="0"/>
-                                  </p:stCondLst>
-                                  <p:childTnLst>
-                                    <p:set>
-                                      <p:cBhvr>
-                                        <p:cTn id="32" dur="1" fill="hold">
-                                          <p:stCondLst>
-                                            <p:cond delay="0"/>
-                                          </p:stCondLst>
-                                        </p:cTn>
-                                        <p:tgtEl>
                                           <p:spTgt spid="38"/>
-                                        </p:tgtEl>
-                                        <p:attrNameLst>
-                                          <p:attrName>style.visibility</p:attrName>
-                                        </p:attrNameLst>
-                                      </p:cBhvr>
-                                      <p:to>
-                                        <p:strVal val="hidden"/>
-                                      </p:to>
-                                    </p:set>
-                                  </p:childTnLst>
-                                </p:cTn>
-                              </p:par>
-                              <p:par>
-                                <p:cTn id="33" presetID="1" presetClass="exit" presetSubtype="0" fill="hold" grpId="0" nodeType="withEffect">
-                                  <p:stCondLst>
-                                    <p:cond delay="0"/>
-                                  </p:stCondLst>
-                                  <p:childTnLst>
-                                    <p:set>
-                                      <p:cBhvr>
-                                        <p:cTn id="34" dur="1" fill="hold">
-                                          <p:stCondLst>
-                                            <p:cond delay="0"/>
-                                          </p:stCondLst>
-                                        </p:cTn>
-                                        <p:tgtEl>
-                                          <p:spTgt spid="42"/>
-                                        </p:tgtEl>
-                                        <p:attrNameLst>
-                                          <p:attrName>style.visibility</p:attrName>
-                                        </p:attrNameLst>
-                                      </p:cBhvr>
-                                      <p:to>
-                                        <p:strVal val="hidden"/>
-                                      </p:to>
-                                    </p:set>
-                                  </p:childTnLst>
-                                </p:cTn>
-                              </p:par>
-                              <p:par>
-                                <p:cTn id="35" presetID="1" presetClass="exit" presetSubtype="0" fill="hold" grpId="0" nodeType="withEffect">
-                                  <p:stCondLst>
-                                    <p:cond delay="0"/>
-                                  </p:stCondLst>
-                                  <p:childTnLst>
-                                    <p:set>
-                                      <p:cBhvr>
-                                        <p:cTn id="36" dur="1" fill="hold">
-                                          <p:stCondLst>
-                                            <p:cond delay="0"/>
-                                          </p:stCondLst>
-                                        </p:cTn>
-                                        <p:tgtEl>
-                                          <p:spTgt spid="43"/>
                                         </p:tgtEl>
                                         <p:attrNameLst>
                                           <p:attrName>style.visibility</p:attrName>
@@ -5555,26 +5501,26 @@
                     </p:cTn>
                   </p:par>
                   <p:par>
-                    <p:cTn id="37" fill="hold">
+                    <p:cTn id="31" fill="hold">
                       <p:stCondLst>
                         <p:cond delay="indefinite"/>
                       </p:stCondLst>
                       <p:childTnLst>
                         <p:par>
-                          <p:cTn id="38" fill="hold">
+                          <p:cTn id="32" fill="hold">
                             <p:stCondLst>
                               <p:cond delay="0"/>
                             </p:stCondLst>
                             <p:childTnLst>
                               <p:par>
-                                <p:cTn id="39" presetID="1" presetClass="entr" presetSubtype="0" fill="hold" grpId="0" nodeType="clickEffect">
+                                <p:cTn id="33" presetID="1" presetClass="entr" presetSubtype="0" fill="hold" grpId="0" nodeType="clickEffect">
                                   <p:stCondLst>
                                     <p:cond delay="0"/>
                                   </p:stCondLst>
                                   <p:childTnLst>
                                     <p:set>
                                       <p:cBhvr>
-                                        <p:cTn id="40" dur="1" fill="hold">
+                                        <p:cTn id="34" dur="1" fill="hold">
                                           <p:stCondLst>
                                             <p:cond delay="0"/>
                                           </p:stCondLst>
@@ -5594,7 +5540,88 @@
                                 </p:cTn>
                               </p:par>
                               <p:par>
-                                <p:cTn id="41" presetID="1" presetClass="exit" presetSubtype="0" fill="hold" grpId="1" nodeType="withEffect">
+                                <p:cTn id="35" presetID="1" presetClass="exit" presetSubtype="0" fill="hold" grpId="1" nodeType="withEffect">
+                                  <p:stCondLst>
+                                    <p:cond delay="0"/>
+                                  </p:stCondLst>
+                                  <p:childTnLst>
+                                    <p:set>
+                                      <p:cBhvr>
+                                        <p:cTn id="36" dur="1" fill="hold">
+                                          <p:stCondLst>
+                                            <p:cond delay="0"/>
+                                          </p:stCondLst>
+                                        </p:cTn>
+                                        <p:tgtEl>
+                                          <p:spTgt spid="45"/>
+                                        </p:tgtEl>
+                                        <p:attrNameLst>
+                                          <p:attrName>style.visibility</p:attrName>
+                                        </p:attrNameLst>
+                                      </p:cBhvr>
+                                      <p:to>
+                                        <p:strVal val="hidden"/>
+                                      </p:to>
+                                    </p:set>
+                                  </p:childTnLst>
+                                </p:cTn>
+                              </p:par>
+                              <p:par>
+                                <p:cTn id="37" presetID="1" presetClass="entr" presetSubtype="0" fill="hold" grpId="0" nodeType="withEffect">
+                                  <p:stCondLst>
+                                    <p:cond delay="0"/>
+                                  </p:stCondLst>
+                                  <p:childTnLst>
+                                    <p:set>
+                                      <p:cBhvr>
+                                        <p:cTn id="38" dur="1" fill="hold">
+                                          <p:stCondLst>
+                                            <p:cond delay="0"/>
+                                          </p:stCondLst>
+                                        </p:cTn>
+                                        <p:tgtEl>
+                                          <p:spTgt spid="47"/>
+                                        </p:tgtEl>
+                                        <p:attrNameLst>
+                                          <p:attrName>style.visibility</p:attrName>
+                                        </p:attrNameLst>
+                                      </p:cBhvr>
+                                      <p:to>
+                                        <p:strVal val="visible"/>
+                                      </p:to>
+                                    </p:set>
+                                  </p:childTnLst>
+                                </p:cTn>
+                              </p:par>
+                              <p:par>
+                                <p:cTn id="39" presetID="1" presetClass="exit" presetSubtype="0" fill="hold" grpId="1" nodeType="withEffect">
+                                  <p:stCondLst>
+                                    <p:cond delay="0"/>
+                                  </p:stCondLst>
+                                  <p:childTnLst>
+                                    <p:set>
+                                      <p:cBhvr>
+                                        <p:cTn id="40" dur="1" fill="hold">
+                                          <p:stCondLst>
+                                            <p:cond delay="0"/>
+                                          </p:stCondLst>
+                                        </p:cTn>
+                                        <p:tgtEl>
+                                          <p:spTgt spid="47"/>
+                                        </p:tgtEl>
+                                        <p:attrNameLst>
+                                          <p:attrName>style.visibility</p:attrName>
+                                        </p:attrNameLst>
+                                      </p:cBhvr>
+                                      <p:to>
+                                        <p:strVal val="hidden"/>
+                                      </p:to>
+                                    </p:set>
+                                  </p:childTnLst>
+                                </p:cTn>
+                              </p:par>
+                              <p:par>
+                                <p:cTn id="41" presetID="1" presetClass="exit" presetSubtype="0" fill="hold" grpId="0" nodeType="withEffect">
                                   <p:stCondLst>
                                     <p:cond delay="0"/>
                                   </p:stCondLst>
@@ -5607,7 +5634,7 @@
                                           </p:stCondLst>
                                         </p:cTn>
                                         <p:tgtEl>
-                                          <p:spTgt spid="45"/>
+                                          <p:spTgt spid="48"/>
                                         </p:tgtEl>
                                         <p:attrNameLst>
                                           <p:attrName>style.visibility</p:attrName>
@@ -5634,7 +5661,7 @@
                                           </p:stCondLst>
                                         </p:cTn>
                                         <p:tgtEl>
-                                          <p:spTgt spid="47"/>
+                                          <p:spTgt spid="51"/>
                                         </p:tgtEl>
                                         <p:attrNameLst>
                                           <p:attrName>style.visibility</p:attrName>
@@ -5661,7 +5688,7 @@
                                           </p:stCondLst>
                                         </p:cTn>
                                         <p:tgtEl>
-                                          <p:spTgt spid="47"/>
+                                          <p:spTgt spid="51"/>
                                         </p:tgtEl>
                                         <p:attrNameLst>
                                           <p:attrName>style.visibility</p:attrName>
@@ -5688,87 +5715,6 @@
                                           </p:stCondLst>
                                         </p:cTn>
                                         <p:tgtEl>
-                                          <p:spTgt spid="48"/>
-                                        </p:tgtEl>
-                                        <p:attrNameLst>
-                                          <p:attrName>style.visibility</p:attrName>
-                                        </p:attrNameLst>
-                                      </p:cBhvr>
-                                      <p:to>
-                                        <p:strVal val="hidden"/>
-                                      </p:to>
-                                    </p:set>
-                                  </p:childTnLst>
-                                </p:cTn>
-                              </p:par>
-                              <p:par>
-                                <p:cTn id="49" presetID="1" presetClass="entr" presetSubtype="0" fill="hold" grpId="0" nodeType="withEffect">
-                                  <p:stCondLst>
-                                    <p:cond delay="0"/>
-                                  </p:stCondLst>
-                                  <p:childTnLst>
-                                    <p:set>
-                                      <p:cBhvr>
-                                        <p:cTn id="50" dur="1" fill="hold">
-                                          <p:stCondLst>
-                                            <p:cond delay="0"/>
-                                          </p:stCondLst>
-                                        </p:cTn>
-                                        <p:tgtEl>
-                                          <p:spTgt spid="51"/>
-                                        </p:tgtEl>
-                                        <p:attrNameLst>
-                                          <p:attrName>style.visibility</p:attrName>
-                                        </p:attrNameLst>
-                                      </p:cBhvr>
-                                      <p:to>
-                                        <p:strVal val="visible"/>
-                                      </p:to>
-                                    </p:set>
-                                  </p:childTnLst>
-                                </p:cTn>
-                              </p:par>
-                              <p:par>
-                                <p:cTn id="51" presetID="1" presetClass="exit" presetSubtype="0" fill="hold" grpId="1" nodeType="withEffect">
-                                  <p:stCondLst>
-                                    <p:cond delay="0"/>
-                                  </p:stCondLst>
-                                  <p:childTnLst>
-                                    <p:set>
-                                      <p:cBhvr>
-                                        <p:cTn id="52" dur="1" fill="hold">
-                                          <p:stCondLst>
-                                            <p:cond delay="0"/>
-                                          </p:stCondLst>
-                                        </p:cTn>
-                                        <p:tgtEl>
-                                          <p:spTgt spid="51"/>
-                                        </p:tgtEl>
-                                        <p:attrNameLst>
-                                          <p:attrName>style.visibility</p:attrName>
-                                        </p:attrNameLst>
-                                      </p:cBhvr>
-                                      <p:to>
-                                        <p:strVal val="hidden"/>
-                                      </p:to>
-                                    </p:set>
-                                  </p:childTnLst>
-                                </p:cTn>
-                              </p:par>
-                              <p:par>
-                                <p:cTn id="53" presetID="1" presetClass="exit" presetSubtype="0" fill="hold" grpId="0" nodeType="withEffect">
-                                  <p:stCondLst>
-                                    <p:cond delay="0"/>
-                                  </p:stCondLst>
-                                  <p:childTnLst>
-                                    <p:set>
-                                      <p:cBhvr>
-                                        <p:cTn id="54" dur="1" fill="hold">
-                                          <p:stCondLst>
-                                            <p:cond delay="0"/>
-                                          </p:stCondLst>
-                                        </p:cTn>
-                                        <p:tgtEl>
                                           <p:spTgt spid="52"/>
                                         </p:tgtEl>
                                         <p:attrNameLst>
@@ -5783,14 +5729,14 @@
                                 </p:cTn>
                               </p:par>
                               <p:par>
-                                <p:cTn id="55" presetID="1" presetClass="exit" presetSubtype="0" fill="hold" grpId="0" nodeType="withEffect">
+                                <p:cTn id="49" presetID="1" presetClass="exit" presetSubtype="0" fill="hold" grpId="0" nodeType="withEffect">
                                   <p:stCondLst>
                                     <p:cond delay="0"/>
                                   </p:stCondLst>
                                   <p:childTnLst>
                                     <p:set>
                                       <p:cBhvr>
-                                        <p:cTn id="56" dur="1" fill="hold">
+                                        <p:cTn id="50" dur="1" fill="hold">
                                           <p:stCondLst>
                                             <p:cond delay="0"/>
                                           </p:stCondLst>
@@ -5810,41 +5756,14 @@
                                 </p:cTn>
                               </p:par>
                               <p:par>
-                                <p:cTn id="57" presetID="1" presetClass="exit" presetSubtype="0" fill="hold" grpId="0" nodeType="withEffect">
+                                <p:cTn id="51" presetID="1" presetClass="exit" presetSubtype="0" fill="hold" grpId="0" nodeType="withEffect">
                                   <p:stCondLst>
                                     <p:cond delay="0"/>
                                   </p:stCondLst>
                                   <p:childTnLst>
                                     <p:set>
                                       <p:cBhvr>
-                                        <p:cTn id="58" dur="1" fill="hold">
-                                          <p:stCondLst>
-                                            <p:cond delay="0"/>
-                                          </p:stCondLst>
-                                        </p:cTn>
-                                        <p:tgtEl>
-                                          <p:spTgt spid="36"/>
-                                        </p:tgtEl>
-                                        <p:attrNameLst>
-                                          <p:attrName>style.visibility</p:attrName>
-                                        </p:attrNameLst>
-                                      </p:cBhvr>
-                                      <p:to>
-                                        <p:strVal val="hidden"/>
-                                      </p:to>
-                                    </p:set>
-                                  </p:childTnLst>
-                                </p:cTn>
-                              </p:par>
-                              <p:par>
-                                <p:cTn id="59" presetID="1" presetClass="exit" presetSubtype="0" fill="hold" grpId="0" nodeType="withEffect">
-                                  <p:stCondLst>
-                                    <p:cond delay="0"/>
-                                  </p:stCondLst>
-                                  <p:childTnLst>
-                                    <p:set>
-                                      <p:cBhvr>
-                                        <p:cTn id="60" dur="1" fill="hold">
+                                        <p:cTn id="52" dur="1" fill="hold">
                                           <p:stCondLst>
                                             <p:cond delay="0"/>
                                           </p:stCondLst>
@@ -5892,7 +5811,6 @@
     </p:tnLst>
     <p:bldLst>
       <p:bldP spid="5" grpId="0" animBg="1"/>
-      <p:bldP spid="6" grpId="0" animBg="1"/>
       <p:bldP spid="18" grpId="0" animBg="1"/>
       <p:bldP spid="19" grpId="0" animBg="1"/>
       <p:bldP spid="20" grpId="0" animBg="1"/>
@@ -5905,8 +5823,6 @@
       <p:bldP spid="33" grpId="0" animBg="1"/>
       <p:bldP spid="34" grpId="0" animBg="1"/>
       <p:bldP spid="38" grpId="0"/>
-      <p:bldP spid="42" grpId="0" animBg="1"/>
-      <p:bldP spid="43" grpId="0" animBg="1"/>
       <p:bldP spid="45" grpId="0" animBg="1"/>
       <p:bldP spid="45" grpId="1" animBg="1"/>
       <p:bldP spid="47" grpId="0"/>
@@ -5916,7 +5832,6 @@
       <p:bldP spid="51" grpId="1"/>
       <p:bldP spid="52" grpId="0" animBg="1"/>
       <p:bldP spid="30" grpId="0" animBg="1"/>
-      <p:bldP spid="36" grpId="0" animBg="1"/>
       <p:bldP spid="37" grpId="0" animBg="1"/>
     </p:bldLst>
   </p:timing>
@@ -5945,7 +5860,7 @@
           <p:cNvPr id="2" name="Group 1">
             <a:extLst>
               <a:ext uri="{FF2B5EF4-FFF2-40B4-BE49-F238E27FC236}">
-                <a16:creationId xmlns="" xmlns:a16="http://schemas.microsoft.com/office/drawing/2014/main" id="{A924A052-E644-416E-A67D-4F095B9DE4A6}"/>
+                <a16:creationId xmlns:a16="http://schemas.microsoft.com/office/drawing/2014/main" id="{A924A052-E644-416E-A67D-4F095B9DE4A6}"/>
               </a:ext>
             </a:extLst>
           </p:cNvPr>
@@ -5965,7 +5880,7 @@
             <p:cNvPr id="3" name="Group 2">
               <a:extLst>
                 <a:ext uri="{FF2B5EF4-FFF2-40B4-BE49-F238E27FC236}">
-                  <a16:creationId xmlns="" xmlns:a16="http://schemas.microsoft.com/office/drawing/2014/main" id="{C32F861D-7F38-4097-A81E-F4310EAA12BD}"/>
+                  <a16:creationId xmlns:a16="http://schemas.microsoft.com/office/drawing/2014/main" id="{C32F861D-7F38-4097-A81E-F4310EAA12BD}"/>
                 </a:ext>
               </a:extLst>
             </p:cNvPr>
@@ -5985,7 +5900,7 @@
               <p:cNvPr id="31" name="Rectangle 30">
                 <a:extLst>
                   <a:ext uri="{FF2B5EF4-FFF2-40B4-BE49-F238E27FC236}">
-                    <a16:creationId xmlns="" xmlns:a16="http://schemas.microsoft.com/office/drawing/2014/main" id="{54E1D0AD-2DC1-4977-8D7B-015A3168922C}"/>
+                    <a16:creationId xmlns:a16="http://schemas.microsoft.com/office/drawing/2014/main" id="{54E1D0AD-2DC1-4977-8D7B-015A3168922C}"/>
                   </a:ext>
                 </a:extLst>
               </p:cNvPr>
@@ -6030,7 +5945,7 @@
               <p:cNvPr id="32" name="Rectangle: Top Corners One Rounded and One Snipped 31">
                 <a:extLst>
                   <a:ext uri="{FF2B5EF4-FFF2-40B4-BE49-F238E27FC236}">
-                    <a16:creationId xmlns="" xmlns:a16="http://schemas.microsoft.com/office/drawing/2014/main" id="{3D66EF58-C798-46B2-A9FC-BD0E47CD9A84}"/>
+                    <a16:creationId xmlns:a16="http://schemas.microsoft.com/office/drawing/2014/main" id="{3D66EF58-C798-46B2-A9FC-BD0E47CD9A84}"/>
                   </a:ext>
                 </a:extLst>
               </p:cNvPr>
@@ -6080,7 +5995,7 @@
               <p:cNvPr id="33" name="TextBox 32">
                 <a:extLst>
                   <a:ext uri="{FF2B5EF4-FFF2-40B4-BE49-F238E27FC236}">
-                    <a16:creationId xmlns="" xmlns:a16="http://schemas.microsoft.com/office/drawing/2014/main" id="{89C4631C-AF78-4568-B7EE-1C95F7D5A347}"/>
+                    <a16:creationId xmlns:a16="http://schemas.microsoft.com/office/drawing/2014/main" id="{89C4631C-AF78-4568-B7EE-1C95F7D5A347}"/>
                   </a:ext>
                 </a:extLst>
               </p:cNvPr>
@@ -6109,11 +6024,7 @@
                 </a:r>
                 <a:r>
                   <a:rPr lang="en-SG" dirty="0"/>
-                  <a:t> </a:t>
-                </a:r>
-                <a:r>
-                  <a:rPr lang="en-SG" dirty="0" smtClean="0"/>
-                  <a:t> get cost and budget details</a:t>
+                  <a:t>  get cost and budget details</a:t>
                 </a:r>
               </a:p>
               <a:p>
@@ -6127,7 +6038,7 @@
             <p:cNvPr id="29" name="Rectangle 28">
               <a:extLst>
                 <a:ext uri="{FF2B5EF4-FFF2-40B4-BE49-F238E27FC236}">
-                  <a16:creationId xmlns="" xmlns:a16="http://schemas.microsoft.com/office/drawing/2014/main" id="{109CF684-3366-4145-AF37-DD0DBE1E49F0}"/>
+                  <a16:creationId xmlns:a16="http://schemas.microsoft.com/office/drawing/2014/main" id="{109CF684-3366-4145-AF37-DD0DBE1E49F0}"/>
                 </a:ext>
               </a:extLst>
             </p:cNvPr>
@@ -6306,7 +6217,7 @@
             <p:cNvPr id="9" name="Line 13">
               <a:extLst>
                 <a:ext uri="{FF2B5EF4-FFF2-40B4-BE49-F238E27FC236}">
-                  <a16:creationId xmlns="" xmlns:a16="http://schemas.microsoft.com/office/drawing/2014/main" id="{4F7EB063-B1C6-47D9-AB2D-E4555E90DAE5}"/>
+                  <a16:creationId xmlns:a16="http://schemas.microsoft.com/office/drawing/2014/main" id="{4F7EB063-B1C6-47D9-AB2D-E4555E90DAE5}"/>
                 </a:ext>
               </a:extLst>
             </p:cNvPr>
@@ -6366,7 +6277,7 @@
             <p:cNvPr id="13" name="Line 15">
               <a:extLst>
                 <a:ext uri="{FF2B5EF4-FFF2-40B4-BE49-F238E27FC236}">
-                  <a16:creationId xmlns="" xmlns:a16="http://schemas.microsoft.com/office/drawing/2014/main" id="{BF2F79E8-6A9C-439A-BD6A-F7E290E7F33A}"/>
+                  <a16:creationId xmlns:a16="http://schemas.microsoft.com/office/drawing/2014/main" id="{BF2F79E8-6A9C-439A-BD6A-F7E290E7F33A}"/>
                 </a:ext>
               </a:extLst>
             </p:cNvPr>
@@ -6413,7 +6324,7 @@
             <p:cNvPr id="21" name="Line 15">
               <a:extLst>
                 <a:ext uri="{FF2B5EF4-FFF2-40B4-BE49-F238E27FC236}">
-                  <a16:creationId xmlns="" xmlns:a16="http://schemas.microsoft.com/office/drawing/2014/main" id="{FBD099A4-8330-4D2D-B1B3-E14BEA805815}"/>
+                  <a16:creationId xmlns:a16="http://schemas.microsoft.com/office/drawing/2014/main" id="{FBD099A4-8330-4D2D-B1B3-E14BEA805815}"/>
                 </a:ext>
               </a:extLst>
             </p:cNvPr>
@@ -6433,9 +6344,7 @@
             <a:noFill/>
             <a:ln w="19050">
               <a:solidFill>
-                <a:schemeClr val="accent6">
-                  <a:lumMod val="75000"/>
-                </a:schemeClr>
+                <a:srgbClr val="255554"/>
               </a:solidFill>
               <a:round/>
               <a:headEnd/>
@@ -6460,7 +6369,7 @@
             <p:cNvPr id="22" name="Rectangle 21">
               <a:extLst>
                 <a:ext uri="{FF2B5EF4-FFF2-40B4-BE49-F238E27FC236}">
-                  <a16:creationId xmlns="" xmlns:a16="http://schemas.microsoft.com/office/drawing/2014/main" id="{2E4DF1D0-31C0-4F64-B212-2190F714F393}"/>
+                  <a16:creationId xmlns:a16="http://schemas.microsoft.com/office/drawing/2014/main" id="{2E4DF1D0-31C0-4F64-B212-2190F714F393}"/>
                 </a:ext>
               </a:extLst>
             </p:cNvPr>
@@ -6640,7 +6549,7 @@
           <p:cNvPr id="47" name="Line 13">
             <a:extLst>
               <a:ext uri="{FF2B5EF4-FFF2-40B4-BE49-F238E27FC236}">
-                <a16:creationId xmlns="" xmlns:a16="http://schemas.microsoft.com/office/drawing/2014/main" id="{C30F3633-BE5D-441D-9C87-D00C0DFC3E6D}"/>
+                <a16:creationId xmlns:a16="http://schemas.microsoft.com/office/drawing/2014/main" id="{C30F3633-BE5D-441D-9C87-D00C0DFC3E6D}"/>
               </a:ext>
             </a:extLst>
           </p:cNvPr>
@@ -6744,7 +6653,7 @@
               <a:buNone/>
             </a:pPr>
             <a:r>
-              <a:rPr lang="en-US" sz="1500" dirty="0" smtClean="0">
+              <a:rPr lang="en-US" sz="1500" dirty="0">
                 <a:solidFill>
                   <a:prstClr val="black"/>
                 </a:solidFill>
@@ -6752,7 +6661,7 @@
               <a:t>:</a:t>
             </a:r>
             <a:r>
-              <a:rPr lang="en-US" sz="1500" dirty="0" err="1" smtClean="0">
+              <a:rPr lang="en-US" sz="1500" dirty="0" err="1">
                 <a:solidFill>
                   <a:prstClr val="black"/>
                 </a:solidFill>
@@ -6769,171 +6678,10 @@
       </p:sp>
       <p:sp>
         <p:nvSpPr>
-          <p:cNvPr id="46" name="Text Box 11">
-            <a:extLst>
-              <a:ext uri="{FF2B5EF4-FFF2-40B4-BE49-F238E27FC236}">
-                <a16:creationId xmlns="" xmlns:a16="http://schemas.microsoft.com/office/drawing/2014/main" id="{569EC1FF-3CDF-4E6B-82B3-104CCA3F3E9D}"/>
-              </a:ext>
-            </a:extLst>
-          </p:cNvPr>
-          <p:cNvSpPr txBox="1">
-            <a:spLocks noChangeArrowheads="1"/>
-          </p:cNvSpPr>
-          <p:nvPr/>
-        </p:nvSpPr>
-        <p:spPr bwMode="auto">
-          <a:xfrm>
-            <a:off x="6228184" y="1597854"/>
-            <a:ext cx="1676400" cy="600164"/>
-          </a:xfrm>
-          <a:prstGeom prst="rect">
-            <a:avLst/>
-          </a:prstGeom>
-          <a:solidFill>
-            <a:schemeClr val="bg2">
-              <a:lumMod val="75000"/>
-            </a:schemeClr>
-          </a:solidFill>
-          <a:ln w="19050">
-            <a:solidFill>
-              <a:schemeClr val="bg2">
-                <a:lumMod val="50000"/>
-              </a:schemeClr>
-            </a:solidFill>
-            <a:headEnd/>
-            <a:tailEnd/>
-          </a:ln>
-        </p:spPr>
-        <p:style>
-          <a:lnRef idx="1">
-            <a:schemeClr val="accent4"/>
-          </a:lnRef>
-          <a:fillRef idx="2">
-            <a:schemeClr val="accent4"/>
-          </a:fillRef>
-          <a:effectRef idx="1">
-            <a:schemeClr val="accent4"/>
-          </a:effectRef>
-          <a:fontRef idx="minor">
-            <a:schemeClr val="dk1"/>
-          </a:fontRef>
-        </p:style>
-        <p:txBody>
-          <a:bodyPr wrap="square" tIns="182880" bIns="182880">
-            <a:spAutoFit/>
-          </a:bodyPr>
-          <a:lstStyle/>
-          <a:p>
-            <a:pPr algn="ctr" defTabSz="872733">
-              <a:spcBef>
-                <a:spcPct val="50000"/>
-              </a:spcBef>
-              <a:buFont typeface="Wingdings" pitchFamily="2" charset="2"/>
-              <a:buNone/>
-            </a:pPr>
-            <a:r>
-              <a:rPr lang="en-US" sz="1500" dirty="0" err="1">
-                <a:solidFill>
-                  <a:prstClr val="black"/>
-                </a:solidFill>
-              </a:rPr>
-              <a:t>items:ShoppingList</a:t>
-            </a:r>
-            <a:endParaRPr lang="en-US" sz="1500" dirty="0">
-              <a:solidFill>
-                <a:prstClr val="black"/>
-              </a:solidFill>
-            </a:endParaRPr>
-          </a:p>
-        </p:txBody>
-      </p:sp>
-      <p:sp>
-        <p:nvSpPr>
-          <p:cNvPr id="48" name="Text Box 11">
-            <a:extLst>
-              <a:ext uri="{FF2B5EF4-FFF2-40B4-BE49-F238E27FC236}">
-                <a16:creationId xmlns="" xmlns:a16="http://schemas.microsoft.com/office/drawing/2014/main" id="{569EC1FF-3CDF-4E6B-82B3-104CCA3F3E9D}"/>
-              </a:ext>
-            </a:extLst>
-          </p:cNvPr>
-          <p:cNvSpPr txBox="1">
-            <a:spLocks noChangeArrowheads="1"/>
-          </p:cNvSpPr>
-          <p:nvPr/>
-        </p:nvSpPr>
-        <p:spPr bwMode="auto">
-          <a:xfrm>
-            <a:off x="4423698" y="1611333"/>
-            <a:ext cx="1676400" cy="600164"/>
-          </a:xfrm>
-          <a:prstGeom prst="rect">
-            <a:avLst/>
-          </a:prstGeom>
-          <a:solidFill>
-            <a:schemeClr val="accent6">
-              <a:lumMod val="60000"/>
-              <a:lumOff val="40000"/>
-            </a:schemeClr>
-          </a:solidFill>
-          <a:ln w="19050">
-            <a:solidFill>
-              <a:schemeClr val="accent6">
-                <a:lumMod val="75000"/>
-              </a:schemeClr>
-            </a:solidFill>
-            <a:headEnd/>
-            <a:tailEnd/>
-          </a:ln>
-        </p:spPr>
-        <p:style>
-          <a:lnRef idx="1">
-            <a:schemeClr val="accent4"/>
-          </a:lnRef>
-          <a:fillRef idx="2">
-            <a:schemeClr val="accent4"/>
-          </a:fillRef>
-          <a:effectRef idx="1">
-            <a:schemeClr val="accent4"/>
-          </a:effectRef>
-          <a:fontRef idx="minor">
-            <a:schemeClr val="dk1"/>
-          </a:fontRef>
-        </p:style>
-        <p:txBody>
-          <a:bodyPr wrap="square" tIns="182880" bIns="182880">
-            <a:spAutoFit/>
-          </a:bodyPr>
-          <a:lstStyle/>
-          <a:p>
-            <a:pPr algn="ctr" defTabSz="872733">
-              <a:spcBef>
-                <a:spcPct val="50000"/>
-              </a:spcBef>
-              <a:buFont typeface="Wingdings" pitchFamily="2" charset="2"/>
-              <a:buNone/>
-            </a:pPr>
-            <a:r>
-              <a:rPr lang="en-US" sz="1500" dirty="0" err="1" smtClean="0">
-                <a:solidFill>
-                  <a:prstClr val="black"/>
-                </a:solidFill>
-              </a:rPr>
-              <a:t>myBudget:Budget</a:t>
-            </a:r>
-            <a:endParaRPr lang="en-US" sz="1500" dirty="0">
-              <a:solidFill>
-                <a:prstClr val="black"/>
-              </a:solidFill>
-            </a:endParaRPr>
-          </a:p>
-        </p:txBody>
-      </p:sp>
-      <p:sp>
-        <p:nvSpPr>
           <p:cNvPr id="49" name="Line 13">
             <a:extLst>
               <a:ext uri="{FF2B5EF4-FFF2-40B4-BE49-F238E27FC236}">
-                <a16:creationId xmlns="" xmlns:a16="http://schemas.microsoft.com/office/drawing/2014/main" id="{C30F3633-BE5D-441D-9C87-D00C0DFC3E6D}"/>
+                <a16:creationId xmlns:a16="http://schemas.microsoft.com/office/drawing/2014/main" id="{C30F3633-BE5D-441D-9C87-D00C0DFC3E6D}"/>
               </a:ext>
             </a:extLst>
           </p:cNvPr>
@@ -6952,9 +6700,7 @@
           </a:prstGeom>
           <a:ln>
             <a:solidFill>
-              <a:schemeClr val="accent6">
-                <a:lumMod val="75000"/>
-              </a:schemeClr>
+              <a:srgbClr val="255554"/>
             </a:solidFill>
             <a:prstDash val="sysDash"/>
             <a:headEnd/>
@@ -6993,7 +6739,7 @@
           <p:cNvPr id="50" name="Text Box 25">
             <a:extLst>
               <a:ext uri="{FF2B5EF4-FFF2-40B4-BE49-F238E27FC236}">
-                <a16:creationId xmlns="" xmlns:a16="http://schemas.microsoft.com/office/drawing/2014/main" id="{342B431E-151F-4A55-A1AE-57F6FE56D1EF}"/>
+                <a16:creationId xmlns:a16="http://schemas.microsoft.com/office/drawing/2014/main" id="{342B431E-151F-4A55-A1AE-57F6FE56D1EF}"/>
               </a:ext>
             </a:extLst>
           </p:cNvPr>
@@ -7032,11 +6778,11 @@
               <a:buNone/>
             </a:pPr>
             <a:r>
-              <a:rPr lang="en-SG" sz="1500" i="1" dirty="0" err="1" smtClean="0"/>
+              <a:rPr lang="en-SG" sz="1500" i="1" dirty="0" err="1"/>
               <a:t>getTotalCost</a:t>
             </a:r>
             <a:r>
-              <a:rPr lang="en-SG" sz="1500" i="1" dirty="0" smtClean="0"/>
+              <a:rPr lang="en-SG" sz="1500" i="1" dirty="0"/>
               <a:t>()</a:t>
             </a:r>
             <a:endParaRPr lang="en-US" sz="1500" i="1" dirty="0"/>
@@ -7048,7 +6794,7 @@
           <p:cNvPr id="56" name="Text Box 25">
             <a:extLst>
               <a:ext uri="{FF2B5EF4-FFF2-40B4-BE49-F238E27FC236}">
-                <a16:creationId xmlns="" xmlns:a16="http://schemas.microsoft.com/office/drawing/2014/main" id="{342B431E-151F-4A55-A1AE-57F6FE56D1EF}"/>
+                <a16:creationId xmlns:a16="http://schemas.microsoft.com/office/drawing/2014/main" id="{342B431E-151F-4A55-A1AE-57F6FE56D1EF}"/>
               </a:ext>
             </a:extLst>
           </p:cNvPr>
@@ -7087,11 +6833,11 @@
               <a:buNone/>
             </a:pPr>
             <a:r>
-              <a:rPr lang="en-SG" sz="1500" i="1" dirty="0" err="1" smtClean="0"/>
+              <a:rPr lang="en-SG" sz="1500" i="1" dirty="0" err="1"/>
               <a:t>getAmount</a:t>
             </a:r>
             <a:r>
-              <a:rPr lang="en-SG" sz="1500" i="1" dirty="0" smtClean="0"/>
+              <a:rPr lang="en-SG" sz="1500" i="1" dirty="0"/>
               <a:t>()</a:t>
             </a:r>
             <a:endParaRPr lang="en-US" sz="1500" i="1" dirty="0"/>
@@ -7103,7 +6849,7 @@
           <p:cNvPr id="57" name="Text Box 25">
             <a:extLst>
               <a:ext uri="{FF2B5EF4-FFF2-40B4-BE49-F238E27FC236}">
-                <a16:creationId xmlns="" xmlns:a16="http://schemas.microsoft.com/office/drawing/2014/main" id="{342B431E-151F-4A55-A1AE-57F6FE56D1EF}"/>
+                <a16:creationId xmlns:a16="http://schemas.microsoft.com/office/drawing/2014/main" id="{342B431E-151F-4A55-A1AE-57F6FE56D1EF}"/>
               </a:ext>
             </a:extLst>
           </p:cNvPr>
@@ -7142,19 +6888,19 @@
               <a:buNone/>
             </a:pPr>
             <a:r>
-              <a:rPr lang="en-SG" sz="1500" i="1" dirty="0" err="1" smtClean="0"/>
+              <a:rPr lang="en-SG" sz="1500" i="1" dirty="0" err="1"/>
               <a:t>getRemainingBudget</a:t>
             </a:r>
             <a:r>
-              <a:rPr lang="en-SG" sz="1500" i="1" dirty="0" smtClean="0"/>
+              <a:rPr lang="en-SG" sz="1500" i="1" dirty="0"/>
               <a:t>(</a:t>
             </a:r>
             <a:r>
-              <a:rPr lang="en-SG" sz="1500" i="1" dirty="0" err="1" smtClean="0"/>
+              <a:rPr lang="en-SG" sz="1500" i="1" dirty="0" err="1"/>
               <a:t>totalCost</a:t>
             </a:r>
             <a:r>
-              <a:rPr lang="en-SG" sz="1500" i="1" dirty="0" smtClean="0"/>
+              <a:rPr lang="en-SG" sz="1500" i="1" dirty="0"/>
               <a:t>)</a:t>
             </a:r>
             <a:endParaRPr lang="en-US" sz="1500" i="1" dirty="0"/>
@@ -7166,7 +6912,7 @@
           <p:cNvPr id="58" name="Line 16">
             <a:extLst>
               <a:ext uri="{FF2B5EF4-FFF2-40B4-BE49-F238E27FC236}">
-                <a16:creationId xmlns="" xmlns:a16="http://schemas.microsoft.com/office/drawing/2014/main" id="{189BA3D0-8AEC-4A1C-9374-3B627A9B1FF8}"/>
+                <a16:creationId xmlns:a16="http://schemas.microsoft.com/office/drawing/2014/main" id="{189BA3D0-8AEC-4A1C-9374-3B627A9B1FF8}"/>
               </a:ext>
             </a:extLst>
           </p:cNvPr>
@@ -7186,9 +6932,7 @@
           <a:noFill/>
           <a:ln w="19050">
             <a:solidFill>
-              <a:schemeClr val="accent6">
-                <a:lumMod val="75000"/>
-              </a:schemeClr>
+              <a:srgbClr val="255554"/>
             </a:solidFill>
             <a:prstDash val="sysDash"/>
             <a:round/>
@@ -7214,7 +6958,7 @@
           <p:cNvPr id="60" name="Line 16">
             <a:extLst>
               <a:ext uri="{FF2B5EF4-FFF2-40B4-BE49-F238E27FC236}">
-                <a16:creationId xmlns="" xmlns:a16="http://schemas.microsoft.com/office/drawing/2014/main" id="{189BA3D0-8AEC-4A1C-9374-3B627A9B1FF8}"/>
+                <a16:creationId xmlns:a16="http://schemas.microsoft.com/office/drawing/2014/main" id="{189BA3D0-8AEC-4A1C-9374-3B627A9B1FF8}"/>
               </a:ext>
             </a:extLst>
           </p:cNvPr>
@@ -7262,7 +7006,7 @@
           <p:cNvPr id="28" name="Line 15">
             <a:extLst>
               <a:ext uri="{FF2B5EF4-FFF2-40B4-BE49-F238E27FC236}">
-                <a16:creationId xmlns="" xmlns:a16="http://schemas.microsoft.com/office/drawing/2014/main" id="{FBD099A4-8330-4D2D-B1B3-E14BEA805815}"/>
+                <a16:creationId xmlns:a16="http://schemas.microsoft.com/office/drawing/2014/main" id="{FBD099A4-8330-4D2D-B1B3-E14BEA805815}"/>
               </a:ext>
             </a:extLst>
           </p:cNvPr>
@@ -7282,9 +7026,7 @@
           <a:noFill/>
           <a:ln w="19050">
             <a:solidFill>
-              <a:schemeClr val="accent6">
-                <a:lumMod val="75000"/>
-              </a:schemeClr>
+              <a:srgbClr val="255554"/>
             </a:solidFill>
             <a:round/>
             <a:headEnd/>
@@ -7309,7 +7051,7 @@
           <p:cNvPr id="30" name="Line 16">
             <a:extLst>
               <a:ext uri="{FF2B5EF4-FFF2-40B4-BE49-F238E27FC236}">
-                <a16:creationId xmlns="" xmlns:a16="http://schemas.microsoft.com/office/drawing/2014/main" id="{189BA3D0-8AEC-4A1C-9374-3B627A9B1FF8}"/>
+                <a16:creationId xmlns:a16="http://schemas.microsoft.com/office/drawing/2014/main" id="{189BA3D0-8AEC-4A1C-9374-3B627A9B1FF8}"/>
               </a:ext>
             </a:extLst>
           </p:cNvPr>
@@ -7329,9 +7071,7 @@
           <a:noFill/>
           <a:ln w="19050">
             <a:solidFill>
-              <a:schemeClr val="accent6">
-                <a:lumMod val="75000"/>
-              </a:schemeClr>
+              <a:srgbClr val="255554"/>
             </a:solidFill>
             <a:prstDash val="sysDash"/>
             <a:round/>
@@ -7345,6 +7085,192 @@
           <a:p>
             <a:pPr defTabSz="872733"/>
             <a:endParaRPr lang="en-US" sz="1500">
+              <a:solidFill>
+                <a:prstClr val="black"/>
+              </a:solidFill>
+            </a:endParaRPr>
+          </a:p>
+        </p:txBody>
+      </p:sp>
+      <p:sp>
+        <p:nvSpPr>
+          <p:cNvPr id="24" name="Google Shape;64;p14">
+            <a:extLst>
+              <a:ext uri="{FF2B5EF4-FFF2-40B4-BE49-F238E27FC236}">
+                <a16:creationId xmlns:a16="http://schemas.microsoft.com/office/drawing/2014/main" id="{5B7795F6-B9CC-471C-832F-8A8D2E60225B}"/>
+              </a:ext>
+            </a:extLst>
+          </p:cNvPr>
+          <p:cNvSpPr/>
+          <p:nvPr/>
+        </p:nvSpPr>
+        <p:spPr>
+          <a:xfrm>
+            <a:off x="4427508" y="1612324"/>
+            <a:ext cx="1667225" cy="600162"/>
+          </a:xfrm>
+          <a:prstGeom prst="rect">
+            <a:avLst/>
+          </a:prstGeom>
+          <a:gradFill flip="none" rotWithShape="1">
+            <a:gsLst>
+              <a:gs pos="0">
+                <a:srgbClr val="009999">
+                  <a:tint val="66000"/>
+                  <a:satMod val="160000"/>
+                </a:srgbClr>
+              </a:gs>
+              <a:gs pos="50000">
+                <a:srgbClr val="009999">
+                  <a:tint val="44500"/>
+                  <a:satMod val="160000"/>
+                </a:srgbClr>
+              </a:gs>
+              <a:gs pos="100000">
+                <a:srgbClr val="009999">
+                  <a:tint val="23500"/>
+                  <a:satMod val="160000"/>
+                </a:srgbClr>
+              </a:gs>
+            </a:gsLst>
+            <a:lin ang="16200000" scaled="1"/>
+            <a:tileRect/>
+          </a:gradFill>
+          <a:ln w="19050" cap="flat" cmpd="sng">
+            <a:solidFill>
+              <a:srgbClr val="009999"/>
+            </a:solidFill>
+            <a:prstDash val="solid"/>
+            <a:round/>
+            <a:headEnd type="none" w="sm" len="sm"/>
+            <a:tailEnd type="none" w="sm" len="sm"/>
+          </a:ln>
+          <a:effectLst>
+            <a:outerShdw blurRad="40000" dist="20000" dir="5400000" rotWithShape="0">
+              <a:srgbClr val="000000">
+                <a:alpha val="37650"/>
+              </a:srgbClr>
+            </a:outerShdw>
+          </a:effectLst>
+        </p:spPr>
+        <p:txBody>
+          <a:bodyPr spcFirstLastPara="1" wrap="square" lIns="91425" tIns="45700" rIns="91425" bIns="45700" anchor="ctr" anchorCtr="0">
+            <a:noAutofit/>
+          </a:bodyPr>
+          <a:lstStyle/>
+          <a:p>
+            <a:pPr algn="ctr"/>
+            <a:endParaRPr lang="en-US" sz="1400" dirty="0">
+              <a:solidFill>
+                <a:prstClr val="black"/>
+              </a:solidFill>
+            </a:endParaRPr>
+          </a:p>
+          <a:p>
+            <a:pPr algn="ctr"/>
+            <a:r>
+              <a:rPr lang="en-US" sz="1400" dirty="0" err="1">
+                <a:solidFill>
+                  <a:prstClr val="black"/>
+                </a:solidFill>
+              </a:rPr>
+              <a:t>myBudget:Budget</a:t>
+            </a:r>
+            <a:endParaRPr lang="en-US" sz="1400" dirty="0">
+              <a:solidFill>
+                <a:prstClr val="black"/>
+              </a:solidFill>
+            </a:endParaRPr>
+          </a:p>
+          <a:p>
+            <a:pPr algn="ctr"/>
+            <a:endParaRPr sz="1300" dirty="0"/>
+          </a:p>
+        </p:txBody>
+      </p:sp>
+      <p:sp>
+        <p:nvSpPr>
+          <p:cNvPr id="26" name="Google Shape;62;p14">
+            <a:extLst>
+              <a:ext uri="{FF2B5EF4-FFF2-40B4-BE49-F238E27FC236}">
+                <a16:creationId xmlns:a16="http://schemas.microsoft.com/office/drawing/2014/main" id="{1EAFC022-C367-4C7E-8042-DF718D0C715A}"/>
+              </a:ext>
+            </a:extLst>
+          </p:cNvPr>
+          <p:cNvSpPr/>
+          <p:nvPr/>
+        </p:nvSpPr>
+        <p:spPr>
+          <a:xfrm>
+            <a:off x="6223192" y="1584194"/>
+            <a:ext cx="1661980" cy="621915"/>
+          </a:xfrm>
+          <a:prstGeom prst="rect">
+            <a:avLst/>
+          </a:prstGeom>
+          <a:gradFill flip="none" rotWithShape="1">
+            <a:gsLst>
+              <a:gs pos="0">
+                <a:srgbClr val="C4B597">
+                  <a:tint val="66000"/>
+                  <a:satMod val="160000"/>
+                </a:srgbClr>
+              </a:gs>
+              <a:gs pos="50000">
+                <a:srgbClr val="C4B597">
+                  <a:tint val="44500"/>
+                  <a:satMod val="160000"/>
+                </a:srgbClr>
+              </a:gs>
+              <a:gs pos="100000">
+                <a:srgbClr val="C4B597">
+                  <a:tint val="23500"/>
+                  <a:satMod val="160000"/>
+                </a:srgbClr>
+              </a:gs>
+            </a:gsLst>
+            <a:lin ang="16200000" scaled="1"/>
+            <a:tileRect/>
+          </a:gradFill>
+          <a:ln w="19050" cap="flat" cmpd="sng">
+            <a:solidFill>
+              <a:srgbClr val="AB966D"/>
+            </a:solidFill>
+            <a:prstDash val="solid"/>
+            <a:round/>
+            <a:headEnd type="none" w="sm" len="sm"/>
+            <a:tailEnd type="none" w="sm" len="sm"/>
+          </a:ln>
+          <a:effectLst>
+            <a:outerShdw blurRad="40000" dist="20000" dir="5400000" rotWithShape="0">
+              <a:srgbClr val="000000">
+                <a:alpha val="37650"/>
+              </a:srgbClr>
+            </a:outerShdw>
+          </a:effectLst>
+        </p:spPr>
+        <p:txBody>
+          <a:bodyPr spcFirstLastPara="1" wrap="square" lIns="91425" tIns="45700" rIns="91425" bIns="45700" anchor="ctr" anchorCtr="0">
+            <a:noAutofit/>
+          </a:bodyPr>
+          <a:lstStyle/>
+          <a:p>
+            <a:pPr algn="ctr" defTabSz="872733">
+              <a:spcBef>
+                <a:spcPct val="50000"/>
+              </a:spcBef>
+              <a:buFont typeface="Wingdings" pitchFamily="2" charset="2"/>
+              <a:buNone/>
+            </a:pPr>
+            <a:r>
+              <a:rPr lang="en-US" sz="1400" dirty="0" err="1">
+                <a:solidFill>
+                  <a:prstClr val="black"/>
+                </a:solidFill>
+              </a:rPr>
+              <a:t>items:ShoppingList</a:t>
+            </a:r>
+            <a:endParaRPr lang="en-US" sz="1400" dirty="0">
               <a:solidFill>
                 <a:prstClr val="black"/>
               </a:solidFill>
@@ -7426,7 +7352,7 @@
                                           </p:stCondLst>
                                         </p:cTn>
                                         <p:tgtEl>
-                                          <p:spTgt spid="46"/>
+                                          <p:spTgt spid="47"/>
                                         </p:tgtEl>
                                         <p:attrNameLst>
                                           <p:attrName>style.visibility</p:attrName>
@@ -7453,7 +7379,7 @@
                                           </p:stCondLst>
                                         </p:cTn>
                                         <p:tgtEl>
-                                          <p:spTgt spid="47"/>
+                                          <p:spTgt spid="49"/>
                                         </p:tgtEl>
                                         <p:attrNameLst>
                                           <p:attrName>style.visibility</p:attrName>
@@ -7467,7 +7393,7 @@
                                 </p:cTn>
                               </p:par>
                               <p:par>
-                                <p:cTn id="11" presetID="1" presetClass="exit" presetSubtype="0" fill="hold" grpId="0" nodeType="withEffect">
+                                <p:cTn id="11" presetID="1" presetClass="entr" presetSubtype="0" fill="hold" grpId="0" nodeType="withEffect">
                                   <p:stCondLst>
                                     <p:cond delay="0"/>
                                   </p:stCondLst>
@@ -7480,21 +7406,21 @@
                                           </p:stCondLst>
                                         </p:cTn>
                                         <p:tgtEl>
-                                          <p:spTgt spid="48"/>
+                                          <p:spTgt spid="50"/>
                                         </p:tgtEl>
                                         <p:attrNameLst>
                                           <p:attrName>style.visibility</p:attrName>
                                         </p:attrNameLst>
                                       </p:cBhvr>
                                       <p:to>
-                                        <p:strVal val="hidden"/>
+                                        <p:strVal val="visible"/>
                                       </p:to>
                                     </p:set>
                                   </p:childTnLst>
                                 </p:cTn>
                               </p:par>
                               <p:par>
-                                <p:cTn id="13" presetID="1" presetClass="exit" presetSubtype="0" fill="hold" grpId="0" nodeType="withEffect">
+                                <p:cTn id="13" presetID="1" presetClass="exit" presetSubtype="0" fill="hold" grpId="1" nodeType="withEffect">
                                   <p:stCondLst>
                                     <p:cond delay="0"/>
                                   </p:stCondLst>
@@ -7507,7 +7433,7 @@
                                           </p:stCondLst>
                                         </p:cTn>
                                         <p:tgtEl>
-                                          <p:spTgt spid="49"/>
+                                          <p:spTgt spid="50"/>
                                         </p:tgtEl>
                                         <p:attrNameLst>
                                           <p:attrName>style.visibility</p:attrName>
@@ -7534,7 +7460,7 @@
                                           </p:stCondLst>
                                         </p:cTn>
                                         <p:tgtEl>
-                                          <p:spTgt spid="50"/>
+                                          <p:spTgt spid="56"/>
                                         </p:tgtEl>
                                         <p:attrNameLst>
                                           <p:attrName>style.visibility</p:attrName>
@@ -7561,7 +7487,7 @@
                                           </p:stCondLst>
                                         </p:cTn>
                                         <p:tgtEl>
-                                          <p:spTgt spid="50"/>
+                                          <p:spTgt spid="56"/>
                                         </p:tgtEl>
                                         <p:attrNameLst>
                                           <p:attrName>style.visibility</p:attrName>
@@ -7588,7 +7514,7 @@
                                           </p:stCondLst>
                                         </p:cTn>
                                         <p:tgtEl>
-                                          <p:spTgt spid="56"/>
+                                          <p:spTgt spid="57"/>
                                         </p:tgtEl>
                                         <p:attrNameLst>
                                           <p:attrName>style.visibility</p:attrName>
@@ -7615,7 +7541,7 @@
                                           </p:stCondLst>
                                         </p:cTn>
                                         <p:tgtEl>
-                                          <p:spTgt spid="56"/>
+                                          <p:spTgt spid="57"/>
                                         </p:tgtEl>
                                         <p:attrNameLst>
                                           <p:attrName>style.visibility</p:attrName>
@@ -7629,7 +7555,7 @@
                                 </p:cTn>
                               </p:par>
                               <p:par>
-                                <p:cTn id="23" presetID="1" presetClass="entr" presetSubtype="0" fill="hold" grpId="0" nodeType="withEffect">
+                                <p:cTn id="23" presetID="1" presetClass="exit" presetSubtype="0" fill="hold" grpId="0" nodeType="withEffect">
                                   <p:stCondLst>
                                     <p:cond delay="0"/>
                                   </p:stCondLst>
@@ -7642,21 +7568,21 @@
                                           </p:stCondLst>
                                         </p:cTn>
                                         <p:tgtEl>
-                                          <p:spTgt spid="57"/>
+                                          <p:spTgt spid="58"/>
                                         </p:tgtEl>
                                         <p:attrNameLst>
                                           <p:attrName>style.visibility</p:attrName>
                                         </p:attrNameLst>
                                       </p:cBhvr>
                                       <p:to>
-                                        <p:strVal val="visible"/>
+                                        <p:strVal val="hidden"/>
                                       </p:to>
                                     </p:set>
                                   </p:childTnLst>
                                 </p:cTn>
                               </p:par>
                               <p:par>
-                                <p:cTn id="25" presetID="1" presetClass="exit" presetSubtype="0" fill="hold" grpId="1" nodeType="withEffect">
+                                <p:cTn id="25" presetID="1" presetClass="exit" presetSubtype="0" fill="hold" grpId="0" nodeType="withEffect">
                                   <p:stCondLst>
                                     <p:cond delay="0"/>
                                   </p:stCondLst>
@@ -7669,7 +7595,7 @@
                                           </p:stCondLst>
                                         </p:cTn>
                                         <p:tgtEl>
-                                          <p:spTgt spid="57"/>
+                                          <p:spTgt spid="60"/>
                                         </p:tgtEl>
                                         <p:attrNameLst>
                                           <p:attrName>style.visibility</p:attrName>
@@ -7691,60 +7617,6 @@
                                     <p:set>
                                       <p:cBhvr>
                                         <p:cTn id="28" dur="1" fill="hold">
-                                          <p:stCondLst>
-                                            <p:cond delay="0"/>
-                                          </p:stCondLst>
-                                        </p:cTn>
-                                        <p:tgtEl>
-                                          <p:spTgt spid="58"/>
-                                        </p:tgtEl>
-                                        <p:attrNameLst>
-                                          <p:attrName>style.visibility</p:attrName>
-                                        </p:attrNameLst>
-                                      </p:cBhvr>
-                                      <p:to>
-                                        <p:strVal val="hidden"/>
-                                      </p:to>
-                                    </p:set>
-                                  </p:childTnLst>
-                                </p:cTn>
-                              </p:par>
-                              <p:par>
-                                <p:cTn id="29" presetID="1" presetClass="exit" presetSubtype="0" fill="hold" grpId="0" nodeType="withEffect">
-                                  <p:stCondLst>
-                                    <p:cond delay="0"/>
-                                  </p:stCondLst>
-                                  <p:childTnLst>
-                                    <p:set>
-                                      <p:cBhvr>
-                                        <p:cTn id="30" dur="1" fill="hold">
-                                          <p:stCondLst>
-                                            <p:cond delay="0"/>
-                                          </p:stCondLst>
-                                        </p:cTn>
-                                        <p:tgtEl>
-                                          <p:spTgt spid="60"/>
-                                        </p:tgtEl>
-                                        <p:attrNameLst>
-                                          <p:attrName>style.visibility</p:attrName>
-                                        </p:attrNameLst>
-                                      </p:cBhvr>
-                                      <p:to>
-                                        <p:strVal val="hidden"/>
-                                      </p:to>
-                                    </p:set>
-                                  </p:childTnLst>
-                                </p:cTn>
-                              </p:par>
-                              <p:par>
-                                <p:cTn id="31" presetID="1" presetClass="exit" presetSubtype="0" fill="hold" grpId="0" nodeType="withEffect">
-                                  <p:stCondLst>
-                                    <p:cond delay="0"/>
-                                  </p:stCondLst>
-                                  <p:childTnLst>
-                                    <p:set>
-                                      <p:cBhvr>
-                                        <p:cTn id="32" dur="1" fill="hold">
                                           <p:stCondLst>
                                             <p:cond delay="0"/>
                                           </p:stCondLst>
@@ -7793,8 +7665,6 @@
     <p:bldLst>
       <p:bldP spid="47" grpId="0" animBg="1"/>
       <p:bldP spid="45" grpId="0" animBg="1"/>
-      <p:bldP spid="46" grpId="0" animBg="1"/>
-      <p:bldP spid="48" grpId="0" animBg="1"/>
       <p:bldP spid="49" grpId="0" animBg="1"/>
       <p:bldP spid="50" grpId="0"/>
       <p:bldP spid="50" grpId="1"/>

--- a/docs/slides/Display.pptx
+++ b/docs/slides/Display.pptx
@@ -209,7 +209,7 @@
           <a:p>
             <a:fld id="{A85B5F64-C6AB-4D2A-A6A5-B74B7BBFB14A}" type="datetimeFigureOut">
               <a:rPr lang="en-SG" smtClean="0"/>
-              <a:t>5/4/2020</a:t>
+              <a:t>9/4/2020</a:t>
             </a:fld>
             <a:endParaRPr lang="en-SG"/>
           </a:p>
@@ -758,7 +758,7 @@
           <a:p>
             <a:fld id="{FDF0BC31-AB78-47E3-B881-9EA76E133042}" type="datetimeFigureOut">
               <a:rPr lang="en-SG" smtClean="0"/>
-              <a:t>5/4/2020</a:t>
+              <a:t>9/4/2020</a:t>
             </a:fld>
             <a:endParaRPr lang="en-SG"/>
           </a:p>
@@ -928,7 +928,7 @@
           <a:p>
             <a:fld id="{FDF0BC31-AB78-47E3-B881-9EA76E133042}" type="datetimeFigureOut">
               <a:rPr lang="en-SG" smtClean="0"/>
-              <a:t>5/4/2020</a:t>
+              <a:t>9/4/2020</a:t>
             </a:fld>
             <a:endParaRPr lang="en-SG"/>
           </a:p>
@@ -1108,7 +1108,7 @@
           <a:p>
             <a:fld id="{FDF0BC31-AB78-47E3-B881-9EA76E133042}" type="datetimeFigureOut">
               <a:rPr lang="en-SG" smtClean="0"/>
-              <a:t>5/4/2020</a:t>
+              <a:t>9/4/2020</a:t>
             </a:fld>
             <a:endParaRPr lang="en-SG"/>
           </a:p>
@@ -1278,7 +1278,7 @@
           <a:p>
             <a:fld id="{FDF0BC31-AB78-47E3-B881-9EA76E133042}" type="datetimeFigureOut">
               <a:rPr lang="en-SG" smtClean="0"/>
-              <a:t>5/4/2020</a:t>
+              <a:t>9/4/2020</a:t>
             </a:fld>
             <a:endParaRPr lang="en-SG"/>
           </a:p>
@@ -1524,7 +1524,7 @@
           <a:p>
             <a:fld id="{FDF0BC31-AB78-47E3-B881-9EA76E133042}" type="datetimeFigureOut">
               <a:rPr lang="en-SG" smtClean="0"/>
-              <a:t>5/4/2020</a:t>
+              <a:t>9/4/2020</a:t>
             </a:fld>
             <a:endParaRPr lang="en-SG"/>
           </a:p>
@@ -1812,7 +1812,7 @@
           <a:p>
             <a:fld id="{FDF0BC31-AB78-47E3-B881-9EA76E133042}" type="datetimeFigureOut">
               <a:rPr lang="en-SG" smtClean="0"/>
-              <a:t>5/4/2020</a:t>
+              <a:t>9/4/2020</a:t>
             </a:fld>
             <a:endParaRPr lang="en-SG"/>
           </a:p>
@@ -2234,7 +2234,7 @@
           <a:p>
             <a:fld id="{FDF0BC31-AB78-47E3-B881-9EA76E133042}" type="datetimeFigureOut">
               <a:rPr lang="en-SG" smtClean="0"/>
-              <a:t>5/4/2020</a:t>
+              <a:t>9/4/2020</a:t>
             </a:fld>
             <a:endParaRPr lang="en-SG"/>
           </a:p>
@@ -2352,7 +2352,7 @@
           <a:p>
             <a:fld id="{FDF0BC31-AB78-47E3-B881-9EA76E133042}" type="datetimeFigureOut">
               <a:rPr lang="en-SG" smtClean="0"/>
-              <a:t>5/4/2020</a:t>
+              <a:t>9/4/2020</a:t>
             </a:fld>
             <a:endParaRPr lang="en-SG"/>
           </a:p>
@@ -2447,7 +2447,7 @@
           <a:p>
             <a:fld id="{FDF0BC31-AB78-47E3-B881-9EA76E133042}" type="datetimeFigureOut">
               <a:rPr lang="en-SG" smtClean="0"/>
-              <a:t>5/4/2020</a:t>
+              <a:t>9/4/2020</a:t>
             </a:fld>
             <a:endParaRPr lang="en-SG"/>
           </a:p>
@@ -2724,7 +2724,7 @@
           <a:p>
             <a:fld id="{FDF0BC31-AB78-47E3-B881-9EA76E133042}" type="datetimeFigureOut">
               <a:rPr lang="en-SG" smtClean="0"/>
-              <a:t>5/4/2020</a:t>
+              <a:t>9/4/2020</a:t>
             </a:fld>
             <a:endParaRPr lang="en-SG"/>
           </a:p>
@@ -2977,7 +2977,7 @@
           <a:p>
             <a:fld id="{FDF0BC31-AB78-47E3-B881-9EA76E133042}" type="datetimeFigureOut">
               <a:rPr lang="en-SG" smtClean="0"/>
-              <a:t>5/4/2020</a:t>
+              <a:t>9/4/2020</a:t>
             </a:fld>
             <a:endParaRPr lang="en-SG"/>
           </a:p>
@@ -3190,7 +3190,7 @@
           <a:p>
             <a:fld id="{FDF0BC31-AB78-47E3-B881-9EA76E133042}" type="datetimeFigureOut">
               <a:rPr lang="en-SG" smtClean="0"/>
-              <a:t>5/4/2020</a:t>
+              <a:t>9/4/2020</a:t>
             </a:fld>
             <a:endParaRPr lang="en-SG"/>
           </a:p>
@@ -4617,8 +4617,8 @@
         </p:nvSpPr>
         <p:spPr>
           <a:xfrm>
-            <a:off x="4800055" y="4293096"/>
-            <a:ext cx="3380529" cy="950562"/>
+            <a:off x="4800056" y="4293096"/>
+            <a:ext cx="3327690" cy="867976"/>
           </a:xfrm>
           <a:prstGeom prst="rect">
             <a:avLst/>
@@ -4644,7 +4644,7 @@
           <a:lstStyle/>
           <a:p>
             <a:pPr algn="ctr"/>
-            <a:endParaRPr lang="en-SG"/>
+            <a:endParaRPr lang="en-SG" sz="1500"/>
           </a:p>
         </p:txBody>
       </p:sp>
@@ -4694,7 +4694,7 @@
           <a:lstStyle/>
           <a:p>
             <a:pPr algn="ctr"/>
-            <a:endParaRPr lang="en-SG" dirty="0"/>
+            <a:endParaRPr lang="en-SG" sz="1500" dirty="0"/>
           </a:p>
         </p:txBody>
       </p:sp>
@@ -4712,8 +4712,8 @@
         </p:nvSpPr>
         <p:spPr>
           <a:xfrm>
-            <a:off x="5122167" y="4653136"/>
-            <a:ext cx="2736304" cy="369332"/>
+            <a:off x="5290733" y="4641949"/>
+            <a:ext cx="2736304" cy="323165"/>
           </a:xfrm>
           <a:prstGeom prst="rect">
             <a:avLst/>
@@ -4727,7 +4727,7 @@
           <a:lstStyle/>
           <a:p>
             <a:r>
-              <a:rPr lang="en-SG" dirty="0"/>
+              <a:rPr lang="en-SG" sz="1500" dirty="0"/>
               <a:t>get cost and budget details</a:t>
             </a:r>
           </a:p>
@@ -4748,7 +4748,7 @@
         <p:spPr>
           <a:xfrm>
             <a:off x="5011992" y="4260400"/>
-            <a:ext cx="514236" cy="369332"/>
+            <a:ext cx="514236" cy="323165"/>
           </a:xfrm>
           <a:prstGeom prst="rect">
             <a:avLst/>
@@ -4762,7 +4762,7 @@
           <a:lstStyle/>
           <a:p>
             <a:r>
-              <a:rPr lang="en-SG" dirty="0"/>
+              <a:rPr lang="en-SG" sz="1500" dirty="0"/>
               <a:t>ref</a:t>
             </a:r>
           </a:p>
@@ -4834,15 +4834,14 @@
           <a:p>
             <a:pPr algn="ctr"/>
             <a:r>
-              <a:rPr lang="en-SG" sz="1300" dirty="0">
-                <a:latin typeface="Calibri"/>
+              <a:rPr lang="en-SG" sz="1500" dirty="0">
                 <a:ea typeface="Calibri"/>
                 <a:cs typeface="Calibri"/>
                 <a:sym typeface="Calibri"/>
               </a:rPr>
               <a:t>:Duke</a:t>
             </a:r>
-            <a:endParaRPr sz="1300" dirty="0"/>
+            <a:endParaRPr sz="1500" dirty="0"/>
           </a:p>
         </p:txBody>
       </p:sp>
@@ -4915,15 +4914,14 @@
           <a:p>
             <a:pPr algn="ctr"/>
             <a:r>
-              <a:rPr lang="en" sz="1300" dirty="0">
-                <a:latin typeface="Calibri"/>
+              <a:rPr lang="en" sz="1500" dirty="0">
                 <a:ea typeface="Calibri"/>
                 <a:cs typeface="Calibri"/>
                 <a:sym typeface="Calibri"/>
               </a:rPr>
               <a:t>:Parser</a:t>
             </a:r>
-            <a:endParaRPr sz="1300" dirty="0"/>
+            <a:endParaRPr sz="1500" dirty="0"/>
           </a:p>
         </p:txBody>
       </p:sp>
@@ -4995,7 +4993,7 @@
           <a:lstStyle/>
           <a:p>
             <a:pPr algn="ctr"/>
-            <a:endParaRPr lang="en-US" sz="1400" dirty="0">
+            <a:endParaRPr lang="en-US" sz="1500" dirty="0">
               <a:solidFill>
                 <a:prstClr val="black"/>
               </a:solidFill>
@@ -5004,14 +5002,14 @@
           <a:p>
             <a:pPr algn="ctr"/>
             <a:r>
-              <a:rPr lang="en-US" sz="1400" dirty="0" err="1">
+              <a:rPr lang="en-US" sz="1500" dirty="0" err="1">
                 <a:solidFill>
                   <a:prstClr val="black"/>
                 </a:solidFill>
               </a:rPr>
               <a:t>myBudget:Budget</a:t>
             </a:r>
-            <a:endParaRPr lang="en-US" sz="1400" dirty="0">
+            <a:endParaRPr lang="en-US" sz="1500" dirty="0">
               <a:solidFill>
                 <a:prstClr val="black"/>
               </a:solidFill>
@@ -5019,16 +5017,16 @@
           </a:p>
           <a:p>
             <a:pPr algn="ctr"/>
-            <a:endParaRPr sz="1300" dirty="0"/>
-          </a:p>
-        </p:txBody>
-      </p:sp>
-      <p:sp>
-        <p:nvSpPr>
-          <p:cNvPr id="40" name="Google Shape;62;p14">
+            <a:endParaRPr sz="1500" dirty="0"/>
+          </a:p>
+        </p:txBody>
+      </p:sp>
+      <p:sp>
+        <p:nvSpPr>
+          <p:cNvPr id="36" name="Google Shape;62;p14">
             <a:extLst>
               <a:ext uri="{FF2B5EF4-FFF2-40B4-BE49-F238E27FC236}">
-                <a16:creationId xmlns:a16="http://schemas.microsoft.com/office/drawing/2014/main" id="{A2B3EF7E-7447-412C-B6CB-FC3C6A0611C6}"/>
+                <a16:creationId xmlns:a16="http://schemas.microsoft.com/office/drawing/2014/main" id="{98D794E5-AD8D-4380-AE00-B2FFB2978DFF}"/>
               </a:ext>
             </a:extLst>
           </p:cNvPr>
@@ -5037,8 +5035,8 @@
         </p:nvSpPr>
         <p:spPr>
           <a:xfrm>
-            <a:off x="6907536" y="2709589"/>
-            <a:ext cx="1662940" cy="587306"/>
+            <a:off x="6803793" y="2694864"/>
+            <a:ext cx="1870425" cy="600162"/>
           </a:xfrm>
           <a:prstGeom prst="rect">
             <a:avLst/>
@@ -5090,26 +5088,40 @@
           </a:bodyPr>
           <a:lstStyle/>
           <a:p>
-            <a:pPr algn="ctr" defTabSz="872733">
-              <a:spcBef>
-                <a:spcPct val="50000"/>
-              </a:spcBef>
-              <a:buFont typeface="Wingdings" pitchFamily="2" charset="2"/>
-              <a:buNone/>
-            </a:pPr>
-            <a:r>
-              <a:rPr lang="en-US" sz="1400" dirty="0" err="1">
+            <a:pPr algn="ctr"/>
+            <a:endParaRPr lang="en-US" sz="1500" kern="0" dirty="0">
+              <a:solidFill>
+                <a:prstClr val="black"/>
+              </a:solidFill>
+            </a:endParaRPr>
+          </a:p>
+          <a:p>
+            <a:pPr algn="ctr"/>
+            <a:r>
+              <a:rPr lang="en-US" sz="1500" kern="0" dirty="0" err="1">
                 <a:solidFill>
                   <a:prstClr val="black"/>
                 </a:solidFill>
               </a:rPr>
               <a:t>items:ShoppingList</a:t>
             </a:r>
-            <a:endParaRPr lang="en-US" sz="1400" dirty="0">
+            <a:endParaRPr lang="en-US" sz="1500" kern="0" dirty="0">
               <a:solidFill>
                 <a:prstClr val="black"/>
               </a:solidFill>
             </a:endParaRPr>
+          </a:p>
+          <a:p>
+            <a:pPr marL="0" marR="0" lvl="0" indent="0" algn="ctr" rtl="0">
+              <a:spcBef>
+                <a:spcPts val="0"/>
+              </a:spcBef>
+              <a:spcAft>
+                <a:spcPts val="0"/>
+              </a:spcAft>
+              <a:buNone/>
+            </a:pPr>
+            <a:endParaRPr sz="1500" dirty="0"/>
           </a:p>
         </p:txBody>
       </p:sp>
@@ -5869,8 +5881,8 @@
         </p:nvGrpSpPr>
         <p:grpSpPr>
           <a:xfrm>
-            <a:off x="1306285" y="609509"/>
-            <a:ext cx="6688782" cy="5668841"/>
+            <a:off x="1306284" y="609509"/>
+            <a:ext cx="6722099" cy="5668841"/>
             <a:chOff x="398286" y="343960"/>
             <a:chExt cx="8593314" cy="6455288"/>
           </a:xfrm>
@@ -5936,7 +5948,7 @@
               <a:lstStyle/>
               <a:p>
                 <a:pPr algn="ctr"/>
-                <a:endParaRPr lang="en-SG"/>
+                <a:endParaRPr lang="en-SG" sz="1500"/>
               </a:p>
             </p:txBody>
           </p:sp>
@@ -5986,7 +5998,7 @@
               <a:lstStyle/>
               <a:p>
                 <a:pPr algn="ctr"/>
-                <a:endParaRPr lang="en-SG" dirty="0"/>
+                <a:endParaRPr lang="en-SG" sz="1500" dirty="0"/>
               </a:p>
             </p:txBody>
           </p:sp>
@@ -6005,7 +6017,7 @@
             <p:spPr>
               <a:xfrm>
                 <a:off x="5038910" y="4283115"/>
-                <a:ext cx="2106917" cy="89809"/>
+                <a:ext cx="2106917" cy="70580"/>
               </a:xfrm>
               <a:prstGeom prst="rect">
                 <a:avLst/>
@@ -6019,16 +6031,16 @@
               <a:lstStyle/>
               <a:p>
                 <a:r>
-                  <a:rPr lang="en-SG" b="1" dirty="0" err="1"/>
+                  <a:rPr lang="en-SG" sz="1500" b="1" dirty="0" err="1"/>
                   <a:t>sd</a:t>
                 </a:r>
                 <a:r>
-                  <a:rPr lang="en-SG" dirty="0"/>
+                  <a:rPr lang="en-SG" sz="1500" dirty="0"/>
                   <a:t>  get cost and budget details</a:t>
                 </a:r>
               </a:p>
               <a:p>
-                <a:endParaRPr lang="en-SG" dirty="0"/>
+                <a:endParaRPr lang="en-SG" sz="1500" dirty="0"/>
               </a:p>
             </p:txBody>
           </p:sp>
@@ -6203,7 +6215,7 @@
             </a:lstStyle>
             <a:p>
               <a:pPr defTabSz="872733"/>
-              <a:endParaRPr lang="en-US" sz="2000" dirty="0">
+              <a:endParaRPr lang="en-US" sz="1500" dirty="0">
                 <a:solidFill>
                   <a:prstClr val="black"/>
                 </a:solidFill>
@@ -7160,7 +7172,7 @@
           <a:lstStyle/>
           <a:p>
             <a:pPr algn="ctr"/>
-            <a:endParaRPr lang="en-US" sz="1400" dirty="0">
+            <a:endParaRPr lang="en-US" sz="1500" dirty="0">
               <a:solidFill>
                 <a:prstClr val="black"/>
               </a:solidFill>
@@ -7169,14 +7181,14 @@
           <a:p>
             <a:pPr algn="ctr"/>
             <a:r>
-              <a:rPr lang="en-US" sz="1400" dirty="0" err="1">
+              <a:rPr lang="en-US" sz="1500" dirty="0" err="1">
                 <a:solidFill>
                   <a:prstClr val="black"/>
                 </a:solidFill>
               </a:rPr>
               <a:t>myBudget:Budget</a:t>
             </a:r>
-            <a:endParaRPr lang="en-US" sz="1400" dirty="0">
+            <a:endParaRPr lang="en-US" sz="1500" dirty="0">
               <a:solidFill>
                 <a:prstClr val="black"/>
               </a:solidFill>
@@ -7184,16 +7196,16 @@
           </a:p>
           <a:p>
             <a:pPr algn="ctr"/>
-            <a:endParaRPr sz="1300" dirty="0"/>
-          </a:p>
-        </p:txBody>
-      </p:sp>
-      <p:sp>
-        <p:nvSpPr>
-          <p:cNvPr id="26" name="Google Shape;62;p14">
+            <a:endParaRPr sz="1500" dirty="0"/>
+          </a:p>
+        </p:txBody>
+      </p:sp>
+      <p:sp>
+        <p:nvSpPr>
+          <p:cNvPr id="25" name="Google Shape;62;p14">
             <a:extLst>
               <a:ext uri="{FF2B5EF4-FFF2-40B4-BE49-F238E27FC236}">
-                <a16:creationId xmlns:a16="http://schemas.microsoft.com/office/drawing/2014/main" id="{1EAFC022-C367-4C7E-8042-DF718D0C715A}"/>
+                <a16:creationId xmlns:a16="http://schemas.microsoft.com/office/drawing/2014/main" id="{EF732EBD-4D77-4A7C-A4CA-3E60413F6D3D}"/>
               </a:ext>
             </a:extLst>
           </p:cNvPr>
@@ -7202,8 +7214,8 @@
         </p:nvSpPr>
         <p:spPr>
           <a:xfrm>
-            <a:off x="6223192" y="1584194"/>
-            <a:ext cx="1661980" cy="621915"/>
+            <a:off x="6222089" y="1614175"/>
+            <a:ext cx="1664186" cy="627678"/>
           </a:xfrm>
           <a:prstGeom prst="rect">
             <a:avLst/>
@@ -7255,26 +7267,40 @@
           </a:bodyPr>
           <a:lstStyle/>
           <a:p>
-            <a:pPr algn="ctr" defTabSz="872733">
-              <a:spcBef>
-                <a:spcPct val="50000"/>
-              </a:spcBef>
-              <a:buFont typeface="Wingdings" pitchFamily="2" charset="2"/>
-              <a:buNone/>
-            </a:pPr>
-            <a:r>
-              <a:rPr lang="en-US" sz="1400" dirty="0" err="1">
+            <a:pPr algn="ctr"/>
+            <a:endParaRPr lang="en-US" sz="1500" kern="0" dirty="0">
+              <a:solidFill>
+                <a:prstClr val="black"/>
+              </a:solidFill>
+            </a:endParaRPr>
+          </a:p>
+          <a:p>
+            <a:pPr algn="ctr"/>
+            <a:r>
+              <a:rPr lang="en-US" sz="1500" kern="0" dirty="0" err="1">
                 <a:solidFill>
                   <a:prstClr val="black"/>
                 </a:solidFill>
               </a:rPr>
               <a:t>items:ShoppingList</a:t>
             </a:r>
-            <a:endParaRPr lang="en-US" sz="1400" dirty="0">
+            <a:endParaRPr lang="en-US" sz="1500" kern="0" dirty="0">
               <a:solidFill>
                 <a:prstClr val="black"/>
               </a:solidFill>
             </a:endParaRPr>
+          </a:p>
+          <a:p>
+            <a:pPr marL="0" marR="0" lvl="0" indent="0" algn="ctr" rtl="0">
+              <a:spcBef>
+                <a:spcPts val="0"/>
+              </a:spcBef>
+              <a:spcAft>
+                <a:spcPts val="0"/>
+              </a:spcAft>
+              <a:buNone/>
+            </a:pPr>
+            <a:endParaRPr sz="1500" dirty="0"/>
           </a:p>
         </p:txBody>
       </p:sp>
